--- a/dist/public/presentations/Beyond Decentralized Technology Overview.pptx
+++ b/dist/public/presentations/Beyond Decentralized Technology Overview.pptx
@@ -3,33 +3,34 @@
 <p:presentation xmlns:a="http://schemas.openxmlformats.org/drawingml/2006/main" xmlns:p="http://schemas.openxmlformats.org/presentationml/2006/main" xmlns:r="http://schemas.openxmlformats.org/officeDocument/2006/relationships" xmlns:p14="http://schemas.microsoft.com/office/powerpoint/2010/main" xmlns:p15="http://schemas.microsoft.com/office/powerpoint/2012/main" xmlns:mc="http://schemas.openxmlformats.org/markup-compatibility/2006">
   <p:sldMasterIdLst>
     <p:sldMasterId id="2147483648" r:id="rId2"/>
+    <p:sldMasterId id="2147483661" r:id="rId3"/>
   </p:sldMasterIdLst>
   <p:sldIdLst>
-    <p:sldId id="256" r:id="rId3"/>
-    <p:sldId id="257" r:id="rId4"/>
-    <p:sldId id="258" r:id="rId5"/>
-    <p:sldId id="259" r:id="rId6"/>
-    <p:sldId id="260" r:id="rId7"/>
-    <p:sldId id="261" r:id="rId8"/>
-    <p:sldId id="262" r:id="rId9"/>
-    <p:sldId id="263" r:id="rId10"/>
-    <p:sldId id="264" r:id="rId11"/>
-    <p:sldId id="265" r:id="rId12"/>
-    <p:sldId id="266" r:id="rId13"/>
-    <p:sldId id="267" r:id="rId14"/>
-    <p:sldId id="268" r:id="rId15"/>
-    <p:sldId id="269" r:id="rId16"/>
-    <p:sldId id="270" r:id="rId17"/>
-    <p:sldId id="271" r:id="rId18"/>
-    <p:sldId id="272" r:id="rId19"/>
-    <p:sldId id="273" r:id="rId20"/>
-    <p:sldId id="274" r:id="rId21"/>
-    <p:sldId id="275" r:id="rId22"/>
-    <p:sldId id="276" r:id="rId23"/>
-    <p:sldId id="277" r:id="rId24"/>
-    <p:sldId id="278" r:id="rId25"/>
-    <p:sldId id="279" r:id="rId26"/>
-    <p:sldId id="280" r:id="rId27"/>
+    <p:sldId id="256" r:id="rId4"/>
+    <p:sldId id="257" r:id="rId5"/>
+    <p:sldId id="258" r:id="rId6"/>
+    <p:sldId id="259" r:id="rId7"/>
+    <p:sldId id="260" r:id="rId8"/>
+    <p:sldId id="261" r:id="rId9"/>
+    <p:sldId id="262" r:id="rId10"/>
+    <p:sldId id="263" r:id="rId11"/>
+    <p:sldId id="264" r:id="rId12"/>
+    <p:sldId id="265" r:id="rId13"/>
+    <p:sldId id="266" r:id="rId14"/>
+    <p:sldId id="267" r:id="rId15"/>
+    <p:sldId id="268" r:id="rId16"/>
+    <p:sldId id="269" r:id="rId17"/>
+    <p:sldId id="270" r:id="rId18"/>
+    <p:sldId id="271" r:id="rId19"/>
+    <p:sldId id="272" r:id="rId20"/>
+    <p:sldId id="273" r:id="rId21"/>
+    <p:sldId id="274" r:id="rId22"/>
+    <p:sldId id="275" r:id="rId23"/>
+    <p:sldId id="276" r:id="rId24"/>
+    <p:sldId id="277" r:id="rId25"/>
+    <p:sldId id="278" r:id="rId26"/>
+    <p:sldId id="279" r:id="rId27"/>
+    <p:sldId id="280" r:id="rId28"/>
   </p:sldIdLst>
   <p:sldSz cx="10080625" cy="5670550"/>
   <p:notesSz cx="7772400" cy="10058400"/>
@@ -60,7 +61,7 @@
             <a:spLocks noGrp="1"/>
           </p:cNvSpPr>
           <p:nvPr>
-            <p:ph type="ftr" idx="2"/>
+            <p:ph type="ftr" idx="1"/>
           </p:nvPr>
         </p:nvSpPr>
         <p:spPr/>
@@ -80,14 +81,14 @@
             <a:spLocks noGrp="1"/>
           </p:cNvSpPr>
           <p:nvPr>
-            <p:ph type="sldNum" idx="3"/>
+            <p:ph type="sldNum" idx="2"/>
           </p:nvPr>
         </p:nvSpPr>
         <p:spPr/>
         <p:txBody>
           <a:bodyPr/>
           <a:p>
-            <a:fld id="{D0ABEE5E-EBA2-4B7C-9A8E-ADC2B941D59F}" type="slidenum">
+            <a:fld id="{9B5C95B4-B6F3-49D5-90FF-CFC881C38432}" type="slidenum">
               <a:t>&lt;#&gt;</a:t>
             </a:fld>
           </a:p>
@@ -100,7 +101,7 @@
             <a:spLocks noGrp="1"/>
           </p:cNvSpPr>
           <p:nvPr>
-            <p:ph type="dt" idx="1"/>
+            <p:ph type="dt" idx="3"/>
           </p:nvPr>
         </p:nvSpPr>
         <p:spPr/>
@@ -149,7 +150,7 @@
         <p:spPr>
           <a:xfrm>
             <a:off x="504000" y="226080"/>
-            <a:ext cx="9071640" cy="946440"/>
+            <a:ext cx="9071280" cy="946080"/>
           </a:xfrm>
           <a:prstGeom prst="rect">
             <a:avLst/>
@@ -168,9 +169,6 @@
               <a:buNone/>
             </a:pPr>
             <a:endParaRPr b="0" lang="en-US" sz="4400" spc="-1" strike="noStrike">
-              <a:solidFill>
-                <a:srgbClr val="000000"/>
-              </a:solidFill>
               <a:latin typeface="Arial"/>
             </a:endParaRPr>
           </a:p>
@@ -189,7 +187,7 @@
         <p:spPr>
           <a:xfrm>
             <a:off x="504000" y="1326600"/>
-            <a:ext cx="9071640" cy="1568160"/>
+            <a:ext cx="9071280" cy="1568160"/>
           </a:xfrm>
           <a:prstGeom prst="rect">
             <a:avLst/>
@@ -223,7 +221,7 @@
         <p:spPr>
           <a:xfrm>
             <a:off x="504000" y="3044160"/>
-            <a:ext cx="9071640" cy="1568160"/>
+            <a:ext cx="9071280" cy="1568160"/>
           </a:xfrm>
           <a:prstGeom prst="rect">
             <a:avLst/>
@@ -251,7 +249,7 @@
             <a:spLocks noGrp="1"/>
           </p:cNvSpPr>
           <p:nvPr>
-            <p:ph type="ftr" idx="2"/>
+            <p:ph type="ftr" idx="1"/>
           </p:nvPr>
         </p:nvSpPr>
         <p:spPr/>
@@ -271,14 +269,14 @@
             <a:spLocks noGrp="1"/>
           </p:cNvSpPr>
           <p:nvPr>
-            <p:ph type="sldNum" idx="3"/>
+            <p:ph type="sldNum" idx="2"/>
           </p:nvPr>
         </p:nvSpPr>
         <p:spPr/>
         <p:txBody>
           <a:bodyPr/>
           <a:p>
-            <a:fld id="{0667F820-7EF2-4740-B235-44EEBDB02053}" type="slidenum">
+            <a:fld id="{166D4DB6-DC27-473B-A053-E187B976FB90}" type="slidenum">
               <a:t>&lt;#&gt;</a:t>
             </a:fld>
           </a:p>
@@ -291,7 +289,7 @@
             <a:spLocks noGrp="1"/>
           </p:cNvSpPr>
           <p:nvPr>
-            <p:ph type="dt" idx="1"/>
+            <p:ph type="dt" idx="3"/>
           </p:nvPr>
         </p:nvSpPr>
         <p:spPr/>
@@ -340,7 +338,7 @@
         <p:spPr>
           <a:xfrm>
             <a:off x="504000" y="226080"/>
-            <a:ext cx="9071640" cy="946440"/>
+            <a:ext cx="9071280" cy="946080"/>
           </a:xfrm>
           <a:prstGeom prst="rect">
             <a:avLst/>
@@ -359,9 +357,6 @@
               <a:buNone/>
             </a:pPr>
             <a:endParaRPr b="0" lang="en-US" sz="4400" spc="-1" strike="noStrike">
-              <a:solidFill>
-                <a:srgbClr val="000000"/>
-              </a:solidFill>
               <a:latin typeface="Arial"/>
             </a:endParaRPr>
           </a:p>
@@ -380,7 +375,7 @@
         <p:spPr>
           <a:xfrm>
             <a:off x="504000" y="1326600"/>
-            <a:ext cx="4426920" cy="1568160"/>
+            <a:ext cx="4426560" cy="1568160"/>
           </a:xfrm>
           <a:prstGeom prst="rect">
             <a:avLst/>
@@ -413,8 +408,8 @@
         </p:nvSpPr>
         <p:spPr>
           <a:xfrm>
-            <a:off x="5152680" y="1326600"/>
-            <a:ext cx="4426920" cy="1568160"/>
+            <a:off x="5152320" y="1326600"/>
+            <a:ext cx="4426560" cy="1568160"/>
           </a:xfrm>
           <a:prstGeom prst="rect">
             <a:avLst/>
@@ -448,7 +443,7 @@
         <p:spPr>
           <a:xfrm>
             <a:off x="504000" y="3044160"/>
-            <a:ext cx="4426920" cy="1568160"/>
+            <a:ext cx="4426560" cy="1568160"/>
           </a:xfrm>
           <a:prstGeom prst="rect">
             <a:avLst/>
@@ -481,8 +476,8 @@
         </p:nvSpPr>
         <p:spPr>
           <a:xfrm>
-            <a:off x="5152680" y="3044160"/>
-            <a:ext cx="4426920" cy="1568160"/>
+            <a:off x="5152320" y="3044160"/>
+            <a:ext cx="4426560" cy="1568160"/>
           </a:xfrm>
           <a:prstGeom prst="rect">
             <a:avLst/>
@@ -510,7 +505,7 @@
             <a:spLocks noGrp="1"/>
           </p:cNvSpPr>
           <p:nvPr>
-            <p:ph type="ftr" idx="2"/>
+            <p:ph type="ftr" idx="1"/>
           </p:nvPr>
         </p:nvSpPr>
         <p:spPr/>
@@ -530,14 +525,14 @@
             <a:spLocks noGrp="1"/>
           </p:cNvSpPr>
           <p:nvPr>
-            <p:ph type="sldNum" idx="3"/>
+            <p:ph type="sldNum" idx="2"/>
           </p:nvPr>
         </p:nvSpPr>
         <p:spPr/>
         <p:txBody>
           <a:bodyPr/>
           <a:p>
-            <a:fld id="{9D7F9E43-1981-4C33-AE2B-F6B2536B6F3F}" type="slidenum">
+            <a:fld id="{478736AA-A88F-4F2B-9E3B-0DF60248631F}" type="slidenum">
               <a:t>&lt;#&gt;</a:t>
             </a:fld>
           </a:p>
@@ -550,7 +545,7 @@
             <a:spLocks noGrp="1"/>
           </p:cNvSpPr>
           <p:nvPr>
-            <p:ph type="dt" idx="1"/>
+            <p:ph type="dt" idx="3"/>
           </p:nvPr>
         </p:nvSpPr>
         <p:spPr/>
@@ -599,7 +594,7 @@
         <p:spPr>
           <a:xfrm>
             <a:off x="504000" y="226080"/>
-            <a:ext cx="9071640" cy="946440"/>
+            <a:ext cx="9071280" cy="946080"/>
           </a:xfrm>
           <a:prstGeom prst="rect">
             <a:avLst/>
@@ -618,9 +613,6 @@
               <a:buNone/>
             </a:pPr>
             <a:endParaRPr b="0" lang="en-US" sz="4400" spc="-1" strike="noStrike">
-              <a:solidFill>
-                <a:srgbClr val="000000"/>
-              </a:solidFill>
               <a:latin typeface="Arial"/>
             </a:endParaRPr>
           </a:p>
@@ -837,7 +829,7 @@
             <a:spLocks noGrp="1"/>
           </p:cNvSpPr>
           <p:nvPr>
-            <p:ph type="ftr" idx="2"/>
+            <p:ph type="ftr" idx="1"/>
           </p:nvPr>
         </p:nvSpPr>
         <p:spPr/>
@@ -857,14 +849,14 @@
             <a:spLocks noGrp="1"/>
           </p:cNvSpPr>
           <p:nvPr>
-            <p:ph type="sldNum" idx="3"/>
+            <p:ph type="sldNum" idx="2"/>
           </p:nvPr>
         </p:nvSpPr>
         <p:spPr/>
         <p:txBody>
           <a:bodyPr/>
           <a:p>
-            <a:fld id="{2B9DCA34-C85B-4FE7-9CE6-4CDD760A0AD3}" type="slidenum">
+            <a:fld id="{919AC44A-373B-4905-98EE-08AD78947BFB}" type="slidenum">
               <a:t>&lt;#&gt;</a:t>
             </a:fld>
           </a:p>
@@ -877,7 +869,1051 @@
             <a:spLocks noGrp="1"/>
           </p:cNvSpPr>
           <p:nvPr>
-            <p:ph type="dt" idx="1"/>
+            <p:ph type="dt" idx="3"/>
+          </p:nvPr>
+        </p:nvSpPr>
+        <p:spPr/>
+        <p:txBody>
+          <a:bodyPr/>
+          <a:p>
+            <a:r>
+              <a:rPr lang="en-US"/>
+              <a:t/>
+            </a:r>
+          </a:p>
+        </p:txBody>
+      </p:sp>
+    </p:spTree>
+  </p:cSld>
+</p:sldLayout>
+</file>
+
+<file path=ppt/slideLayouts/slideLayout13.xml><?xml version="1.0" encoding="utf-8"?>
+<p:sldLayout xmlns:a="http://schemas.openxmlformats.org/drawingml/2006/main" xmlns:p="http://schemas.openxmlformats.org/presentationml/2006/main" xmlns:r="http://schemas.openxmlformats.org/officeDocument/2006/relationships" xmlns:p14="http://schemas.microsoft.com/office/powerpoint/2010/main" xmlns:p15="http://schemas.microsoft.com/office/powerpoint/2012/main" xmlns:mc="http://schemas.openxmlformats.org/markup-compatibility/2006" type="blank" preserve="1">
+  <p:cSld name="Blank Slide">
+    <p:spTree>
+      <p:nvGrpSpPr>
+        <p:cNvPr id="1" name=""/>
+        <p:cNvGrpSpPr/>
+        <p:nvPr/>
+      </p:nvGrpSpPr>
+      <p:grpSpPr>
+        <a:xfrm>
+          <a:off x="0" y="0"/>
+          <a:ext cx="0" cy="0"/>
+          <a:chOff x="0" y="0"/>
+          <a:chExt cx="0" cy="0"/>
+        </a:xfrm>
+      </p:grpSpPr>
+      <p:sp>
+        <p:nvSpPr>
+          <p:cNvPr id="2" name="PlaceHolder 1"/>
+          <p:cNvSpPr>
+            <a:spLocks noGrp="1"/>
+          </p:cNvSpPr>
+          <p:nvPr>
+            <p:ph type="ftr" idx="4"/>
+          </p:nvPr>
+        </p:nvSpPr>
+        <p:spPr/>
+        <p:txBody>
+          <a:bodyPr/>
+          <a:p>
+            <a:r>
+              <a:t>Footer</a:t>
+            </a:r>
+          </a:p>
+        </p:txBody>
+      </p:sp>
+      <p:sp>
+        <p:nvSpPr>
+          <p:cNvPr id="3" name="PlaceHolder 2"/>
+          <p:cNvSpPr>
+            <a:spLocks noGrp="1"/>
+          </p:cNvSpPr>
+          <p:nvPr>
+            <p:ph type="sldNum" idx="5"/>
+          </p:nvPr>
+        </p:nvSpPr>
+        <p:spPr/>
+        <p:txBody>
+          <a:bodyPr/>
+          <a:p>
+            <a:fld id="{829AE9DF-FF70-411E-955D-AAE7988AFCD8}" type="slidenum">
+              <a:t>&lt;#&gt;</a:t>
+            </a:fld>
+          </a:p>
+        </p:txBody>
+      </p:sp>
+      <p:sp>
+        <p:nvSpPr>
+          <p:cNvPr id="4" name="PlaceHolder 3"/>
+          <p:cNvSpPr>
+            <a:spLocks noGrp="1"/>
+          </p:cNvSpPr>
+          <p:nvPr>
+            <p:ph type="dt" idx="6"/>
+          </p:nvPr>
+        </p:nvSpPr>
+        <p:spPr/>
+        <p:txBody>
+          <a:bodyPr/>
+          <a:p>
+            <a:r>
+              <a:rPr lang="en-US"/>
+              <a:t/>
+            </a:r>
+          </a:p>
+        </p:txBody>
+      </p:sp>
+    </p:spTree>
+  </p:cSld>
+</p:sldLayout>
+</file>
+
+<file path=ppt/slideLayouts/slideLayout14.xml><?xml version="1.0" encoding="utf-8"?>
+<p:sldLayout xmlns:a="http://schemas.openxmlformats.org/drawingml/2006/main" xmlns:p="http://schemas.openxmlformats.org/presentationml/2006/main" xmlns:r="http://schemas.openxmlformats.org/officeDocument/2006/relationships" xmlns:p14="http://schemas.microsoft.com/office/powerpoint/2010/main" xmlns:p15="http://schemas.microsoft.com/office/powerpoint/2012/main" xmlns:mc="http://schemas.openxmlformats.org/markup-compatibility/2006" type="tx" preserve="1">
+  <p:cSld name="Title Slide">
+    <p:spTree>
+      <p:nvGrpSpPr>
+        <p:cNvPr id="1" name=""/>
+        <p:cNvGrpSpPr/>
+        <p:nvPr/>
+      </p:nvGrpSpPr>
+      <p:grpSpPr>
+        <a:xfrm>
+          <a:off x="0" y="0"/>
+          <a:ext cx="0" cy="0"/>
+          <a:chOff x="0" y="0"/>
+          <a:chExt cx="0" cy="0"/>
+        </a:xfrm>
+      </p:grpSpPr>
+      <p:sp>
+        <p:nvSpPr>
+          <p:cNvPr id="46" name="PlaceHolder 1"/>
+          <p:cNvSpPr>
+            <a:spLocks noGrp="1"/>
+          </p:cNvSpPr>
+          <p:nvPr>
+            <p:ph type="title"/>
+          </p:nvPr>
+        </p:nvSpPr>
+        <p:spPr>
+          <a:xfrm>
+            <a:off x="504000" y="226080"/>
+            <a:ext cx="9071280" cy="946080"/>
+          </a:xfrm>
+          <a:prstGeom prst="rect">
+            <a:avLst/>
+          </a:prstGeom>
+          <a:noFill/>
+          <a:ln w="0">
+            <a:noFill/>
+          </a:ln>
+        </p:spPr>
+        <p:txBody>
+          <a:bodyPr lIns="0" rIns="0" tIns="0" bIns="0" anchor="ctr">
+            <a:noAutofit/>
+          </a:bodyPr>
+          <a:p>
+            <a:pPr algn="ctr">
+              <a:buNone/>
+            </a:pPr>
+            <a:endParaRPr b="0" lang="en-US" sz="4400" spc="-1" strike="noStrike">
+              <a:latin typeface="Arial"/>
+            </a:endParaRPr>
+          </a:p>
+        </p:txBody>
+      </p:sp>
+      <p:sp>
+        <p:nvSpPr>
+          <p:cNvPr id="47" name="PlaceHolder 2"/>
+          <p:cNvSpPr>
+            <a:spLocks noGrp="1"/>
+          </p:cNvSpPr>
+          <p:nvPr>
+            <p:ph type="subTitle"/>
+          </p:nvPr>
+        </p:nvSpPr>
+        <p:spPr>
+          <a:xfrm>
+            <a:off x="504000" y="1326600"/>
+            <a:ext cx="9071280" cy="3287880"/>
+          </a:xfrm>
+          <a:prstGeom prst="rect">
+            <a:avLst/>
+          </a:prstGeom>
+          <a:noFill/>
+          <a:ln w="0">
+            <a:noFill/>
+          </a:ln>
+        </p:spPr>
+        <p:txBody>
+          <a:bodyPr lIns="0" rIns="0" tIns="0" bIns="0" anchor="ctr">
+            <a:noAutofit/>
+          </a:bodyPr>
+          <a:p>
+            <a:pPr algn="ctr">
+              <a:buNone/>
+            </a:pPr>
+            <a:endParaRPr b="0" lang="en-US" sz="3200" spc="-1" strike="noStrike">
+              <a:latin typeface="Arial"/>
+            </a:endParaRPr>
+          </a:p>
+        </p:txBody>
+      </p:sp>
+      <p:sp>
+        <p:nvSpPr>
+          <p:cNvPr id="4" name="PlaceHolder 3"/>
+          <p:cNvSpPr>
+            <a:spLocks noGrp="1"/>
+          </p:cNvSpPr>
+          <p:nvPr>
+            <p:ph type="ftr" idx="4"/>
+          </p:nvPr>
+        </p:nvSpPr>
+        <p:spPr/>
+        <p:txBody>
+          <a:bodyPr/>
+          <a:p>
+            <a:r>
+              <a:t>Footer</a:t>
+            </a:r>
+          </a:p>
+        </p:txBody>
+      </p:sp>
+      <p:sp>
+        <p:nvSpPr>
+          <p:cNvPr id="5" name="PlaceHolder 4"/>
+          <p:cNvSpPr>
+            <a:spLocks noGrp="1"/>
+          </p:cNvSpPr>
+          <p:nvPr>
+            <p:ph type="sldNum" idx="5"/>
+          </p:nvPr>
+        </p:nvSpPr>
+        <p:spPr/>
+        <p:txBody>
+          <a:bodyPr/>
+          <a:p>
+            <a:fld id="{C5251731-1AEE-4156-A5BE-663C64E4D72D}" type="slidenum">
+              <a:t>&lt;#&gt;</a:t>
+            </a:fld>
+          </a:p>
+        </p:txBody>
+      </p:sp>
+      <p:sp>
+        <p:nvSpPr>
+          <p:cNvPr id="6" name="PlaceHolder 5"/>
+          <p:cNvSpPr>
+            <a:spLocks noGrp="1"/>
+          </p:cNvSpPr>
+          <p:nvPr>
+            <p:ph type="dt" idx="6"/>
+          </p:nvPr>
+        </p:nvSpPr>
+        <p:spPr/>
+        <p:txBody>
+          <a:bodyPr/>
+          <a:p>
+            <a:r>
+              <a:rPr lang="en-US"/>
+              <a:t/>
+            </a:r>
+          </a:p>
+        </p:txBody>
+      </p:sp>
+    </p:spTree>
+  </p:cSld>
+</p:sldLayout>
+</file>
+
+<file path=ppt/slideLayouts/slideLayout15.xml><?xml version="1.0" encoding="utf-8"?>
+<p:sldLayout xmlns:a="http://schemas.openxmlformats.org/drawingml/2006/main" xmlns:p="http://schemas.openxmlformats.org/presentationml/2006/main" xmlns:r="http://schemas.openxmlformats.org/officeDocument/2006/relationships" xmlns:p14="http://schemas.microsoft.com/office/powerpoint/2010/main" xmlns:p15="http://schemas.microsoft.com/office/powerpoint/2012/main" xmlns:mc="http://schemas.openxmlformats.org/markup-compatibility/2006" type="obj" preserve="1">
+  <p:cSld name="Title, Content">
+    <p:spTree>
+      <p:nvGrpSpPr>
+        <p:cNvPr id="1" name=""/>
+        <p:cNvGrpSpPr/>
+        <p:nvPr/>
+      </p:nvGrpSpPr>
+      <p:grpSpPr>
+        <a:xfrm>
+          <a:off x="0" y="0"/>
+          <a:ext cx="0" cy="0"/>
+          <a:chOff x="0" y="0"/>
+          <a:chExt cx="0" cy="0"/>
+        </a:xfrm>
+      </p:grpSpPr>
+      <p:sp>
+        <p:nvSpPr>
+          <p:cNvPr id="48" name="PlaceHolder 1"/>
+          <p:cNvSpPr>
+            <a:spLocks noGrp="1"/>
+          </p:cNvSpPr>
+          <p:nvPr>
+            <p:ph type="title"/>
+          </p:nvPr>
+        </p:nvSpPr>
+        <p:spPr>
+          <a:xfrm>
+            <a:off x="504000" y="226080"/>
+            <a:ext cx="9071280" cy="946080"/>
+          </a:xfrm>
+          <a:prstGeom prst="rect">
+            <a:avLst/>
+          </a:prstGeom>
+          <a:noFill/>
+          <a:ln w="0">
+            <a:noFill/>
+          </a:ln>
+        </p:spPr>
+        <p:txBody>
+          <a:bodyPr lIns="0" rIns="0" tIns="0" bIns="0" anchor="ctr">
+            <a:noAutofit/>
+          </a:bodyPr>
+          <a:p>
+            <a:pPr algn="ctr">
+              <a:buNone/>
+            </a:pPr>
+            <a:endParaRPr b="0" lang="en-US" sz="4400" spc="-1" strike="noStrike">
+              <a:latin typeface="Arial"/>
+            </a:endParaRPr>
+          </a:p>
+        </p:txBody>
+      </p:sp>
+      <p:sp>
+        <p:nvSpPr>
+          <p:cNvPr id="49" name="PlaceHolder 2"/>
+          <p:cNvSpPr>
+            <a:spLocks noGrp="1"/>
+          </p:cNvSpPr>
+          <p:nvPr>
+            <p:ph/>
+          </p:nvPr>
+        </p:nvSpPr>
+        <p:spPr>
+          <a:xfrm>
+            <a:off x="504000" y="1326600"/>
+            <a:ext cx="9071280" cy="3287880"/>
+          </a:xfrm>
+          <a:prstGeom prst="rect">
+            <a:avLst/>
+          </a:prstGeom>
+          <a:noFill/>
+          <a:ln w="0">
+            <a:noFill/>
+          </a:ln>
+        </p:spPr>
+        <p:txBody>
+          <a:bodyPr lIns="0" rIns="0" tIns="0" bIns="0" anchor="t">
+            <a:normAutofit/>
+          </a:bodyPr>
+          <a:p>
+            <a:endParaRPr b="0" lang="en-US" sz="3200" spc="-1" strike="noStrike">
+              <a:latin typeface="Arial"/>
+            </a:endParaRPr>
+          </a:p>
+        </p:txBody>
+      </p:sp>
+      <p:sp>
+        <p:nvSpPr>
+          <p:cNvPr id="4" name="PlaceHolder 3"/>
+          <p:cNvSpPr>
+            <a:spLocks noGrp="1"/>
+          </p:cNvSpPr>
+          <p:nvPr>
+            <p:ph type="ftr" idx="4"/>
+          </p:nvPr>
+        </p:nvSpPr>
+        <p:spPr/>
+        <p:txBody>
+          <a:bodyPr/>
+          <a:p>
+            <a:r>
+              <a:t>Footer</a:t>
+            </a:r>
+          </a:p>
+        </p:txBody>
+      </p:sp>
+      <p:sp>
+        <p:nvSpPr>
+          <p:cNvPr id="5" name="PlaceHolder 4"/>
+          <p:cNvSpPr>
+            <a:spLocks noGrp="1"/>
+          </p:cNvSpPr>
+          <p:nvPr>
+            <p:ph type="sldNum" idx="5"/>
+          </p:nvPr>
+        </p:nvSpPr>
+        <p:spPr/>
+        <p:txBody>
+          <a:bodyPr/>
+          <a:p>
+            <a:fld id="{3FEBC0F0-CC8A-4E8F-9DE6-6EAD8DCC3E9F}" type="slidenum">
+              <a:t>&lt;#&gt;</a:t>
+            </a:fld>
+          </a:p>
+        </p:txBody>
+      </p:sp>
+      <p:sp>
+        <p:nvSpPr>
+          <p:cNvPr id="6" name="PlaceHolder 5"/>
+          <p:cNvSpPr>
+            <a:spLocks noGrp="1"/>
+          </p:cNvSpPr>
+          <p:nvPr>
+            <p:ph type="dt" idx="6"/>
+          </p:nvPr>
+        </p:nvSpPr>
+        <p:spPr/>
+        <p:txBody>
+          <a:bodyPr/>
+          <a:p>
+            <a:r>
+              <a:rPr lang="en-US"/>
+              <a:t/>
+            </a:r>
+          </a:p>
+        </p:txBody>
+      </p:sp>
+    </p:spTree>
+  </p:cSld>
+</p:sldLayout>
+</file>
+
+<file path=ppt/slideLayouts/slideLayout16.xml><?xml version="1.0" encoding="utf-8"?>
+<p:sldLayout xmlns:a="http://schemas.openxmlformats.org/drawingml/2006/main" xmlns:p="http://schemas.openxmlformats.org/presentationml/2006/main" xmlns:r="http://schemas.openxmlformats.org/officeDocument/2006/relationships" xmlns:p14="http://schemas.microsoft.com/office/powerpoint/2010/main" xmlns:p15="http://schemas.microsoft.com/office/powerpoint/2012/main" xmlns:mc="http://schemas.openxmlformats.org/markup-compatibility/2006" type="twoObj" preserve="1">
+  <p:cSld name="Title, 2 Content">
+    <p:spTree>
+      <p:nvGrpSpPr>
+        <p:cNvPr id="1" name=""/>
+        <p:cNvGrpSpPr/>
+        <p:nvPr/>
+      </p:nvGrpSpPr>
+      <p:grpSpPr>
+        <a:xfrm>
+          <a:off x="0" y="0"/>
+          <a:ext cx="0" cy="0"/>
+          <a:chOff x="0" y="0"/>
+          <a:chExt cx="0" cy="0"/>
+        </a:xfrm>
+      </p:grpSpPr>
+      <p:sp>
+        <p:nvSpPr>
+          <p:cNvPr id="50" name="PlaceHolder 1"/>
+          <p:cNvSpPr>
+            <a:spLocks noGrp="1"/>
+          </p:cNvSpPr>
+          <p:nvPr>
+            <p:ph type="title"/>
+          </p:nvPr>
+        </p:nvSpPr>
+        <p:spPr>
+          <a:xfrm>
+            <a:off x="504000" y="226080"/>
+            <a:ext cx="9071280" cy="946080"/>
+          </a:xfrm>
+          <a:prstGeom prst="rect">
+            <a:avLst/>
+          </a:prstGeom>
+          <a:noFill/>
+          <a:ln w="0">
+            <a:noFill/>
+          </a:ln>
+        </p:spPr>
+        <p:txBody>
+          <a:bodyPr lIns="0" rIns="0" tIns="0" bIns="0" anchor="ctr">
+            <a:noAutofit/>
+          </a:bodyPr>
+          <a:p>
+            <a:pPr algn="ctr">
+              <a:buNone/>
+            </a:pPr>
+            <a:endParaRPr b="0" lang="en-US" sz="4400" spc="-1" strike="noStrike">
+              <a:latin typeface="Arial"/>
+            </a:endParaRPr>
+          </a:p>
+        </p:txBody>
+      </p:sp>
+      <p:sp>
+        <p:nvSpPr>
+          <p:cNvPr id="51" name="PlaceHolder 2"/>
+          <p:cNvSpPr>
+            <a:spLocks noGrp="1"/>
+          </p:cNvSpPr>
+          <p:nvPr>
+            <p:ph/>
+          </p:nvPr>
+        </p:nvSpPr>
+        <p:spPr>
+          <a:xfrm>
+            <a:off x="504000" y="1326600"/>
+            <a:ext cx="4426560" cy="3287880"/>
+          </a:xfrm>
+          <a:prstGeom prst="rect">
+            <a:avLst/>
+          </a:prstGeom>
+          <a:noFill/>
+          <a:ln w="0">
+            <a:noFill/>
+          </a:ln>
+        </p:spPr>
+        <p:txBody>
+          <a:bodyPr lIns="0" rIns="0" tIns="0" bIns="0" anchor="t">
+            <a:normAutofit/>
+          </a:bodyPr>
+          <a:p>
+            <a:endParaRPr b="0" lang="en-US" sz="3200" spc="-1" strike="noStrike">
+              <a:latin typeface="Arial"/>
+            </a:endParaRPr>
+          </a:p>
+        </p:txBody>
+      </p:sp>
+      <p:sp>
+        <p:nvSpPr>
+          <p:cNvPr id="52" name="PlaceHolder 3"/>
+          <p:cNvSpPr>
+            <a:spLocks noGrp="1"/>
+          </p:cNvSpPr>
+          <p:nvPr>
+            <p:ph/>
+          </p:nvPr>
+        </p:nvSpPr>
+        <p:spPr>
+          <a:xfrm>
+            <a:off x="5152320" y="1326600"/>
+            <a:ext cx="4426560" cy="3287880"/>
+          </a:xfrm>
+          <a:prstGeom prst="rect">
+            <a:avLst/>
+          </a:prstGeom>
+          <a:noFill/>
+          <a:ln w="0">
+            <a:noFill/>
+          </a:ln>
+        </p:spPr>
+        <p:txBody>
+          <a:bodyPr lIns="0" rIns="0" tIns="0" bIns="0" anchor="t">
+            <a:normAutofit/>
+          </a:bodyPr>
+          <a:p>
+            <a:endParaRPr b="0" lang="en-US" sz="3200" spc="-1" strike="noStrike">
+              <a:latin typeface="Arial"/>
+            </a:endParaRPr>
+          </a:p>
+        </p:txBody>
+      </p:sp>
+      <p:sp>
+        <p:nvSpPr>
+          <p:cNvPr id="5" name="PlaceHolder 4"/>
+          <p:cNvSpPr>
+            <a:spLocks noGrp="1"/>
+          </p:cNvSpPr>
+          <p:nvPr>
+            <p:ph type="ftr" idx="4"/>
+          </p:nvPr>
+        </p:nvSpPr>
+        <p:spPr/>
+        <p:txBody>
+          <a:bodyPr/>
+          <a:p>
+            <a:r>
+              <a:t>Footer</a:t>
+            </a:r>
+          </a:p>
+        </p:txBody>
+      </p:sp>
+      <p:sp>
+        <p:nvSpPr>
+          <p:cNvPr id="6" name="PlaceHolder 5"/>
+          <p:cNvSpPr>
+            <a:spLocks noGrp="1"/>
+          </p:cNvSpPr>
+          <p:nvPr>
+            <p:ph type="sldNum" idx="5"/>
+          </p:nvPr>
+        </p:nvSpPr>
+        <p:spPr/>
+        <p:txBody>
+          <a:bodyPr/>
+          <a:p>
+            <a:fld id="{CFF71E48-C517-48FB-83CC-EBA3978D4C2D}" type="slidenum">
+              <a:t>&lt;#&gt;</a:t>
+            </a:fld>
+          </a:p>
+        </p:txBody>
+      </p:sp>
+      <p:sp>
+        <p:nvSpPr>
+          <p:cNvPr id="7" name="PlaceHolder 6"/>
+          <p:cNvSpPr>
+            <a:spLocks noGrp="1"/>
+          </p:cNvSpPr>
+          <p:nvPr>
+            <p:ph type="dt" idx="6"/>
+          </p:nvPr>
+        </p:nvSpPr>
+        <p:spPr/>
+        <p:txBody>
+          <a:bodyPr/>
+          <a:p>
+            <a:r>
+              <a:rPr lang="en-US"/>
+              <a:t/>
+            </a:r>
+          </a:p>
+        </p:txBody>
+      </p:sp>
+    </p:spTree>
+  </p:cSld>
+</p:sldLayout>
+</file>
+
+<file path=ppt/slideLayouts/slideLayout17.xml><?xml version="1.0" encoding="utf-8"?>
+<p:sldLayout xmlns:a="http://schemas.openxmlformats.org/drawingml/2006/main" xmlns:p="http://schemas.openxmlformats.org/presentationml/2006/main" xmlns:r="http://schemas.openxmlformats.org/officeDocument/2006/relationships" xmlns:p14="http://schemas.microsoft.com/office/powerpoint/2010/main" xmlns:p15="http://schemas.microsoft.com/office/powerpoint/2012/main" xmlns:mc="http://schemas.openxmlformats.org/markup-compatibility/2006" type="titleOnly" preserve="1">
+  <p:cSld name="Title Only">
+    <p:spTree>
+      <p:nvGrpSpPr>
+        <p:cNvPr id="1" name=""/>
+        <p:cNvGrpSpPr/>
+        <p:nvPr/>
+      </p:nvGrpSpPr>
+      <p:grpSpPr>
+        <a:xfrm>
+          <a:off x="0" y="0"/>
+          <a:ext cx="0" cy="0"/>
+          <a:chOff x="0" y="0"/>
+          <a:chExt cx="0" cy="0"/>
+        </a:xfrm>
+      </p:grpSpPr>
+      <p:sp>
+        <p:nvSpPr>
+          <p:cNvPr id="53" name="PlaceHolder 1"/>
+          <p:cNvSpPr>
+            <a:spLocks noGrp="1"/>
+          </p:cNvSpPr>
+          <p:nvPr>
+            <p:ph type="title"/>
+          </p:nvPr>
+        </p:nvSpPr>
+        <p:spPr>
+          <a:xfrm>
+            <a:off x="504000" y="226080"/>
+            <a:ext cx="9071280" cy="946080"/>
+          </a:xfrm>
+          <a:prstGeom prst="rect">
+            <a:avLst/>
+          </a:prstGeom>
+          <a:noFill/>
+          <a:ln w="0">
+            <a:noFill/>
+          </a:ln>
+        </p:spPr>
+        <p:txBody>
+          <a:bodyPr lIns="0" rIns="0" tIns="0" bIns="0" anchor="ctr">
+            <a:noAutofit/>
+          </a:bodyPr>
+          <a:p>
+            <a:pPr algn="ctr">
+              <a:buNone/>
+            </a:pPr>
+            <a:endParaRPr b="0" lang="en-US" sz="4400" spc="-1" strike="noStrike">
+              <a:latin typeface="Arial"/>
+            </a:endParaRPr>
+          </a:p>
+        </p:txBody>
+      </p:sp>
+      <p:sp>
+        <p:nvSpPr>
+          <p:cNvPr id="3" name="PlaceHolder 2"/>
+          <p:cNvSpPr>
+            <a:spLocks noGrp="1"/>
+          </p:cNvSpPr>
+          <p:nvPr>
+            <p:ph type="ftr" idx="4"/>
+          </p:nvPr>
+        </p:nvSpPr>
+        <p:spPr/>
+        <p:txBody>
+          <a:bodyPr/>
+          <a:p>
+            <a:r>
+              <a:t>Footer</a:t>
+            </a:r>
+          </a:p>
+        </p:txBody>
+      </p:sp>
+      <p:sp>
+        <p:nvSpPr>
+          <p:cNvPr id="4" name="PlaceHolder 3"/>
+          <p:cNvSpPr>
+            <a:spLocks noGrp="1"/>
+          </p:cNvSpPr>
+          <p:nvPr>
+            <p:ph type="sldNum" idx="5"/>
+          </p:nvPr>
+        </p:nvSpPr>
+        <p:spPr/>
+        <p:txBody>
+          <a:bodyPr/>
+          <a:p>
+            <a:fld id="{62DF4A88-A183-4679-962F-EDA0DF0B6CC1}" type="slidenum">
+              <a:t>&lt;#&gt;</a:t>
+            </a:fld>
+          </a:p>
+        </p:txBody>
+      </p:sp>
+      <p:sp>
+        <p:nvSpPr>
+          <p:cNvPr id="5" name="PlaceHolder 4"/>
+          <p:cNvSpPr>
+            <a:spLocks noGrp="1"/>
+          </p:cNvSpPr>
+          <p:nvPr>
+            <p:ph type="dt" idx="6"/>
+          </p:nvPr>
+        </p:nvSpPr>
+        <p:spPr/>
+        <p:txBody>
+          <a:bodyPr/>
+          <a:p>
+            <a:r>
+              <a:rPr lang="en-US"/>
+              <a:t/>
+            </a:r>
+          </a:p>
+        </p:txBody>
+      </p:sp>
+    </p:spTree>
+  </p:cSld>
+</p:sldLayout>
+</file>
+
+<file path=ppt/slideLayouts/slideLayout18.xml><?xml version="1.0" encoding="utf-8"?>
+<p:sldLayout xmlns:a="http://schemas.openxmlformats.org/drawingml/2006/main" xmlns:p="http://schemas.openxmlformats.org/presentationml/2006/main" xmlns:r="http://schemas.openxmlformats.org/officeDocument/2006/relationships" xmlns:p14="http://schemas.microsoft.com/office/powerpoint/2010/main" xmlns:p15="http://schemas.microsoft.com/office/powerpoint/2012/main" xmlns:mc="http://schemas.openxmlformats.org/markup-compatibility/2006" type="objOnly" preserve="1">
+  <p:cSld name="Centered Text">
+    <p:spTree>
+      <p:nvGrpSpPr>
+        <p:cNvPr id="1" name=""/>
+        <p:cNvGrpSpPr/>
+        <p:nvPr/>
+      </p:nvGrpSpPr>
+      <p:grpSpPr>
+        <a:xfrm>
+          <a:off x="0" y="0"/>
+          <a:ext cx="0" cy="0"/>
+          <a:chOff x="0" y="0"/>
+          <a:chExt cx="0" cy="0"/>
+        </a:xfrm>
+      </p:grpSpPr>
+      <p:sp>
+        <p:nvSpPr>
+          <p:cNvPr id="54" name="PlaceHolder 1"/>
+          <p:cNvSpPr>
+            <a:spLocks noGrp="1"/>
+          </p:cNvSpPr>
+          <p:nvPr>
+            <p:ph type="subTitle"/>
+          </p:nvPr>
+        </p:nvSpPr>
+        <p:spPr>
+          <a:xfrm>
+            <a:off x="504000" y="226080"/>
+            <a:ext cx="9071280" cy="4386600"/>
+          </a:xfrm>
+          <a:prstGeom prst="rect">
+            <a:avLst/>
+          </a:prstGeom>
+          <a:noFill/>
+          <a:ln w="0">
+            <a:noFill/>
+          </a:ln>
+        </p:spPr>
+        <p:txBody>
+          <a:bodyPr lIns="0" rIns="0" tIns="0" bIns="0" anchor="ctr">
+            <a:noAutofit/>
+          </a:bodyPr>
+          <a:p>
+            <a:pPr algn="ctr">
+              <a:buNone/>
+            </a:pPr>
+            <a:endParaRPr b="0" lang="en-US" sz="3200" spc="-1" strike="noStrike">
+              <a:latin typeface="Arial"/>
+            </a:endParaRPr>
+          </a:p>
+        </p:txBody>
+      </p:sp>
+      <p:sp>
+        <p:nvSpPr>
+          <p:cNvPr id="3" name="PlaceHolder 2"/>
+          <p:cNvSpPr>
+            <a:spLocks noGrp="1"/>
+          </p:cNvSpPr>
+          <p:nvPr>
+            <p:ph type="ftr" idx="4"/>
+          </p:nvPr>
+        </p:nvSpPr>
+        <p:spPr/>
+        <p:txBody>
+          <a:bodyPr/>
+          <a:p>
+            <a:r>
+              <a:t>Footer</a:t>
+            </a:r>
+          </a:p>
+        </p:txBody>
+      </p:sp>
+      <p:sp>
+        <p:nvSpPr>
+          <p:cNvPr id="4" name="PlaceHolder 3"/>
+          <p:cNvSpPr>
+            <a:spLocks noGrp="1"/>
+          </p:cNvSpPr>
+          <p:nvPr>
+            <p:ph type="sldNum" idx="5"/>
+          </p:nvPr>
+        </p:nvSpPr>
+        <p:spPr/>
+        <p:txBody>
+          <a:bodyPr/>
+          <a:p>
+            <a:fld id="{8A1437BA-7DF7-40AE-A675-88E299A4172F}" type="slidenum">
+              <a:t>&lt;#&gt;</a:t>
+            </a:fld>
+          </a:p>
+        </p:txBody>
+      </p:sp>
+      <p:sp>
+        <p:nvSpPr>
+          <p:cNvPr id="5" name="PlaceHolder 4"/>
+          <p:cNvSpPr>
+            <a:spLocks noGrp="1"/>
+          </p:cNvSpPr>
+          <p:nvPr>
+            <p:ph type="dt" idx="6"/>
+          </p:nvPr>
+        </p:nvSpPr>
+        <p:spPr/>
+        <p:txBody>
+          <a:bodyPr/>
+          <a:p>
+            <a:r>
+              <a:rPr lang="en-US"/>
+              <a:t/>
+            </a:r>
+          </a:p>
+        </p:txBody>
+      </p:sp>
+    </p:spTree>
+  </p:cSld>
+</p:sldLayout>
+</file>
+
+<file path=ppt/slideLayouts/slideLayout19.xml><?xml version="1.0" encoding="utf-8"?>
+<p:sldLayout xmlns:a="http://schemas.openxmlformats.org/drawingml/2006/main" xmlns:p="http://schemas.openxmlformats.org/presentationml/2006/main" xmlns:r="http://schemas.openxmlformats.org/officeDocument/2006/relationships" xmlns:p14="http://schemas.microsoft.com/office/powerpoint/2010/main" xmlns:p15="http://schemas.microsoft.com/office/powerpoint/2012/main" xmlns:mc="http://schemas.openxmlformats.org/markup-compatibility/2006" type="twoObjAndObj" preserve="1">
+  <p:cSld name="Title, 2 Content and Content">
+    <p:spTree>
+      <p:nvGrpSpPr>
+        <p:cNvPr id="1" name=""/>
+        <p:cNvGrpSpPr/>
+        <p:nvPr/>
+      </p:nvGrpSpPr>
+      <p:grpSpPr>
+        <a:xfrm>
+          <a:off x="0" y="0"/>
+          <a:ext cx="0" cy="0"/>
+          <a:chOff x="0" y="0"/>
+          <a:chExt cx="0" cy="0"/>
+        </a:xfrm>
+      </p:grpSpPr>
+      <p:sp>
+        <p:nvSpPr>
+          <p:cNvPr id="55" name="PlaceHolder 1"/>
+          <p:cNvSpPr>
+            <a:spLocks noGrp="1"/>
+          </p:cNvSpPr>
+          <p:nvPr>
+            <p:ph type="title"/>
+          </p:nvPr>
+        </p:nvSpPr>
+        <p:spPr>
+          <a:xfrm>
+            <a:off x="504000" y="226080"/>
+            <a:ext cx="9071280" cy="946080"/>
+          </a:xfrm>
+          <a:prstGeom prst="rect">
+            <a:avLst/>
+          </a:prstGeom>
+          <a:noFill/>
+          <a:ln w="0">
+            <a:noFill/>
+          </a:ln>
+        </p:spPr>
+        <p:txBody>
+          <a:bodyPr lIns="0" rIns="0" tIns="0" bIns="0" anchor="ctr">
+            <a:noAutofit/>
+          </a:bodyPr>
+          <a:p>
+            <a:pPr algn="ctr">
+              <a:buNone/>
+            </a:pPr>
+            <a:endParaRPr b="0" lang="en-US" sz="4400" spc="-1" strike="noStrike">
+              <a:latin typeface="Arial"/>
+            </a:endParaRPr>
+          </a:p>
+        </p:txBody>
+      </p:sp>
+      <p:sp>
+        <p:nvSpPr>
+          <p:cNvPr id="56" name="PlaceHolder 2"/>
+          <p:cNvSpPr>
+            <a:spLocks noGrp="1"/>
+          </p:cNvSpPr>
+          <p:nvPr>
+            <p:ph/>
+          </p:nvPr>
+        </p:nvSpPr>
+        <p:spPr>
+          <a:xfrm>
+            <a:off x="504000" y="1326600"/>
+            <a:ext cx="4426560" cy="1568160"/>
+          </a:xfrm>
+          <a:prstGeom prst="rect">
+            <a:avLst/>
+          </a:prstGeom>
+          <a:noFill/>
+          <a:ln w="0">
+            <a:noFill/>
+          </a:ln>
+        </p:spPr>
+        <p:txBody>
+          <a:bodyPr lIns="0" rIns="0" tIns="0" bIns="0" anchor="t">
+            <a:normAutofit/>
+          </a:bodyPr>
+          <a:p>
+            <a:endParaRPr b="0" lang="en-US" sz="3200" spc="-1" strike="noStrike">
+              <a:latin typeface="Arial"/>
+            </a:endParaRPr>
+          </a:p>
+        </p:txBody>
+      </p:sp>
+      <p:sp>
+        <p:nvSpPr>
+          <p:cNvPr id="57" name="PlaceHolder 3"/>
+          <p:cNvSpPr>
+            <a:spLocks noGrp="1"/>
+          </p:cNvSpPr>
+          <p:nvPr>
+            <p:ph/>
+          </p:nvPr>
+        </p:nvSpPr>
+        <p:spPr>
+          <a:xfrm>
+            <a:off x="5152320" y="1326600"/>
+            <a:ext cx="4426560" cy="3287880"/>
+          </a:xfrm>
+          <a:prstGeom prst="rect">
+            <a:avLst/>
+          </a:prstGeom>
+          <a:noFill/>
+          <a:ln w="0">
+            <a:noFill/>
+          </a:ln>
+        </p:spPr>
+        <p:txBody>
+          <a:bodyPr lIns="0" rIns="0" tIns="0" bIns="0" anchor="t">
+            <a:normAutofit/>
+          </a:bodyPr>
+          <a:p>
+            <a:endParaRPr b="0" lang="en-US" sz="3200" spc="-1" strike="noStrike">
+              <a:latin typeface="Arial"/>
+            </a:endParaRPr>
+          </a:p>
+        </p:txBody>
+      </p:sp>
+      <p:sp>
+        <p:nvSpPr>
+          <p:cNvPr id="58" name="PlaceHolder 4"/>
+          <p:cNvSpPr>
+            <a:spLocks noGrp="1"/>
+          </p:cNvSpPr>
+          <p:nvPr>
+            <p:ph/>
+          </p:nvPr>
+        </p:nvSpPr>
+        <p:spPr>
+          <a:xfrm>
+            <a:off x="504000" y="3044160"/>
+            <a:ext cx="4426560" cy="1568160"/>
+          </a:xfrm>
+          <a:prstGeom prst="rect">
+            <a:avLst/>
+          </a:prstGeom>
+          <a:noFill/>
+          <a:ln w="0">
+            <a:noFill/>
+          </a:ln>
+        </p:spPr>
+        <p:txBody>
+          <a:bodyPr lIns="0" rIns="0" tIns="0" bIns="0" anchor="t">
+            <a:normAutofit/>
+          </a:bodyPr>
+          <a:p>
+            <a:endParaRPr b="0" lang="en-US" sz="3200" spc="-1" strike="noStrike">
+              <a:latin typeface="Arial"/>
+            </a:endParaRPr>
+          </a:p>
+        </p:txBody>
+      </p:sp>
+      <p:sp>
+        <p:nvSpPr>
+          <p:cNvPr id="6" name="PlaceHolder 5"/>
+          <p:cNvSpPr>
+            <a:spLocks noGrp="1"/>
+          </p:cNvSpPr>
+          <p:nvPr>
+            <p:ph type="ftr" idx="4"/>
+          </p:nvPr>
+        </p:nvSpPr>
+        <p:spPr/>
+        <p:txBody>
+          <a:bodyPr/>
+          <a:p>
+            <a:r>
+              <a:t>Footer</a:t>
+            </a:r>
+          </a:p>
+        </p:txBody>
+      </p:sp>
+      <p:sp>
+        <p:nvSpPr>
+          <p:cNvPr id="7" name="PlaceHolder 6"/>
+          <p:cNvSpPr>
+            <a:spLocks noGrp="1"/>
+          </p:cNvSpPr>
+          <p:nvPr>
+            <p:ph type="sldNum" idx="5"/>
+          </p:nvPr>
+        </p:nvSpPr>
+        <p:spPr/>
+        <p:txBody>
+          <a:bodyPr/>
+          <a:p>
+            <a:fld id="{E2988C6B-0B67-487B-B69E-D2A1736C8D6A}" type="slidenum">
+              <a:t>&lt;#&gt;</a:t>
+            </a:fld>
+          </a:p>
+        </p:txBody>
+      </p:sp>
+      <p:sp>
+        <p:nvSpPr>
+          <p:cNvPr id="8" name="PlaceHolder 7"/>
+          <p:cNvSpPr>
+            <a:spLocks noGrp="1"/>
+          </p:cNvSpPr>
+          <p:nvPr>
+            <p:ph type="dt" idx="6"/>
           </p:nvPr>
         </p:nvSpPr>
         <p:spPr/>
@@ -926,7 +1962,7 @@
         <p:spPr>
           <a:xfrm>
             <a:off x="504000" y="226080"/>
-            <a:ext cx="9071640" cy="946440"/>
+            <a:ext cx="9071280" cy="946080"/>
           </a:xfrm>
           <a:prstGeom prst="rect">
             <a:avLst/>
@@ -945,9 +1981,6 @@
               <a:buNone/>
             </a:pPr>
             <a:endParaRPr b="0" lang="en-US" sz="4400" spc="-1" strike="noStrike">
-              <a:solidFill>
-                <a:srgbClr val="000000"/>
-              </a:solidFill>
               <a:latin typeface="Arial"/>
             </a:endParaRPr>
           </a:p>
@@ -966,7 +1999,7 @@
         <p:spPr>
           <a:xfrm>
             <a:off x="504000" y="1326600"/>
-            <a:ext cx="9071640" cy="3288240"/>
+            <a:ext cx="9071280" cy="3287880"/>
           </a:xfrm>
           <a:prstGeom prst="rect">
             <a:avLst/>
@@ -985,9 +2018,6 @@
               <a:buNone/>
             </a:pPr>
             <a:endParaRPr b="0" lang="en-US" sz="3200" spc="-1" strike="noStrike">
-              <a:solidFill>
-                <a:srgbClr val="ffffff"/>
-              </a:solidFill>
               <a:latin typeface="Arial"/>
             </a:endParaRPr>
           </a:p>
@@ -1000,7 +2030,7 @@
             <a:spLocks noGrp="1"/>
           </p:cNvSpPr>
           <p:nvPr>
-            <p:ph type="ftr" idx="2"/>
+            <p:ph type="ftr" idx="1"/>
           </p:nvPr>
         </p:nvSpPr>
         <p:spPr/>
@@ -1020,14 +2050,14 @@
             <a:spLocks noGrp="1"/>
           </p:cNvSpPr>
           <p:nvPr>
-            <p:ph type="sldNum" idx="3"/>
+            <p:ph type="sldNum" idx="2"/>
           </p:nvPr>
         </p:nvSpPr>
         <p:spPr/>
         <p:txBody>
           <a:bodyPr/>
           <a:p>
-            <a:fld id="{2DB6E558-4F47-4F04-A4EA-0E5134263201}" type="slidenum">
+            <a:fld id="{04A2008A-B4A8-48C5-A51B-2F1E2C74C6F6}" type="slidenum">
               <a:t>&lt;#&gt;</a:t>
             </a:fld>
           </a:p>
@@ -1040,7 +2070,1219 @@
             <a:spLocks noGrp="1"/>
           </p:cNvSpPr>
           <p:nvPr>
-            <p:ph type="dt" idx="1"/>
+            <p:ph type="dt" idx="3"/>
+          </p:nvPr>
+        </p:nvSpPr>
+        <p:spPr/>
+        <p:txBody>
+          <a:bodyPr/>
+          <a:p>
+            <a:r>
+              <a:rPr lang="en-US"/>
+              <a:t/>
+            </a:r>
+          </a:p>
+        </p:txBody>
+      </p:sp>
+    </p:spTree>
+  </p:cSld>
+</p:sldLayout>
+</file>
+
+<file path=ppt/slideLayouts/slideLayout20.xml><?xml version="1.0" encoding="utf-8"?>
+<p:sldLayout xmlns:a="http://schemas.openxmlformats.org/drawingml/2006/main" xmlns:p="http://schemas.openxmlformats.org/presentationml/2006/main" xmlns:r="http://schemas.openxmlformats.org/officeDocument/2006/relationships" xmlns:p14="http://schemas.microsoft.com/office/powerpoint/2010/main" xmlns:p15="http://schemas.microsoft.com/office/powerpoint/2012/main" xmlns:mc="http://schemas.openxmlformats.org/markup-compatibility/2006" type="objAndTwoObj" preserve="1">
+  <p:cSld name="Title Content and 2 Content">
+    <p:spTree>
+      <p:nvGrpSpPr>
+        <p:cNvPr id="1" name=""/>
+        <p:cNvGrpSpPr/>
+        <p:nvPr/>
+      </p:nvGrpSpPr>
+      <p:grpSpPr>
+        <a:xfrm>
+          <a:off x="0" y="0"/>
+          <a:ext cx="0" cy="0"/>
+          <a:chOff x="0" y="0"/>
+          <a:chExt cx="0" cy="0"/>
+        </a:xfrm>
+      </p:grpSpPr>
+      <p:sp>
+        <p:nvSpPr>
+          <p:cNvPr id="59" name="PlaceHolder 1"/>
+          <p:cNvSpPr>
+            <a:spLocks noGrp="1"/>
+          </p:cNvSpPr>
+          <p:nvPr>
+            <p:ph type="title"/>
+          </p:nvPr>
+        </p:nvSpPr>
+        <p:spPr>
+          <a:xfrm>
+            <a:off x="504000" y="226080"/>
+            <a:ext cx="9071280" cy="946080"/>
+          </a:xfrm>
+          <a:prstGeom prst="rect">
+            <a:avLst/>
+          </a:prstGeom>
+          <a:noFill/>
+          <a:ln w="0">
+            <a:noFill/>
+          </a:ln>
+        </p:spPr>
+        <p:txBody>
+          <a:bodyPr lIns="0" rIns="0" tIns="0" bIns="0" anchor="ctr">
+            <a:noAutofit/>
+          </a:bodyPr>
+          <a:p>
+            <a:pPr algn="ctr">
+              <a:buNone/>
+            </a:pPr>
+            <a:endParaRPr b="0" lang="en-US" sz="4400" spc="-1" strike="noStrike">
+              <a:latin typeface="Arial"/>
+            </a:endParaRPr>
+          </a:p>
+        </p:txBody>
+      </p:sp>
+      <p:sp>
+        <p:nvSpPr>
+          <p:cNvPr id="60" name="PlaceHolder 2"/>
+          <p:cNvSpPr>
+            <a:spLocks noGrp="1"/>
+          </p:cNvSpPr>
+          <p:nvPr>
+            <p:ph/>
+          </p:nvPr>
+        </p:nvSpPr>
+        <p:spPr>
+          <a:xfrm>
+            <a:off x="504000" y="1326600"/>
+            <a:ext cx="4426560" cy="3287880"/>
+          </a:xfrm>
+          <a:prstGeom prst="rect">
+            <a:avLst/>
+          </a:prstGeom>
+          <a:noFill/>
+          <a:ln w="0">
+            <a:noFill/>
+          </a:ln>
+        </p:spPr>
+        <p:txBody>
+          <a:bodyPr lIns="0" rIns="0" tIns="0" bIns="0" anchor="t">
+            <a:normAutofit/>
+          </a:bodyPr>
+          <a:p>
+            <a:endParaRPr b="0" lang="en-US" sz="3200" spc="-1" strike="noStrike">
+              <a:latin typeface="Arial"/>
+            </a:endParaRPr>
+          </a:p>
+        </p:txBody>
+      </p:sp>
+      <p:sp>
+        <p:nvSpPr>
+          <p:cNvPr id="61" name="PlaceHolder 3"/>
+          <p:cNvSpPr>
+            <a:spLocks noGrp="1"/>
+          </p:cNvSpPr>
+          <p:nvPr>
+            <p:ph/>
+          </p:nvPr>
+        </p:nvSpPr>
+        <p:spPr>
+          <a:xfrm>
+            <a:off x="5152320" y="1326600"/>
+            <a:ext cx="4426560" cy="1568160"/>
+          </a:xfrm>
+          <a:prstGeom prst="rect">
+            <a:avLst/>
+          </a:prstGeom>
+          <a:noFill/>
+          <a:ln w="0">
+            <a:noFill/>
+          </a:ln>
+        </p:spPr>
+        <p:txBody>
+          <a:bodyPr lIns="0" rIns="0" tIns="0" bIns="0" anchor="t">
+            <a:normAutofit/>
+          </a:bodyPr>
+          <a:p>
+            <a:endParaRPr b="0" lang="en-US" sz="3200" spc="-1" strike="noStrike">
+              <a:latin typeface="Arial"/>
+            </a:endParaRPr>
+          </a:p>
+        </p:txBody>
+      </p:sp>
+      <p:sp>
+        <p:nvSpPr>
+          <p:cNvPr id="62" name="PlaceHolder 4"/>
+          <p:cNvSpPr>
+            <a:spLocks noGrp="1"/>
+          </p:cNvSpPr>
+          <p:nvPr>
+            <p:ph/>
+          </p:nvPr>
+        </p:nvSpPr>
+        <p:spPr>
+          <a:xfrm>
+            <a:off x="5152320" y="3044160"/>
+            <a:ext cx="4426560" cy="1568160"/>
+          </a:xfrm>
+          <a:prstGeom prst="rect">
+            <a:avLst/>
+          </a:prstGeom>
+          <a:noFill/>
+          <a:ln w="0">
+            <a:noFill/>
+          </a:ln>
+        </p:spPr>
+        <p:txBody>
+          <a:bodyPr lIns="0" rIns="0" tIns="0" bIns="0" anchor="t">
+            <a:normAutofit/>
+          </a:bodyPr>
+          <a:p>
+            <a:endParaRPr b="0" lang="en-US" sz="3200" spc="-1" strike="noStrike">
+              <a:latin typeface="Arial"/>
+            </a:endParaRPr>
+          </a:p>
+        </p:txBody>
+      </p:sp>
+      <p:sp>
+        <p:nvSpPr>
+          <p:cNvPr id="6" name="PlaceHolder 5"/>
+          <p:cNvSpPr>
+            <a:spLocks noGrp="1"/>
+          </p:cNvSpPr>
+          <p:nvPr>
+            <p:ph type="ftr" idx="4"/>
+          </p:nvPr>
+        </p:nvSpPr>
+        <p:spPr/>
+        <p:txBody>
+          <a:bodyPr/>
+          <a:p>
+            <a:r>
+              <a:t>Footer</a:t>
+            </a:r>
+          </a:p>
+        </p:txBody>
+      </p:sp>
+      <p:sp>
+        <p:nvSpPr>
+          <p:cNvPr id="7" name="PlaceHolder 6"/>
+          <p:cNvSpPr>
+            <a:spLocks noGrp="1"/>
+          </p:cNvSpPr>
+          <p:nvPr>
+            <p:ph type="sldNum" idx="5"/>
+          </p:nvPr>
+        </p:nvSpPr>
+        <p:spPr/>
+        <p:txBody>
+          <a:bodyPr/>
+          <a:p>
+            <a:fld id="{522249B7-3FC2-47CE-8A2C-20D7FB69D1CA}" type="slidenum">
+              <a:t>&lt;#&gt;</a:t>
+            </a:fld>
+          </a:p>
+        </p:txBody>
+      </p:sp>
+      <p:sp>
+        <p:nvSpPr>
+          <p:cNvPr id="8" name="PlaceHolder 7"/>
+          <p:cNvSpPr>
+            <a:spLocks noGrp="1"/>
+          </p:cNvSpPr>
+          <p:nvPr>
+            <p:ph type="dt" idx="6"/>
+          </p:nvPr>
+        </p:nvSpPr>
+        <p:spPr/>
+        <p:txBody>
+          <a:bodyPr/>
+          <a:p>
+            <a:r>
+              <a:rPr lang="en-US"/>
+              <a:t/>
+            </a:r>
+          </a:p>
+        </p:txBody>
+      </p:sp>
+    </p:spTree>
+  </p:cSld>
+</p:sldLayout>
+</file>
+
+<file path=ppt/slideLayouts/slideLayout21.xml><?xml version="1.0" encoding="utf-8"?>
+<p:sldLayout xmlns:a="http://schemas.openxmlformats.org/drawingml/2006/main" xmlns:p="http://schemas.openxmlformats.org/presentationml/2006/main" xmlns:r="http://schemas.openxmlformats.org/officeDocument/2006/relationships" xmlns:p14="http://schemas.microsoft.com/office/powerpoint/2010/main" xmlns:p15="http://schemas.microsoft.com/office/powerpoint/2012/main" xmlns:mc="http://schemas.openxmlformats.org/markup-compatibility/2006" type="twoObjOverTx" preserve="1">
+  <p:cSld name="Title, 2 Content over Content">
+    <p:spTree>
+      <p:nvGrpSpPr>
+        <p:cNvPr id="1" name=""/>
+        <p:cNvGrpSpPr/>
+        <p:nvPr/>
+      </p:nvGrpSpPr>
+      <p:grpSpPr>
+        <a:xfrm>
+          <a:off x="0" y="0"/>
+          <a:ext cx="0" cy="0"/>
+          <a:chOff x="0" y="0"/>
+          <a:chExt cx="0" cy="0"/>
+        </a:xfrm>
+      </p:grpSpPr>
+      <p:sp>
+        <p:nvSpPr>
+          <p:cNvPr id="63" name="PlaceHolder 1"/>
+          <p:cNvSpPr>
+            <a:spLocks noGrp="1"/>
+          </p:cNvSpPr>
+          <p:nvPr>
+            <p:ph type="title"/>
+          </p:nvPr>
+        </p:nvSpPr>
+        <p:spPr>
+          <a:xfrm>
+            <a:off x="504000" y="226080"/>
+            <a:ext cx="9071280" cy="946080"/>
+          </a:xfrm>
+          <a:prstGeom prst="rect">
+            <a:avLst/>
+          </a:prstGeom>
+          <a:noFill/>
+          <a:ln w="0">
+            <a:noFill/>
+          </a:ln>
+        </p:spPr>
+        <p:txBody>
+          <a:bodyPr lIns="0" rIns="0" tIns="0" bIns="0" anchor="ctr">
+            <a:noAutofit/>
+          </a:bodyPr>
+          <a:p>
+            <a:pPr algn="ctr">
+              <a:buNone/>
+            </a:pPr>
+            <a:endParaRPr b="0" lang="en-US" sz="4400" spc="-1" strike="noStrike">
+              <a:latin typeface="Arial"/>
+            </a:endParaRPr>
+          </a:p>
+        </p:txBody>
+      </p:sp>
+      <p:sp>
+        <p:nvSpPr>
+          <p:cNvPr id="64" name="PlaceHolder 2"/>
+          <p:cNvSpPr>
+            <a:spLocks noGrp="1"/>
+          </p:cNvSpPr>
+          <p:nvPr>
+            <p:ph/>
+          </p:nvPr>
+        </p:nvSpPr>
+        <p:spPr>
+          <a:xfrm>
+            <a:off x="504000" y="1326600"/>
+            <a:ext cx="4426560" cy="1568160"/>
+          </a:xfrm>
+          <a:prstGeom prst="rect">
+            <a:avLst/>
+          </a:prstGeom>
+          <a:noFill/>
+          <a:ln w="0">
+            <a:noFill/>
+          </a:ln>
+        </p:spPr>
+        <p:txBody>
+          <a:bodyPr lIns="0" rIns="0" tIns="0" bIns="0" anchor="t">
+            <a:normAutofit/>
+          </a:bodyPr>
+          <a:p>
+            <a:endParaRPr b="0" lang="en-US" sz="3200" spc="-1" strike="noStrike">
+              <a:latin typeface="Arial"/>
+            </a:endParaRPr>
+          </a:p>
+        </p:txBody>
+      </p:sp>
+      <p:sp>
+        <p:nvSpPr>
+          <p:cNvPr id="65" name="PlaceHolder 3"/>
+          <p:cNvSpPr>
+            <a:spLocks noGrp="1"/>
+          </p:cNvSpPr>
+          <p:nvPr>
+            <p:ph/>
+          </p:nvPr>
+        </p:nvSpPr>
+        <p:spPr>
+          <a:xfrm>
+            <a:off x="5152320" y="1326600"/>
+            <a:ext cx="4426560" cy="1568160"/>
+          </a:xfrm>
+          <a:prstGeom prst="rect">
+            <a:avLst/>
+          </a:prstGeom>
+          <a:noFill/>
+          <a:ln w="0">
+            <a:noFill/>
+          </a:ln>
+        </p:spPr>
+        <p:txBody>
+          <a:bodyPr lIns="0" rIns="0" tIns="0" bIns="0" anchor="t">
+            <a:normAutofit/>
+          </a:bodyPr>
+          <a:p>
+            <a:endParaRPr b="0" lang="en-US" sz="3200" spc="-1" strike="noStrike">
+              <a:latin typeface="Arial"/>
+            </a:endParaRPr>
+          </a:p>
+        </p:txBody>
+      </p:sp>
+      <p:sp>
+        <p:nvSpPr>
+          <p:cNvPr id="66" name="PlaceHolder 4"/>
+          <p:cNvSpPr>
+            <a:spLocks noGrp="1"/>
+          </p:cNvSpPr>
+          <p:nvPr>
+            <p:ph/>
+          </p:nvPr>
+        </p:nvSpPr>
+        <p:spPr>
+          <a:xfrm>
+            <a:off x="504000" y="3044160"/>
+            <a:ext cx="9071280" cy="1568160"/>
+          </a:xfrm>
+          <a:prstGeom prst="rect">
+            <a:avLst/>
+          </a:prstGeom>
+          <a:noFill/>
+          <a:ln w="0">
+            <a:noFill/>
+          </a:ln>
+        </p:spPr>
+        <p:txBody>
+          <a:bodyPr lIns="0" rIns="0" tIns="0" bIns="0" anchor="t">
+            <a:normAutofit/>
+          </a:bodyPr>
+          <a:p>
+            <a:endParaRPr b="0" lang="en-US" sz="3200" spc="-1" strike="noStrike">
+              <a:latin typeface="Arial"/>
+            </a:endParaRPr>
+          </a:p>
+        </p:txBody>
+      </p:sp>
+      <p:sp>
+        <p:nvSpPr>
+          <p:cNvPr id="6" name="PlaceHolder 5"/>
+          <p:cNvSpPr>
+            <a:spLocks noGrp="1"/>
+          </p:cNvSpPr>
+          <p:nvPr>
+            <p:ph type="ftr" idx="4"/>
+          </p:nvPr>
+        </p:nvSpPr>
+        <p:spPr/>
+        <p:txBody>
+          <a:bodyPr/>
+          <a:p>
+            <a:r>
+              <a:t>Footer</a:t>
+            </a:r>
+          </a:p>
+        </p:txBody>
+      </p:sp>
+      <p:sp>
+        <p:nvSpPr>
+          <p:cNvPr id="7" name="PlaceHolder 6"/>
+          <p:cNvSpPr>
+            <a:spLocks noGrp="1"/>
+          </p:cNvSpPr>
+          <p:nvPr>
+            <p:ph type="sldNum" idx="5"/>
+          </p:nvPr>
+        </p:nvSpPr>
+        <p:spPr/>
+        <p:txBody>
+          <a:bodyPr/>
+          <a:p>
+            <a:fld id="{42EA66C9-D369-4D7C-9F21-D2FC963D1082}" type="slidenum">
+              <a:t>&lt;#&gt;</a:t>
+            </a:fld>
+          </a:p>
+        </p:txBody>
+      </p:sp>
+      <p:sp>
+        <p:nvSpPr>
+          <p:cNvPr id="8" name="PlaceHolder 7"/>
+          <p:cNvSpPr>
+            <a:spLocks noGrp="1"/>
+          </p:cNvSpPr>
+          <p:nvPr>
+            <p:ph type="dt" idx="6"/>
+          </p:nvPr>
+        </p:nvSpPr>
+        <p:spPr/>
+        <p:txBody>
+          <a:bodyPr/>
+          <a:p>
+            <a:r>
+              <a:rPr lang="en-US"/>
+              <a:t/>
+            </a:r>
+          </a:p>
+        </p:txBody>
+      </p:sp>
+    </p:spTree>
+  </p:cSld>
+</p:sldLayout>
+</file>
+
+<file path=ppt/slideLayouts/slideLayout22.xml><?xml version="1.0" encoding="utf-8"?>
+<p:sldLayout xmlns:a="http://schemas.openxmlformats.org/drawingml/2006/main" xmlns:p="http://schemas.openxmlformats.org/presentationml/2006/main" xmlns:r="http://schemas.openxmlformats.org/officeDocument/2006/relationships" xmlns:p14="http://schemas.microsoft.com/office/powerpoint/2010/main" xmlns:p15="http://schemas.microsoft.com/office/powerpoint/2012/main" xmlns:mc="http://schemas.openxmlformats.org/markup-compatibility/2006" type="objOverTx" preserve="1">
+  <p:cSld name="Title, Content over Content">
+    <p:spTree>
+      <p:nvGrpSpPr>
+        <p:cNvPr id="1" name=""/>
+        <p:cNvGrpSpPr/>
+        <p:nvPr/>
+      </p:nvGrpSpPr>
+      <p:grpSpPr>
+        <a:xfrm>
+          <a:off x="0" y="0"/>
+          <a:ext cx="0" cy="0"/>
+          <a:chOff x="0" y="0"/>
+          <a:chExt cx="0" cy="0"/>
+        </a:xfrm>
+      </p:grpSpPr>
+      <p:sp>
+        <p:nvSpPr>
+          <p:cNvPr id="67" name="PlaceHolder 1"/>
+          <p:cNvSpPr>
+            <a:spLocks noGrp="1"/>
+          </p:cNvSpPr>
+          <p:nvPr>
+            <p:ph type="title"/>
+          </p:nvPr>
+        </p:nvSpPr>
+        <p:spPr>
+          <a:xfrm>
+            <a:off x="504000" y="226080"/>
+            <a:ext cx="9071280" cy="946080"/>
+          </a:xfrm>
+          <a:prstGeom prst="rect">
+            <a:avLst/>
+          </a:prstGeom>
+          <a:noFill/>
+          <a:ln w="0">
+            <a:noFill/>
+          </a:ln>
+        </p:spPr>
+        <p:txBody>
+          <a:bodyPr lIns="0" rIns="0" tIns="0" bIns="0" anchor="ctr">
+            <a:noAutofit/>
+          </a:bodyPr>
+          <a:p>
+            <a:pPr algn="ctr">
+              <a:buNone/>
+            </a:pPr>
+            <a:endParaRPr b="0" lang="en-US" sz="4400" spc="-1" strike="noStrike">
+              <a:latin typeface="Arial"/>
+            </a:endParaRPr>
+          </a:p>
+        </p:txBody>
+      </p:sp>
+      <p:sp>
+        <p:nvSpPr>
+          <p:cNvPr id="68" name="PlaceHolder 2"/>
+          <p:cNvSpPr>
+            <a:spLocks noGrp="1"/>
+          </p:cNvSpPr>
+          <p:nvPr>
+            <p:ph/>
+          </p:nvPr>
+        </p:nvSpPr>
+        <p:spPr>
+          <a:xfrm>
+            <a:off x="504000" y="1326600"/>
+            <a:ext cx="9071280" cy="1568160"/>
+          </a:xfrm>
+          <a:prstGeom prst="rect">
+            <a:avLst/>
+          </a:prstGeom>
+          <a:noFill/>
+          <a:ln w="0">
+            <a:noFill/>
+          </a:ln>
+        </p:spPr>
+        <p:txBody>
+          <a:bodyPr lIns="0" rIns="0" tIns="0" bIns="0" anchor="t">
+            <a:normAutofit/>
+          </a:bodyPr>
+          <a:p>
+            <a:endParaRPr b="0" lang="en-US" sz="3200" spc="-1" strike="noStrike">
+              <a:latin typeface="Arial"/>
+            </a:endParaRPr>
+          </a:p>
+        </p:txBody>
+      </p:sp>
+      <p:sp>
+        <p:nvSpPr>
+          <p:cNvPr id="69" name="PlaceHolder 3"/>
+          <p:cNvSpPr>
+            <a:spLocks noGrp="1"/>
+          </p:cNvSpPr>
+          <p:nvPr>
+            <p:ph/>
+          </p:nvPr>
+        </p:nvSpPr>
+        <p:spPr>
+          <a:xfrm>
+            <a:off x="504000" y="3044160"/>
+            <a:ext cx="9071280" cy="1568160"/>
+          </a:xfrm>
+          <a:prstGeom prst="rect">
+            <a:avLst/>
+          </a:prstGeom>
+          <a:noFill/>
+          <a:ln w="0">
+            <a:noFill/>
+          </a:ln>
+        </p:spPr>
+        <p:txBody>
+          <a:bodyPr lIns="0" rIns="0" tIns="0" bIns="0" anchor="t">
+            <a:normAutofit/>
+          </a:bodyPr>
+          <a:p>
+            <a:endParaRPr b="0" lang="en-US" sz="3200" spc="-1" strike="noStrike">
+              <a:latin typeface="Arial"/>
+            </a:endParaRPr>
+          </a:p>
+        </p:txBody>
+      </p:sp>
+      <p:sp>
+        <p:nvSpPr>
+          <p:cNvPr id="5" name="PlaceHolder 4"/>
+          <p:cNvSpPr>
+            <a:spLocks noGrp="1"/>
+          </p:cNvSpPr>
+          <p:nvPr>
+            <p:ph type="ftr" idx="4"/>
+          </p:nvPr>
+        </p:nvSpPr>
+        <p:spPr/>
+        <p:txBody>
+          <a:bodyPr/>
+          <a:p>
+            <a:r>
+              <a:t>Footer</a:t>
+            </a:r>
+          </a:p>
+        </p:txBody>
+      </p:sp>
+      <p:sp>
+        <p:nvSpPr>
+          <p:cNvPr id="6" name="PlaceHolder 5"/>
+          <p:cNvSpPr>
+            <a:spLocks noGrp="1"/>
+          </p:cNvSpPr>
+          <p:nvPr>
+            <p:ph type="sldNum" idx="5"/>
+          </p:nvPr>
+        </p:nvSpPr>
+        <p:spPr/>
+        <p:txBody>
+          <a:bodyPr/>
+          <a:p>
+            <a:fld id="{F98F1EB0-CAF9-43DE-8492-80A141E7A93E}" type="slidenum">
+              <a:t>&lt;#&gt;</a:t>
+            </a:fld>
+          </a:p>
+        </p:txBody>
+      </p:sp>
+      <p:sp>
+        <p:nvSpPr>
+          <p:cNvPr id="7" name="PlaceHolder 6"/>
+          <p:cNvSpPr>
+            <a:spLocks noGrp="1"/>
+          </p:cNvSpPr>
+          <p:nvPr>
+            <p:ph type="dt" idx="6"/>
+          </p:nvPr>
+        </p:nvSpPr>
+        <p:spPr/>
+        <p:txBody>
+          <a:bodyPr/>
+          <a:p>
+            <a:r>
+              <a:rPr lang="en-US"/>
+              <a:t/>
+            </a:r>
+          </a:p>
+        </p:txBody>
+      </p:sp>
+    </p:spTree>
+  </p:cSld>
+</p:sldLayout>
+</file>
+
+<file path=ppt/slideLayouts/slideLayout23.xml><?xml version="1.0" encoding="utf-8"?>
+<p:sldLayout xmlns:a="http://schemas.openxmlformats.org/drawingml/2006/main" xmlns:p="http://schemas.openxmlformats.org/presentationml/2006/main" xmlns:r="http://schemas.openxmlformats.org/officeDocument/2006/relationships" xmlns:p14="http://schemas.microsoft.com/office/powerpoint/2010/main" xmlns:p15="http://schemas.microsoft.com/office/powerpoint/2012/main" xmlns:mc="http://schemas.openxmlformats.org/markup-compatibility/2006" type="fourObj" preserve="1">
+  <p:cSld name="Title, 4 Content">
+    <p:spTree>
+      <p:nvGrpSpPr>
+        <p:cNvPr id="1" name=""/>
+        <p:cNvGrpSpPr/>
+        <p:nvPr/>
+      </p:nvGrpSpPr>
+      <p:grpSpPr>
+        <a:xfrm>
+          <a:off x="0" y="0"/>
+          <a:ext cx="0" cy="0"/>
+          <a:chOff x="0" y="0"/>
+          <a:chExt cx="0" cy="0"/>
+        </a:xfrm>
+      </p:grpSpPr>
+      <p:sp>
+        <p:nvSpPr>
+          <p:cNvPr id="70" name="PlaceHolder 1"/>
+          <p:cNvSpPr>
+            <a:spLocks noGrp="1"/>
+          </p:cNvSpPr>
+          <p:nvPr>
+            <p:ph type="title"/>
+          </p:nvPr>
+        </p:nvSpPr>
+        <p:spPr>
+          <a:xfrm>
+            <a:off x="504000" y="226080"/>
+            <a:ext cx="9071280" cy="946080"/>
+          </a:xfrm>
+          <a:prstGeom prst="rect">
+            <a:avLst/>
+          </a:prstGeom>
+          <a:noFill/>
+          <a:ln w="0">
+            <a:noFill/>
+          </a:ln>
+        </p:spPr>
+        <p:txBody>
+          <a:bodyPr lIns="0" rIns="0" tIns="0" bIns="0" anchor="ctr">
+            <a:noAutofit/>
+          </a:bodyPr>
+          <a:p>
+            <a:pPr algn="ctr">
+              <a:buNone/>
+            </a:pPr>
+            <a:endParaRPr b="0" lang="en-US" sz="4400" spc="-1" strike="noStrike">
+              <a:latin typeface="Arial"/>
+            </a:endParaRPr>
+          </a:p>
+        </p:txBody>
+      </p:sp>
+      <p:sp>
+        <p:nvSpPr>
+          <p:cNvPr id="71" name="PlaceHolder 2"/>
+          <p:cNvSpPr>
+            <a:spLocks noGrp="1"/>
+          </p:cNvSpPr>
+          <p:nvPr>
+            <p:ph/>
+          </p:nvPr>
+        </p:nvSpPr>
+        <p:spPr>
+          <a:xfrm>
+            <a:off x="504000" y="1326600"/>
+            <a:ext cx="4426560" cy="1568160"/>
+          </a:xfrm>
+          <a:prstGeom prst="rect">
+            <a:avLst/>
+          </a:prstGeom>
+          <a:noFill/>
+          <a:ln w="0">
+            <a:noFill/>
+          </a:ln>
+        </p:spPr>
+        <p:txBody>
+          <a:bodyPr lIns="0" rIns="0" tIns="0" bIns="0" anchor="t">
+            <a:normAutofit/>
+          </a:bodyPr>
+          <a:p>
+            <a:endParaRPr b="0" lang="en-US" sz="3200" spc="-1" strike="noStrike">
+              <a:latin typeface="Arial"/>
+            </a:endParaRPr>
+          </a:p>
+        </p:txBody>
+      </p:sp>
+      <p:sp>
+        <p:nvSpPr>
+          <p:cNvPr id="72" name="PlaceHolder 3"/>
+          <p:cNvSpPr>
+            <a:spLocks noGrp="1"/>
+          </p:cNvSpPr>
+          <p:nvPr>
+            <p:ph/>
+          </p:nvPr>
+        </p:nvSpPr>
+        <p:spPr>
+          <a:xfrm>
+            <a:off x="5152320" y="1326600"/>
+            <a:ext cx="4426560" cy="1568160"/>
+          </a:xfrm>
+          <a:prstGeom prst="rect">
+            <a:avLst/>
+          </a:prstGeom>
+          <a:noFill/>
+          <a:ln w="0">
+            <a:noFill/>
+          </a:ln>
+        </p:spPr>
+        <p:txBody>
+          <a:bodyPr lIns="0" rIns="0" tIns="0" bIns="0" anchor="t">
+            <a:normAutofit/>
+          </a:bodyPr>
+          <a:p>
+            <a:endParaRPr b="0" lang="en-US" sz="3200" spc="-1" strike="noStrike">
+              <a:latin typeface="Arial"/>
+            </a:endParaRPr>
+          </a:p>
+        </p:txBody>
+      </p:sp>
+      <p:sp>
+        <p:nvSpPr>
+          <p:cNvPr id="73" name="PlaceHolder 4"/>
+          <p:cNvSpPr>
+            <a:spLocks noGrp="1"/>
+          </p:cNvSpPr>
+          <p:nvPr>
+            <p:ph/>
+          </p:nvPr>
+        </p:nvSpPr>
+        <p:spPr>
+          <a:xfrm>
+            <a:off x="504000" y="3044160"/>
+            <a:ext cx="4426560" cy="1568160"/>
+          </a:xfrm>
+          <a:prstGeom prst="rect">
+            <a:avLst/>
+          </a:prstGeom>
+          <a:noFill/>
+          <a:ln w="0">
+            <a:noFill/>
+          </a:ln>
+        </p:spPr>
+        <p:txBody>
+          <a:bodyPr lIns="0" rIns="0" tIns="0" bIns="0" anchor="t">
+            <a:normAutofit/>
+          </a:bodyPr>
+          <a:p>
+            <a:endParaRPr b="0" lang="en-US" sz="3200" spc="-1" strike="noStrike">
+              <a:latin typeface="Arial"/>
+            </a:endParaRPr>
+          </a:p>
+        </p:txBody>
+      </p:sp>
+      <p:sp>
+        <p:nvSpPr>
+          <p:cNvPr id="74" name="PlaceHolder 5"/>
+          <p:cNvSpPr>
+            <a:spLocks noGrp="1"/>
+          </p:cNvSpPr>
+          <p:nvPr>
+            <p:ph/>
+          </p:nvPr>
+        </p:nvSpPr>
+        <p:spPr>
+          <a:xfrm>
+            <a:off x="5152320" y="3044160"/>
+            <a:ext cx="4426560" cy="1568160"/>
+          </a:xfrm>
+          <a:prstGeom prst="rect">
+            <a:avLst/>
+          </a:prstGeom>
+          <a:noFill/>
+          <a:ln w="0">
+            <a:noFill/>
+          </a:ln>
+        </p:spPr>
+        <p:txBody>
+          <a:bodyPr lIns="0" rIns="0" tIns="0" bIns="0" anchor="t">
+            <a:normAutofit/>
+          </a:bodyPr>
+          <a:p>
+            <a:endParaRPr b="0" lang="en-US" sz="3200" spc="-1" strike="noStrike">
+              <a:latin typeface="Arial"/>
+            </a:endParaRPr>
+          </a:p>
+        </p:txBody>
+      </p:sp>
+      <p:sp>
+        <p:nvSpPr>
+          <p:cNvPr id="7" name="PlaceHolder 6"/>
+          <p:cNvSpPr>
+            <a:spLocks noGrp="1"/>
+          </p:cNvSpPr>
+          <p:nvPr>
+            <p:ph type="ftr" idx="4"/>
+          </p:nvPr>
+        </p:nvSpPr>
+        <p:spPr/>
+        <p:txBody>
+          <a:bodyPr/>
+          <a:p>
+            <a:r>
+              <a:t>Footer</a:t>
+            </a:r>
+          </a:p>
+        </p:txBody>
+      </p:sp>
+      <p:sp>
+        <p:nvSpPr>
+          <p:cNvPr id="8" name="PlaceHolder 7"/>
+          <p:cNvSpPr>
+            <a:spLocks noGrp="1"/>
+          </p:cNvSpPr>
+          <p:nvPr>
+            <p:ph type="sldNum" idx="5"/>
+          </p:nvPr>
+        </p:nvSpPr>
+        <p:spPr/>
+        <p:txBody>
+          <a:bodyPr/>
+          <a:p>
+            <a:fld id="{55F471BD-FADD-4967-82E6-0DDE426D5871}" type="slidenum">
+              <a:t>&lt;#&gt;</a:t>
+            </a:fld>
+          </a:p>
+        </p:txBody>
+      </p:sp>
+      <p:sp>
+        <p:nvSpPr>
+          <p:cNvPr id="9" name="PlaceHolder 8"/>
+          <p:cNvSpPr>
+            <a:spLocks noGrp="1"/>
+          </p:cNvSpPr>
+          <p:nvPr>
+            <p:ph type="dt" idx="6"/>
+          </p:nvPr>
+        </p:nvSpPr>
+        <p:spPr/>
+        <p:txBody>
+          <a:bodyPr/>
+          <a:p>
+            <a:r>
+              <a:rPr lang="en-US"/>
+              <a:t/>
+            </a:r>
+          </a:p>
+        </p:txBody>
+      </p:sp>
+    </p:spTree>
+  </p:cSld>
+</p:sldLayout>
+</file>
+
+<file path=ppt/slideLayouts/slideLayout24.xml><?xml version="1.0" encoding="utf-8"?>
+<p:sldLayout xmlns:a="http://schemas.openxmlformats.org/drawingml/2006/main" xmlns:p="http://schemas.openxmlformats.org/presentationml/2006/main" xmlns:r="http://schemas.openxmlformats.org/officeDocument/2006/relationships" xmlns:p14="http://schemas.microsoft.com/office/powerpoint/2010/main" xmlns:p15="http://schemas.microsoft.com/office/powerpoint/2012/main" xmlns:mc="http://schemas.openxmlformats.org/markup-compatibility/2006" type="blank" preserve="1">
+  <p:cSld name="Title, 6 Content">
+    <p:spTree>
+      <p:nvGrpSpPr>
+        <p:cNvPr id="1" name=""/>
+        <p:cNvGrpSpPr/>
+        <p:nvPr/>
+      </p:nvGrpSpPr>
+      <p:grpSpPr>
+        <a:xfrm>
+          <a:off x="0" y="0"/>
+          <a:ext cx="0" cy="0"/>
+          <a:chOff x="0" y="0"/>
+          <a:chExt cx="0" cy="0"/>
+        </a:xfrm>
+      </p:grpSpPr>
+      <p:sp>
+        <p:nvSpPr>
+          <p:cNvPr id="75" name="PlaceHolder 1"/>
+          <p:cNvSpPr>
+            <a:spLocks noGrp="1"/>
+          </p:cNvSpPr>
+          <p:nvPr>
+            <p:ph type="title"/>
+          </p:nvPr>
+        </p:nvSpPr>
+        <p:spPr>
+          <a:xfrm>
+            <a:off x="504000" y="226080"/>
+            <a:ext cx="9071280" cy="946080"/>
+          </a:xfrm>
+          <a:prstGeom prst="rect">
+            <a:avLst/>
+          </a:prstGeom>
+          <a:noFill/>
+          <a:ln w="0">
+            <a:noFill/>
+          </a:ln>
+        </p:spPr>
+        <p:txBody>
+          <a:bodyPr lIns="0" rIns="0" tIns="0" bIns="0" anchor="ctr">
+            <a:noAutofit/>
+          </a:bodyPr>
+          <a:p>
+            <a:pPr algn="ctr">
+              <a:buNone/>
+            </a:pPr>
+            <a:endParaRPr b="0" lang="en-US" sz="4400" spc="-1" strike="noStrike">
+              <a:latin typeface="Arial"/>
+            </a:endParaRPr>
+          </a:p>
+        </p:txBody>
+      </p:sp>
+      <p:sp>
+        <p:nvSpPr>
+          <p:cNvPr id="76" name="PlaceHolder 2"/>
+          <p:cNvSpPr>
+            <a:spLocks noGrp="1"/>
+          </p:cNvSpPr>
+          <p:nvPr>
+            <p:ph/>
+          </p:nvPr>
+        </p:nvSpPr>
+        <p:spPr>
+          <a:xfrm>
+            <a:off x="504000" y="1326600"/>
+            <a:ext cx="2920680" cy="1568160"/>
+          </a:xfrm>
+          <a:prstGeom prst="rect">
+            <a:avLst/>
+          </a:prstGeom>
+          <a:noFill/>
+          <a:ln w="0">
+            <a:noFill/>
+          </a:ln>
+        </p:spPr>
+        <p:txBody>
+          <a:bodyPr lIns="0" rIns="0" tIns="0" bIns="0" anchor="t">
+            <a:normAutofit/>
+          </a:bodyPr>
+          <a:p>
+            <a:endParaRPr b="0" lang="en-US" sz="3200" spc="-1" strike="noStrike">
+              <a:latin typeface="Arial"/>
+            </a:endParaRPr>
+          </a:p>
+        </p:txBody>
+      </p:sp>
+      <p:sp>
+        <p:nvSpPr>
+          <p:cNvPr id="77" name="PlaceHolder 3"/>
+          <p:cNvSpPr>
+            <a:spLocks noGrp="1"/>
+          </p:cNvSpPr>
+          <p:nvPr>
+            <p:ph/>
+          </p:nvPr>
+        </p:nvSpPr>
+        <p:spPr>
+          <a:xfrm>
+            <a:off x="3571200" y="1326600"/>
+            <a:ext cx="2920680" cy="1568160"/>
+          </a:xfrm>
+          <a:prstGeom prst="rect">
+            <a:avLst/>
+          </a:prstGeom>
+          <a:noFill/>
+          <a:ln w="0">
+            <a:noFill/>
+          </a:ln>
+        </p:spPr>
+        <p:txBody>
+          <a:bodyPr lIns="0" rIns="0" tIns="0" bIns="0" anchor="t">
+            <a:normAutofit/>
+          </a:bodyPr>
+          <a:p>
+            <a:endParaRPr b="0" lang="en-US" sz="3200" spc="-1" strike="noStrike">
+              <a:latin typeface="Arial"/>
+            </a:endParaRPr>
+          </a:p>
+        </p:txBody>
+      </p:sp>
+      <p:sp>
+        <p:nvSpPr>
+          <p:cNvPr id="78" name="PlaceHolder 4"/>
+          <p:cNvSpPr>
+            <a:spLocks noGrp="1"/>
+          </p:cNvSpPr>
+          <p:nvPr>
+            <p:ph/>
+          </p:nvPr>
+        </p:nvSpPr>
+        <p:spPr>
+          <a:xfrm>
+            <a:off x="6638040" y="1326600"/>
+            <a:ext cx="2920680" cy="1568160"/>
+          </a:xfrm>
+          <a:prstGeom prst="rect">
+            <a:avLst/>
+          </a:prstGeom>
+          <a:noFill/>
+          <a:ln w="0">
+            <a:noFill/>
+          </a:ln>
+        </p:spPr>
+        <p:txBody>
+          <a:bodyPr lIns="0" rIns="0" tIns="0" bIns="0" anchor="t">
+            <a:normAutofit/>
+          </a:bodyPr>
+          <a:p>
+            <a:endParaRPr b="0" lang="en-US" sz="3200" spc="-1" strike="noStrike">
+              <a:latin typeface="Arial"/>
+            </a:endParaRPr>
+          </a:p>
+        </p:txBody>
+      </p:sp>
+      <p:sp>
+        <p:nvSpPr>
+          <p:cNvPr id="79" name="PlaceHolder 5"/>
+          <p:cNvSpPr>
+            <a:spLocks noGrp="1"/>
+          </p:cNvSpPr>
+          <p:nvPr>
+            <p:ph/>
+          </p:nvPr>
+        </p:nvSpPr>
+        <p:spPr>
+          <a:xfrm>
+            <a:off x="504000" y="3044160"/>
+            <a:ext cx="2920680" cy="1568160"/>
+          </a:xfrm>
+          <a:prstGeom prst="rect">
+            <a:avLst/>
+          </a:prstGeom>
+          <a:noFill/>
+          <a:ln w="0">
+            <a:noFill/>
+          </a:ln>
+        </p:spPr>
+        <p:txBody>
+          <a:bodyPr lIns="0" rIns="0" tIns="0" bIns="0" anchor="t">
+            <a:normAutofit/>
+          </a:bodyPr>
+          <a:p>
+            <a:endParaRPr b="0" lang="en-US" sz="3200" spc="-1" strike="noStrike">
+              <a:latin typeface="Arial"/>
+            </a:endParaRPr>
+          </a:p>
+        </p:txBody>
+      </p:sp>
+      <p:sp>
+        <p:nvSpPr>
+          <p:cNvPr id="80" name="PlaceHolder 6"/>
+          <p:cNvSpPr>
+            <a:spLocks noGrp="1"/>
+          </p:cNvSpPr>
+          <p:nvPr>
+            <p:ph/>
+          </p:nvPr>
+        </p:nvSpPr>
+        <p:spPr>
+          <a:xfrm>
+            <a:off x="3571200" y="3044160"/>
+            <a:ext cx="2920680" cy="1568160"/>
+          </a:xfrm>
+          <a:prstGeom prst="rect">
+            <a:avLst/>
+          </a:prstGeom>
+          <a:noFill/>
+          <a:ln w="0">
+            <a:noFill/>
+          </a:ln>
+        </p:spPr>
+        <p:txBody>
+          <a:bodyPr lIns="0" rIns="0" tIns="0" bIns="0" anchor="t">
+            <a:normAutofit/>
+          </a:bodyPr>
+          <a:p>
+            <a:endParaRPr b="0" lang="en-US" sz="3200" spc="-1" strike="noStrike">
+              <a:latin typeface="Arial"/>
+            </a:endParaRPr>
+          </a:p>
+        </p:txBody>
+      </p:sp>
+      <p:sp>
+        <p:nvSpPr>
+          <p:cNvPr id="81" name="PlaceHolder 7"/>
+          <p:cNvSpPr>
+            <a:spLocks noGrp="1"/>
+          </p:cNvSpPr>
+          <p:nvPr>
+            <p:ph/>
+          </p:nvPr>
+        </p:nvSpPr>
+        <p:spPr>
+          <a:xfrm>
+            <a:off x="6638040" y="3044160"/>
+            <a:ext cx="2920680" cy="1568160"/>
+          </a:xfrm>
+          <a:prstGeom prst="rect">
+            <a:avLst/>
+          </a:prstGeom>
+          <a:noFill/>
+          <a:ln w="0">
+            <a:noFill/>
+          </a:ln>
+        </p:spPr>
+        <p:txBody>
+          <a:bodyPr lIns="0" rIns="0" tIns="0" bIns="0" anchor="t">
+            <a:normAutofit/>
+          </a:bodyPr>
+          <a:p>
+            <a:endParaRPr b="0" lang="en-US" sz="3200" spc="-1" strike="noStrike">
+              <a:latin typeface="Arial"/>
+            </a:endParaRPr>
+          </a:p>
+        </p:txBody>
+      </p:sp>
+      <p:sp>
+        <p:nvSpPr>
+          <p:cNvPr id="9" name="PlaceHolder 8"/>
+          <p:cNvSpPr>
+            <a:spLocks noGrp="1"/>
+          </p:cNvSpPr>
+          <p:nvPr>
+            <p:ph type="ftr" idx="4"/>
+          </p:nvPr>
+        </p:nvSpPr>
+        <p:spPr/>
+        <p:txBody>
+          <a:bodyPr/>
+          <a:p>
+            <a:r>
+              <a:t>Footer</a:t>
+            </a:r>
+          </a:p>
+        </p:txBody>
+      </p:sp>
+      <p:sp>
+        <p:nvSpPr>
+          <p:cNvPr id="10" name="PlaceHolder 9"/>
+          <p:cNvSpPr>
+            <a:spLocks noGrp="1"/>
+          </p:cNvSpPr>
+          <p:nvPr>
+            <p:ph type="sldNum" idx="5"/>
+          </p:nvPr>
+        </p:nvSpPr>
+        <p:spPr/>
+        <p:txBody>
+          <a:bodyPr/>
+          <a:p>
+            <a:fld id="{C75062E8-2A11-4169-94CD-EA1C1F2BD0C9}" type="slidenum">
+              <a:t>&lt;#&gt;</a:t>
+            </a:fld>
+          </a:p>
+        </p:txBody>
+      </p:sp>
+      <p:sp>
+        <p:nvSpPr>
+          <p:cNvPr id="11" name="PlaceHolder 10"/>
+          <p:cNvSpPr>
+            <a:spLocks noGrp="1"/>
+          </p:cNvSpPr>
+          <p:nvPr>
+            <p:ph type="dt" idx="6"/>
           </p:nvPr>
         </p:nvSpPr>
         <p:spPr/>
@@ -1089,7 +3331,7 @@
         <p:spPr>
           <a:xfrm>
             <a:off x="504000" y="226080"/>
-            <a:ext cx="9071640" cy="946440"/>
+            <a:ext cx="9071280" cy="946080"/>
           </a:xfrm>
           <a:prstGeom prst="rect">
             <a:avLst/>
@@ -1108,9 +3350,6 @@
               <a:buNone/>
             </a:pPr>
             <a:endParaRPr b="0" lang="en-US" sz="4400" spc="-1" strike="noStrike">
-              <a:solidFill>
-                <a:srgbClr val="000000"/>
-              </a:solidFill>
               <a:latin typeface="Arial"/>
             </a:endParaRPr>
           </a:p>
@@ -1129,7 +3368,7 @@
         <p:spPr>
           <a:xfrm>
             <a:off x="504000" y="1326600"/>
-            <a:ext cx="9071640" cy="3288240"/>
+            <a:ext cx="9071280" cy="3287880"/>
           </a:xfrm>
           <a:prstGeom prst="rect">
             <a:avLst/>
@@ -1157,7 +3396,7 @@
             <a:spLocks noGrp="1"/>
           </p:cNvSpPr>
           <p:nvPr>
-            <p:ph type="ftr" idx="2"/>
+            <p:ph type="ftr" idx="1"/>
           </p:nvPr>
         </p:nvSpPr>
         <p:spPr/>
@@ -1177,14 +3416,14 @@
             <a:spLocks noGrp="1"/>
           </p:cNvSpPr>
           <p:nvPr>
-            <p:ph type="sldNum" idx="3"/>
+            <p:ph type="sldNum" idx="2"/>
           </p:nvPr>
         </p:nvSpPr>
         <p:spPr/>
         <p:txBody>
           <a:bodyPr/>
           <a:p>
-            <a:fld id="{4D503C3A-BF36-4B66-BE72-6412F8024BB0}" type="slidenum">
+            <a:fld id="{F1904938-290F-48FE-8F08-8797A31E3CD3}" type="slidenum">
               <a:t>&lt;#&gt;</a:t>
             </a:fld>
           </a:p>
@@ -1197,7 +3436,7 @@
             <a:spLocks noGrp="1"/>
           </p:cNvSpPr>
           <p:nvPr>
-            <p:ph type="dt" idx="1"/>
+            <p:ph type="dt" idx="3"/>
           </p:nvPr>
         </p:nvSpPr>
         <p:spPr/>
@@ -1246,7 +3485,7 @@
         <p:spPr>
           <a:xfrm>
             <a:off x="504000" y="226080"/>
-            <a:ext cx="9071640" cy="946440"/>
+            <a:ext cx="9071280" cy="946080"/>
           </a:xfrm>
           <a:prstGeom prst="rect">
             <a:avLst/>
@@ -1265,9 +3504,6 @@
               <a:buNone/>
             </a:pPr>
             <a:endParaRPr b="0" lang="en-US" sz="4400" spc="-1" strike="noStrike">
-              <a:solidFill>
-                <a:srgbClr val="000000"/>
-              </a:solidFill>
               <a:latin typeface="Arial"/>
             </a:endParaRPr>
           </a:p>
@@ -1286,7 +3522,7 @@
         <p:spPr>
           <a:xfrm>
             <a:off x="504000" y="1326600"/>
-            <a:ext cx="4426920" cy="3288240"/>
+            <a:ext cx="4426560" cy="3287880"/>
           </a:xfrm>
           <a:prstGeom prst="rect">
             <a:avLst/>
@@ -1319,8 +3555,8 @@
         </p:nvSpPr>
         <p:spPr>
           <a:xfrm>
-            <a:off x="5152680" y="1326600"/>
-            <a:ext cx="4426920" cy="3288240"/>
+            <a:off x="5152320" y="1326600"/>
+            <a:ext cx="4426560" cy="3287880"/>
           </a:xfrm>
           <a:prstGeom prst="rect">
             <a:avLst/>
@@ -1348,7 +3584,7 @@
             <a:spLocks noGrp="1"/>
           </p:cNvSpPr>
           <p:nvPr>
-            <p:ph type="ftr" idx="2"/>
+            <p:ph type="ftr" idx="1"/>
           </p:nvPr>
         </p:nvSpPr>
         <p:spPr/>
@@ -1368,14 +3604,14 @@
             <a:spLocks noGrp="1"/>
           </p:cNvSpPr>
           <p:nvPr>
-            <p:ph type="sldNum" idx="3"/>
+            <p:ph type="sldNum" idx="2"/>
           </p:nvPr>
         </p:nvSpPr>
         <p:spPr/>
         <p:txBody>
           <a:bodyPr/>
           <a:p>
-            <a:fld id="{F58BBBD3-93DA-445E-A94C-27F7717E2DD4}" type="slidenum">
+            <a:fld id="{CDEE480C-E54E-4E50-8BC6-05C06F3DA121}" type="slidenum">
               <a:t>&lt;#&gt;</a:t>
             </a:fld>
           </a:p>
@@ -1388,7 +3624,7 @@
             <a:spLocks noGrp="1"/>
           </p:cNvSpPr>
           <p:nvPr>
-            <p:ph type="dt" idx="1"/>
+            <p:ph type="dt" idx="3"/>
           </p:nvPr>
         </p:nvSpPr>
         <p:spPr/>
@@ -1437,7 +3673,7 @@
         <p:spPr>
           <a:xfrm>
             <a:off x="504000" y="226080"/>
-            <a:ext cx="9071640" cy="946440"/>
+            <a:ext cx="9071280" cy="946080"/>
           </a:xfrm>
           <a:prstGeom prst="rect">
             <a:avLst/>
@@ -1456,9 +3692,6 @@
               <a:buNone/>
             </a:pPr>
             <a:endParaRPr b="0" lang="en-US" sz="4400" spc="-1" strike="noStrike">
-              <a:solidFill>
-                <a:srgbClr val="000000"/>
-              </a:solidFill>
               <a:latin typeface="Arial"/>
             </a:endParaRPr>
           </a:p>
@@ -1471,7 +3704,7 @@
             <a:spLocks noGrp="1"/>
           </p:cNvSpPr>
           <p:nvPr>
-            <p:ph type="ftr" idx="2"/>
+            <p:ph type="ftr" idx="1"/>
           </p:nvPr>
         </p:nvSpPr>
         <p:spPr/>
@@ -1491,14 +3724,14 @@
             <a:spLocks noGrp="1"/>
           </p:cNvSpPr>
           <p:nvPr>
-            <p:ph type="sldNum" idx="3"/>
+            <p:ph type="sldNum" idx="2"/>
           </p:nvPr>
         </p:nvSpPr>
         <p:spPr/>
         <p:txBody>
           <a:bodyPr/>
           <a:p>
-            <a:fld id="{C13FECCB-E6CB-4CC7-99C7-7983072A8261}" type="slidenum">
+            <a:fld id="{DD3DF7CF-5DE9-41FC-9767-8DAD21D55E96}" type="slidenum">
               <a:t>&lt;#&gt;</a:t>
             </a:fld>
           </a:p>
@@ -1511,7 +3744,7 @@
             <a:spLocks noGrp="1"/>
           </p:cNvSpPr>
           <p:nvPr>
-            <p:ph type="dt" idx="1"/>
+            <p:ph type="dt" idx="3"/>
           </p:nvPr>
         </p:nvSpPr>
         <p:spPr/>
@@ -1560,7 +3793,7 @@
         <p:spPr>
           <a:xfrm>
             <a:off x="504000" y="226080"/>
-            <a:ext cx="9071640" cy="4388400"/>
+            <a:ext cx="9071280" cy="4386600"/>
           </a:xfrm>
           <a:prstGeom prst="rect">
             <a:avLst/>
@@ -1579,9 +3812,6 @@
               <a:buNone/>
             </a:pPr>
             <a:endParaRPr b="0" lang="en-US" sz="3200" spc="-1" strike="noStrike">
-              <a:solidFill>
-                <a:srgbClr val="ffffff"/>
-              </a:solidFill>
               <a:latin typeface="Arial"/>
             </a:endParaRPr>
           </a:p>
@@ -1594,7 +3824,7 @@
             <a:spLocks noGrp="1"/>
           </p:cNvSpPr>
           <p:nvPr>
-            <p:ph type="ftr" idx="2"/>
+            <p:ph type="ftr" idx="1"/>
           </p:nvPr>
         </p:nvSpPr>
         <p:spPr/>
@@ -1614,14 +3844,14 @@
             <a:spLocks noGrp="1"/>
           </p:cNvSpPr>
           <p:nvPr>
-            <p:ph type="sldNum" idx="3"/>
+            <p:ph type="sldNum" idx="2"/>
           </p:nvPr>
         </p:nvSpPr>
         <p:spPr/>
         <p:txBody>
           <a:bodyPr/>
           <a:p>
-            <a:fld id="{41BD1E35-D465-4731-ADC6-23CD7B2954DB}" type="slidenum">
+            <a:fld id="{0836270F-CEA4-4DAA-8A2D-238B9FB84BE3}" type="slidenum">
               <a:t>&lt;#&gt;</a:t>
             </a:fld>
           </a:p>
@@ -1634,7 +3864,7 @@
             <a:spLocks noGrp="1"/>
           </p:cNvSpPr>
           <p:nvPr>
-            <p:ph type="dt" idx="1"/>
+            <p:ph type="dt" idx="3"/>
           </p:nvPr>
         </p:nvSpPr>
         <p:spPr/>
@@ -1683,7 +3913,7 @@
         <p:spPr>
           <a:xfrm>
             <a:off x="504000" y="226080"/>
-            <a:ext cx="9071640" cy="946440"/>
+            <a:ext cx="9071280" cy="946080"/>
           </a:xfrm>
           <a:prstGeom prst="rect">
             <a:avLst/>
@@ -1702,9 +3932,6 @@
               <a:buNone/>
             </a:pPr>
             <a:endParaRPr b="0" lang="en-US" sz="4400" spc="-1" strike="noStrike">
-              <a:solidFill>
-                <a:srgbClr val="000000"/>
-              </a:solidFill>
               <a:latin typeface="Arial"/>
             </a:endParaRPr>
           </a:p>
@@ -1723,7 +3950,7 @@
         <p:spPr>
           <a:xfrm>
             <a:off x="504000" y="1326600"/>
-            <a:ext cx="4426920" cy="1568160"/>
+            <a:ext cx="4426560" cy="1568160"/>
           </a:xfrm>
           <a:prstGeom prst="rect">
             <a:avLst/>
@@ -1756,8 +3983,8 @@
         </p:nvSpPr>
         <p:spPr>
           <a:xfrm>
-            <a:off x="5152680" y="1326600"/>
-            <a:ext cx="4426920" cy="3288240"/>
+            <a:off x="5152320" y="1326600"/>
+            <a:ext cx="4426560" cy="3287880"/>
           </a:xfrm>
           <a:prstGeom prst="rect">
             <a:avLst/>
@@ -1791,7 +4018,7 @@
         <p:spPr>
           <a:xfrm>
             <a:off x="504000" y="3044160"/>
-            <a:ext cx="4426920" cy="1568160"/>
+            <a:ext cx="4426560" cy="1568160"/>
           </a:xfrm>
           <a:prstGeom prst="rect">
             <a:avLst/>
@@ -1819,7 +4046,7 @@
             <a:spLocks noGrp="1"/>
           </p:cNvSpPr>
           <p:nvPr>
-            <p:ph type="ftr" idx="2"/>
+            <p:ph type="ftr" idx="1"/>
           </p:nvPr>
         </p:nvSpPr>
         <p:spPr/>
@@ -1839,14 +4066,14 @@
             <a:spLocks noGrp="1"/>
           </p:cNvSpPr>
           <p:nvPr>
-            <p:ph type="sldNum" idx="3"/>
+            <p:ph type="sldNum" idx="2"/>
           </p:nvPr>
         </p:nvSpPr>
         <p:spPr/>
         <p:txBody>
           <a:bodyPr/>
           <a:p>
-            <a:fld id="{65B8B5A2-624E-4612-90C2-8336C0324BAF}" type="slidenum">
+            <a:fld id="{12AB4FB5-A7B8-4F07-9F9D-210FC10D8C81}" type="slidenum">
               <a:t>&lt;#&gt;</a:t>
             </a:fld>
           </a:p>
@@ -1859,7 +4086,7 @@
             <a:spLocks noGrp="1"/>
           </p:cNvSpPr>
           <p:nvPr>
-            <p:ph type="dt" idx="1"/>
+            <p:ph type="dt" idx="3"/>
           </p:nvPr>
         </p:nvSpPr>
         <p:spPr/>
@@ -1908,7 +4135,7 @@
         <p:spPr>
           <a:xfrm>
             <a:off x="504000" y="226080"/>
-            <a:ext cx="9071640" cy="946440"/>
+            <a:ext cx="9071280" cy="946080"/>
           </a:xfrm>
           <a:prstGeom prst="rect">
             <a:avLst/>
@@ -1927,9 +4154,6 @@
               <a:buNone/>
             </a:pPr>
             <a:endParaRPr b="0" lang="en-US" sz="4400" spc="-1" strike="noStrike">
-              <a:solidFill>
-                <a:srgbClr val="000000"/>
-              </a:solidFill>
               <a:latin typeface="Arial"/>
             </a:endParaRPr>
           </a:p>
@@ -1948,7 +4172,7 @@
         <p:spPr>
           <a:xfrm>
             <a:off x="504000" y="1326600"/>
-            <a:ext cx="4426920" cy="3288240"/>
+            <a:ext cx="4426560" cy="3287880"/>
           </a:xfrm>
           <a:prstGeom prst="rect">
             <a:avLst/>
@@ -1981,8 +4205,8 @@
         </p:nvSpPr>
         <p:spPr>
           <a:xfrm>
-            <a:off x="5152680" y="1326600"/>
-            <a:ext cx="4426920" cy="1568160"/>
+            <a:off x="5152320" y="1326600"/>
+            <a:ext cx="4426560" cy="1568160"/>
           </a:xfrm>
           <a:prstGeom prst="rect">
             <a:avLst/>
@@ -2015,8 +4239,8 @@
         </p:nvSpPr>
         <p:spPr>
           <a:xfrm>
-            <a:off x="5152680" y="3044160"/>
-            <a:ext cx="4426920" cy="1568160"/>
+            <a:off x="5152320" y="3044160"/>
+            <a:ext cx="4426560" cy="1568160"/>
           </a:xfrm>
           <a:prstGeom prst="rect">
             <a:avLst/>
@@ -2044,7 +4268,7 @@
             <a:spLocks noGrp="1"/>
           </p:cNvSpPr>
           <p:nvPr>
-            <p:ph type="ftr" idx="2"/>
+            <p:ph type="ftr" idx="1"/>
           </p:nvPr>
         </p:nvSpPr>
         <p:spPr/>
@@ -2064,14 +4288,14 @@
             <a:spLocks noGrp="1"/>
           </p:cNvSpPr>
           <p:nvPr>
-            <p:ph type="sldNum" idx="3"/>
+            <p:ph type="sldNum" idx="2"/>
           </p:nvPr>
         </p:nvSpPr>
         <p:spPr/>
         <p:txBody>
           <a:bodyPr/>
           <a:p>
-            <a:fld id="{CAAD5FFC-B1DD-49BE-B964-9CB5086EB99D}" type="slidenum">
+            <a:fld id="{198277B6-E20E-4104-8D69-3F1C360D577E}" type="slidenum">
               <a:t>&lt;#&gt;</a:t>
             </a:fld>
           </a:p>
@@ -2084,7 +4308,7 @@
             <a:spLocks noGrp="1"/>
           </p:cNvSpPr>
           <p:nvPr>
-            <p:ph type="dt" idx="1"/>
+            <p:ph type="dt" idx="3"/>
           </p:nvPr>
         </p:nvSpPr>
         <p:spPr/>
@@ -2133,7 +4357,7 @@
         <p:spPr>
           <a:xfrm>
             <a:off x="504000" y="226080"/>
-            <a:ext cx="9071640" cy="946440"/>
+            <a:ext cx="9071280" cy="946080"/>
           </a:xfrm>
           <a:prstGeom prst="rect">
             <a:avLst/>
@@ -2152,9 +4376,6 @@
               <a:buNone/>
             </a:pPr>
             <a:endParaRPr b="0" lang="en-US" sz="4400" spc="-1" strike="noStrike">
-              <a:solidFill>
-                <a:srgbClr val="000000"/>
-              </a:solidFill>
               <a:latin typeface="Arial"/>
             </a:endParaRPr>
           </a:p>
@@ -2173,7 +4394,7 @@
         <p:spPr>
           <a:xfrm>
             <a:off x="504000" y="1326600"/>
-            <a:ext cx="4426920" cy="1568160"/>
+            <a:ext cx="4426560" cy="1568160"/>
           </a:xfrm>
           <a:prstGeom prst="rect">
             <a:avLst/>
@@ -2206,8 +4427,8 @@
         </p:nvSpPr>
         <p:spPr>
           <a:xfrm>
-            <a:off x="5152680" y="1326600"/>
-            <a:ext cx="4426920" cy="1568160"/>
+            <a:off x="5152320" y="1326600"/>
+            <a:ext cx="4426560" cy="1568160"/>
           </a:xfrm>
           <a:prstGeom prst="rect">
             <a:avLst/>
@@ -2241,7 +4462,7 @@
         <p:spPr>
           <a:xfrm>
             <a:off x="504000" y="3044160"/>
-            <a:ext cx="9071640" cy="1568160"/>
+            <a:ext cx="9071280" cy="1568160"/>
           </a:xfrm>
           <a:prstGeom prst="rect">
             <a:avLst/>
@@ -2269,7 +4490,7 @@
             <a:spLocks noGrp="1"/>
           </p:cNvSpPr>
           <p:nvPr>
-            <p:ph type="ftr" idx="2"/>
+            <p:ph type="ftr" idx="1"/>
           </p:nvPr>
         </p:nvSpPr>
         <p:spPr/>
@@ -2289,14 +4510,14 @@
             <a:spLocks noGrp="1"/>
           </p:cNvSpPr>
           <p:nvPr>
-            <p:ph type="sldNum" idx="3"/>
+            <p:ph type="sldNum" idx="2"/>
           </p:nvPr>
         </p:nvSpPr>
         <p:spPr/>
         <p:txBody>
           <a:bodyPr/>
           <a:p>
-            <a:fld id="{EA903F41-0C27-494A-A551-52F8A3BBC004}" type="slidenum">
+            <a:fld id="{331CD952-C39A-4A02-913F-6CD9F581CCE7}" type="slidenum">
               <a:t>&lt;#&gt;</a:t>
             </a:fld>
           </a:p>
@@ -2309,7 +4530,7 @@
             <a:spLocks noGrp="1"/>
           </p:cNvSpPr>
           <p:nvPr>
-            <p:ph type="dt" idx="1"/>
+            <p:ph type="dt" idx="3"/>
           </p:nvPr>
         </p:nvSpPr>
         <p:spPr/>
@@ -2358,7 +4579,7 @@
         <p:spPr>
           <a:xfrm>
             <a:off x="504000" y="226080"/>
-            <a:ext cx="9071640" cy="946440"/>
+            <a:ext cx="9071280" cy="946080"/>
           </a:xfrm>
           <a:prstGeom prst="rect">
             <a:avLst/>
@@ -2373,30 +4594,182 @@
             <a:noAutofit/>
           </a:bodyPr>
           <a:p>
+            <a:r>
+              <a:rPr b="0" lang="en-US" sz="1800" spc="-1" strike="noStrike">
+                <a:latin typeface="Arial"/>
+              </a:rPr>
+              <a:t>Click to edit the title text format</a:t>
+            </a:r>
+            <a:endParaRPr b="0" lang="en-US" sz="1800" spc="-1" strike="noStrike">
+              <a:latin typeface="Arial"/>
+            </a:endParaRPr>
+          </a:p>
+        </p:txBody>
+      </p:sp>
+      <p:sp>
+        <p:nvSpPr>
+          <p:cNvPr id="1" name="PlaceHolder 2"/>
+          <p:cNvSpPr>
+            <a:spLocks noGrp="1"/>
+          </p:cNvSpPr>
+          <p:nvPr>
+            <p:ph type="ftr" idx="1"/>
+          </p:nvPr>
+        </p:nvSpPr>
+        <p:spPr>
+          <a:xfrm>
+            <a:off x="3447360" y="5165280"/>
+            <a:ext cx="3194640" cy="390240"/>
+          </a:xfrm>
+          <a:prstGeom prst="rect">
+            <a:avLst/>
+          </a:prstGeom>
+          <a:noFill/>
+          <a:ln w="0">
+            <a:noFill/>
+          </a:ln>
+        </p:spPr>
+        <p:txBody>
+          <a:bodyPr lIns="0" rIns="0" tIns="0" bIns="0" anchor="t">
+            <a:noAutofit/>
+          </a:bodyPr>
+          <a:lstStyle>
+            <a:lvl1pPr algn="ctr">
+              <a:lnSpc>
+                <a:spcPct val="100000"/>
+              </a:lnSpc>
+              <a:buNone/>
+              <a:defRPr b="0" lang="en-US" sz="1400" spc="-1" strike="noStrike">
+                <a:latin typeface="Times New Roman"/>
+              </a:defRPr>
+            </a:lvl1pPr>
+          </a:lstStyle>
+          <a:p>
             <a:pPr algn="ctr">
+              <a:lnSpc>
+                <a:spcPct val="100000"/>
+              </a:lnSpc>
               <a:buNone/>
             </a:pPr>
             <a:r>
-              <a:rPr b="0" lang="en-US" sz="4400" spc="-1" strike="noStrike">
-                <a:solidFill>
-                  <a:srgbClr val="000000"/>
-                </a:solidFill>
-                <a:latin typeface="Arial"/>
-              </a:rPr>
-              <a:t>Click to edit the title text format</a:t>
-            </a:r>
-            <a:endParaRPr b="0" lang="en-US" sz="4400" spc="-1" strike="noStrike">
-              <a:solidFill>
-                <a:srgbClr val="000000"/>
-              </a:solidFill>
-              <a:latin typeface="Arial"/>
-            </a:endParaRPr>
-          </a:p>
-        </p:txBody>
-      </p:sp>
-      <p:sp>
-        <p:nvSpPr>
-          <p:cNvPr id="1" name="PlaceHolder 2"/>
+              <a:rPr b="0" lang="en-US" sz="1400" spc="-1" strike="noStrike">
+                <a:latin typeface="Times New Roman"/>
+              </a:rPr>
+              <a:t>&lt;footer&gt;</a:t>
+            </a:r>
+            <a:endParaRPr b="0" lang="en-US" sz="1400" spc="-1" strike="noStrike">
+              <a:latin typeface="Times New Roman"/>
+            </a:endParaRPr>
+          </a:p>
+        </p:txBody>
+      </p:sp>
+      <p:sp>
+        <p:nvSpPr>
+          <p:cNvPr id="2" name="PlaceHolder 3"/>
+          <p:cNvSpPr>
+            <a:spLocks noGrp="1"/>
+          </p:cNvSpPr>
+          <p:nvPr>
+            <p:ph type="sldNum" idx="2"/>
+          </p:nvPr>
+        </p:nvSpPr>
+        <p:spPr>
+          <a:xfrm>
+            <a:off x="7227360" y="5165280"/>
+            <a:ext cx="2347920" cy="390240"/>
+          </a:xfrm>
+          <a:prstGeom prst="rect">
+            <a:avLst/>
+          </a:prstGeom>
+          <a:noFill/>
+          <a:ln w="0">
+            <a:noFill/>
+          </a:ln>
+        </p:spPr>
+        <p:txBody>
+          <a:bodyPr lIns="0" rIns="0" tIns="0" bIns="0" anchor="t">
+            <a:noAutofit/>
+          </a:bodyPr>
+          <a:lstStyle>
+            <a:lvl1pPr algn="r">
+              <a:lnSpc>
+                <a:spcPct val="100000"/>
+              </a:lnSpc>
+              <a:buNone/>
+              <a:defRPr b="0" lang="en-US" sz="1400" spc="-1" strike="noStrike">
+                <a:latin typeface="Times New Roman"/>
+              </a:defRPr>
+            </a:lvl1pPr>
+          </a:lstStyle>
+          <a:p>
+            <a:pPr algn="r">
+              <a:lnSpc>
+                <a:spcPct val="100000"/>
+              </a:lnSpc>
+              <a:buNone/>
+            </a:pPr>
+            <a:fld id="{FCB9F44F-E458-47B3-AEA4-09D0E40C8017}" type="slidenum">
+              <a:rPr b="0" lang="en-US" sz="1400" spc="-1" strike="noStrike">
+                <a:latin typeface="Times New Roman"/>
+              </a:rPr>
+              <a:t>&lt;number&gt;</a:t>
+            </a:fld>
+            <a:endParaRPr b="0" lang="en-US" sz="1400" spc="-1" strike="noStrike">
+              <a:latin typeface="Times New Roman"/>
+            </a:endParaRPr>
+          </a:p>
+        </p:txBody>
+      </p:sp>
+      <p:sp>
+        <p:nvSpPr>
+          <p:cNvPr id="3" name="PlaceHolder 4"/>
+          <p:cNvSpPr>
+            <a:spLocks noGrp="1"/>
+          </p:cNvSpPr>
+          <p:nvPr>
+            <p:ph type="dt" idx="3"/>
+          </p:nvPr>
+        </p:nvSpPr>
+        <p:spPr>
+          <a:xfrm>
+            <a:off x="504000" y="5165280"/>
+            <a:ext cx="2347920" cy="390240"/>
+          </a:xfrm>
+          <a:prstGeom prst="rect">
+            <a:avLst/>
+          </a:prstGeom>
+          <a:noFill/>
+          <a:ln w="0">
+            <a:noFill/>
+          </a:ln>
+        </p:spPr>
+        <p:txBody>
+          <a:bodyPr lIns="0" rIns="0" tIns="0" bIns="0" anchor="t">
+            <a:noAutofit/>
+          </a:bodyPr>
+          <a:lstStyle>
+            <a:lvl1pPr>
+              <a:defRPr b="0" lang="en-US" sz="1400" spc="-1" strike="noStrike">
+                <a:latin typeface="Times New Roman"/>
+              </a:defRPr>
+            </a:lvl1pPr>
+          </a:lstStyle>
+          <a:p>
+            <a:r>
+              <a:rPr b="0" lang="en-US" sz="1400" spc="-1" strike="noStrike">
+                <a:latin typeface="Times New Roman"/>
+              </a:rPr>
+              <a:t>&lt;date/time&gt;</a:t>
+            </a:r>
+            <a:endParaRPr b="0" lang="en-US" sz="1400" spc="-1" strike="noStrike">
+              <a:latin typeface="Times New Roman"/>
+            </a:endParaRPr>
+          </a:p>
+        </p:txBody>
+      </p:sp>
+      <p:sp>
+        <p:nvSpPr>
+          <p:cNvPr id="4" name="PlaceHolder 5"/>
           <p:cNvSpPr>
             <a:spLocks noGrp="1"/>
           </p:cNvSpPr>
@@ -2407,7 +4780,7 @@
         <p:spPr>
           <a:xfrm>
             <a:off x="504000" y="1326600"/>
-            <a:ext cx="9071640" cy="3288240"/>
+            <a:ext cx="9072000" cy="3288600"/>
           </a:xfrm>
           <a:prstGeom prst="rect">
             <a:avLst/>
@@ -2457,17 +4830,11 @@
             </a:pPr>
             <a:r>
               <a:rPr b="0" lang="en-US" sz="2800" spc="-1" strike="noStrike">
-                <a:solidFill>
-                  <a:srgbClr val="ffffff"/>
-                </a:solidFill>
                 <a:latin typeface="Arial"/>
               </a:rPr>
               <a:t>Second Outline Level</a:t>
             </a:r>
             <a:endParaRPr b="0" lang="en-US" sz="2800" spc="-1" strike="noStrike">
-              <a:solidFill>
-                <a:srgbClr val="ffffff"/>
-              </a:solidFill>
               <a:latin typeface="Arial"/>
             </a:endParaRPr>
           </a:p>
@@ -2485,17 +4852,11 @@
             </a:pPr>
             <a:r>
               <a:rPr b="0" lang="en-US" sz="2400" spc="-1" strike="noStrike">
-                <a:solidFill>
-                  <a:srgbClr val="ffffff"/>
-                </a:solidFill>
                 <a:latin typeface="Arial"/>
               </a:rPr>
               <a:t>Third Outline Level</a:t>
             </a:r>
             <a:endParaRPr b="0" lang="en-US" sz="2400" spc="-1" strike="noStrike">
-              <a:solidFill>
-                <a:srgbClr val="ffffff"/>
-              </a:solidFill>
               <a:latin typeface="Arial"/>
             </a:endParaRPr>
           </a:p>
@@ -2513,17 +4874,11 @@
             </a:pPr>
             <a:r>
               <a:rPr b="0" lang="en-US" sz="2000" spc="-1" strike="noStrike">
-                <a:solidFill>
-                  <a:srgbClr val="ffffff"/>
-                </a:solidFill>
                 <a:latin typeface="Arial"/>
               </a:rPr>
               <a:t>Fourth Outline Level</a:t>
             </a:r>
             <a:endParaRPr b="0" lang="en-US" sz="2000" spc="-1" strike="noStrike">
-              <a:solidFill>
-                <a:srgbClr val="ffffff"/>
-              </a:solidFill>
               <a:latin typeface="Arial"/>
             </a:endParaRPr>
           </a:p>
@@ -2541,17 +4896,11 @@
             </a:pPr>
             <a:r>
               <a:rPr b="0" lang="en-US" sz="2000" spc="-1" strike="noStrike">
-                <a:solidFill>
-                  <a:srgbClr val="ffffff"/>
-                </a:solidFill>
                 <a:latin typeface="Arial"/>
               </a:rPr>
               <a:t>Fifth Outline Level</a:t>
             </a:r>
             <a:endParaRPr b="0" lang="en-US" sz="2000" spc="-1" strike="noStrike">
-              <a:solidFill>
-                <a:srgbClr val="ffffff"/>
-              </a:solidFill>
               <a:latin typeface="Arial"/>
             </a:endParaRPr>
           </a:p>
@@ -2569,17 +4918,11 @@
             </a:pPr>
             <a:r>
               <a:rPr b="0" lang="en-US" sz="2000" spc="-1" strike="noStrike">
-                <a:solidFill>
-                  <a:srgbClr val="ffffff"/>
-                </a:solidFill>
                 <a:latin typeface="Arial"/>
               </a:rPr>
               <a:t>Sixth Outline Level</a:t>
             </a:r>
             <a:endParaRPr b="0" lang="en-US" sz="2000" spc="-1" strike="noStrike">
-              <a:solidFill>
-                <a:srgbClr val="ffffff"/>
-              </a:solidFill>
               <a:latin typeface="Arial"/>
             </a:endParaRPr>
           </a:p>
@@ -2597,167 +4940,12 @@
             </a:pPr>
             <a:r>
               <a:rPr b="0" lang="en-US" sz="2000" spc="-1" strike="noStrike">
-                <a:solidFill>
-                  <a:srgbClr val="ffffff"/>
-                </a:solidFill>
                 <a:latin typeface="Arial"/>
               </a:rPr>
               <a:t>Seventh Outline Level</a:t>
             </a:r>
             <a:endParaRPr b="0" lang="en-US" sz="2000" spc="-1" strike="noStrike">
-              <a:solidFill>
-                <a:srgbClr val="ffffff"/>
-              </a:solidFill>
-              <a:latin typeface="Arial"/>
-            </a:endParaRPr>
-          </a:p>
-        </p:txBody>
-      </p:sp>
-      <p:sp>
-        <p:nvSpPr>
-          <p:cNvPr id="2" name="PlaceHolder 3"/>
-          <p:cNvSpPr>
-            <a:spLocks noGrp="1"/>
-          </p:cNvSpPr>
-          <p:nvPr>
-            <p:ph type="dt" idx="1"/>
-          </p:nvPr>
-        </p:nvSpPr>
-        <p:spPr>
-          <a:xfrm>
-            <a:off x="504000" y="5165280"/>
-            <a:ext cx="2348280" cy="390600"/>
-          </a:xfrm>
-          <a:prstGeom prst="rect">
-            <a:avLst/>
-          </a:prstGeom>
-          <a:noFill/>
-          <a:ln w="0">
-            <a:noFill/>
-          </a:ln>
-        </p:spPr>
-        <p:txBody>
-          <a:bodyPr lIns="0" rIns="0" tIns="0" bIns="0" anchor="t">
-            <a:noAutofit/>
-          </a:bodyPr>
-          <a:lstStyle>
-            <a:lvl1pPr>
-              <a:defRPr b="0" lang="en-US" sz="1400" spc="-1" strike="noStrike">
-                <a:latin typeface="Times New Roman"/>
-              </a:defRPr>
-            </a:lvl1pPr>
-          </a:lstStyle>
-          <a:p>
-            <a:r>
-              <a:rPr b="0" lang="en-US" sz="1400" spc="-1" strike="noStrike">
-                <a:latin typeface="Times New Roman"/>
-              </a:rPr>
-              <a:t>&lt;date/time&gt;</a:t>
-            </a:r>
-            <a:endParaRPr b="0" lang="en-US" sz="1400" spc="-1" strike="noStrike">
-              <a:latin typeface="Times New Roman"/>
-            </a:endParaRPr>
-          </a:p>
-        </p:txBody>
-      </p:sp>
-      <p:sp>
-        <p:nvSpPr>
-          <p:cNvPr id="3" name="PlaceHolder 4"/>
-          <p:cNvSpPr>
-            <a:spLocks noGrp="1"/>
-          </p:cNvSpPr>
-          <p:nvPr>
-            <p:ph type="ftr" idx="2"/>
-          </p:nvPr>
-        </p:nvSpPr>
-        <p:spPr>
-          <a:xfrm>
-            <a:off x="3447360" y="5165280"/>
-            <a:ext cx="3195000" cy="390600"/>
-          </a:xfrm>
-          <a:prstGeom prst="rect">
-            <a:avLst/>
-          </a:prstGeom>
-          <a:noFill/>
-          <a:ln w="0">
-            <a:noFill/>
-          </a:ln>
-        </p:spPr>
-        <p:txBody>
-          <a:bodyPr lIns="0" rIns="0" tIns="0" bIns="0" anchor="t">
-            <a:noAutofit/>
-          </a:bodyPr>
-          <a:lstStyle>
-            <a:lvl1pPr algn="ctr">
-              <a:buNone/>
-              <a:defRPr b="0" lang="en-US" sz="1400" spc="-1" strike="noStrike">
-                <a:latin typeface="Times New Roman"/>
-              </a:defRPr>
-            </a:lvl1pPr>
-          </a:lstStyle>
-          <a:p>
-            <a:pPr algn="ctr">
-              <a:buNone/>
-            </a:pPr>
-            <a:r>
-              <a:rPr b="0" lang="en-US" sz="1400" spc="-1" strike="noStrike">
-                <a:latin typeface="Times New Roman"/>
-              </a:rPr>
-              <a:t>&lt;footer&gt;</a:t>
-            </a:r>
-            <a:endParaRPr b="0" lang="en-US" sz="1400" spc="-1" strike="noStrike">
-              <a:latin typeface="Times New Roman"/>
-            </a:endParaRPr>
-          </a:p>
-        </p:txBody>
-      </p:sp>
-      <p:sp>
-        <p:nvSpPr>
-          <p:cNvPr id="4" name="PlaceHolder 5"/>
-          <p:cNvSpPr>
-            <a:spLocks noGrp="1"/>
-          </p:cNvSpPr>
-          <p:nvPr>
-            <p:ph type="sldNum" idx="3"/>
-          </p:nvPr>
-        </p:nvSpPr>
-        <p:spPr>
-          <a:xfrm>
-            <a:off x="7227360" y="5165280"/>
-            <a:ext cx="2348280" cy="390600"/>
-          </a:xfrm>
-          <a:prstGeom prst="rect">
-            <a:avLst/>
-          </a:prstGeom>
-          <a:noFill/>
-          <a:ln w="0">
-            <a:noFill/>
-          </a:ln>
-        </p:spPr>
-        <p:txBody>
-          <a:bodyPr lIns="0" rIns="0" tIns="0" bIns="0" anchor="t">
-            <a:noAutofit/>
-          </a:bodyPr>
-          <a:lstStyle>
-            <a:lvl1pPr algn="r">
-              <a:buNone/>
-              <a:defRPr b="0" lang="en-US" sz="1400" spc="-1" strike="noStrike">
-                <a:latin typeface="Times New Roman"/>
-              </a:defRPr>
-            </a:lvl1pPr>
-          </a:lstStyle>
-          <a:p>
-            <a:pPr algn="r">
-              <a:buNone/>
-            </a:pPr>
-            <a:fld id="{A4C70831-1738-465D-A76B-CE310E1ACC65}" type="slidenum">
-              <a:rPr b="0" lang="en-US" sz="1400" spc="-1" strike="noStrike">
-                <a:latin typeface="Times New Roman"/>
-              </a:rPr>
-              <a:t>&lt;number&gt;</a:t>
-            </a:fld>
-            <a:endParaRPr b="0" lang="en-US" sz="1400" spc="-1" strike="noStrike">
-              <a:latin typeface="Times New Roman"/>
+              <a:latin typeface="Arial"/>
             </a:endParaRPr>
           </a:p>
         </p:txBody>
@@ -2778,6 +4966,427 @@
     <p:sldLayoutId id="2147483658" r:id="rId11"/>
     <p:sldLayoutId id="2147483659" r:id="rId12"/>
     <p:sldLayoutId id="2147483660" r:id="rId13"/>
+  </p:sldLayoutIdLst>
+</p:sldMaster>
+</file>
+
+<file path=ppt/slideMasters/slideMaster2.xml><?xml version="1.0" encoding="utf-8"?>
+<p:sldMaster xmlns:a="http://schemas.openxmlformats.org/drawingml/2006/main" xmlns:p="http://schemas.openxmlformats.org/presentationml/2006/main" xmlns:r="http://schemas.openxmlformats.org/officeDocument/2006/relationships" xmlns:p14="http://schemas.microsoft.com/office/powerpoint/2010/main" xmlns:p15="http://schemas.microsoft.com/office/powerpoint/2012/main" xmlns:mc="http://schemas.openxmlformats.org/markup-compatibility/2006">
+  <p:cSld>
+    <p:spTree>
+      <p:nvGrpSpPr>
+        <p:cNvPr id="1" name=""/>
+        <p:cNvGrpSpPr/>
+        <p:nvPr/>
+      </p:nvGrpSpPr>
+      <p:grpSpPr>
+        <a:xfrm>
+          <a:off x="0" y="0"/>
+          <a:ext cx="0" cy="0"/>
+          <a:chOff x="0" y="0"/>
+          <a:chExt cx="0" cy="0"/>
+        </a:xfrm>
+      </p:grpSpPr>
+      <p:sp>
+        <p:nvSpPr>
+          <p:cNvPr id="41" name="PlaceHolder 1"/>
+          <p:cNvSpPr>
+            <a:spLocks noGrp="1"/>
+          </p:cNvSpPr>
+          <p:nvPr>
+            <p:ph type="title"/>
+          </p:nvPr>
+        </p:nvSpPr>
+        <p:spPr>
+          <a:xfrm>
+            <a:off x="504000" y="226080"/>
+            <a:ext cx="9071280" cy="946080"/>
+          </a:xfrm>
+          <a:prstGeom prst="rect">
+            <a:avLst/>
+          </a:prstGeom>
+          <a:noFill/>
+          <a:ln w="0">
+            <a:noFill/>
+          </a:ln>
+        </p:spPr>
+        <p:txBody>
+          <a:bodyPr lIns="0" rIns="0" tIns="0" bIns="0" anchor="ctr">
+            <a:noAutofit/>
+          </a:bodyPr>
+          <a:p>
+            <a:r>
+              <a:rPr b="0" lang="en-US" sz="1800" spc="-1" strike="noStrike">
+                <a:latin typeface="Arial"/>
+              </a:rPr>
+              <a:t>Click to edit the title text format</a:t>
+            </a:r>
+            <a:endParaRPr b="0" lang="en-US" sz="1800" spc="-1" strike="noStrike">
+              <a:latin typeface="Arial"/>
+            </a:endParaRPr>
+          </a:p>
+        </p:txBody>
+      </p:sp>
+      <p:sp>
+        <p:nvSpPr>
+          <p:cNvPr id="42" name="PlaceHolder 2"/>
+          <p:cNvSpPr>
+            <a:spLocks noGrp="1"/>
+          </p:cNvSpPr>
+          <p:nvPr>
+            <p:ph type="body"/>
+          </p:nvPr>
+        </p:nvSpPr>
+        <p:spPr>
+          <a:xfrm>
+            <a:off x="504000" y="1326600"/>
+            <a:ext cx="9071280" cy="3287880"/>
+          </a:xfrm>
+          <a:prstGeom prst="rect">
+            <a:avLst/>
+          </a:prstGeom>
+          <a:noFill/>
+          <a:ln w="0">
+            <a:noFill/>
+          </a:ln>
+        </p:spPr>
+        <p:txBody>
+          <a:bodyPr lIns="0" rIns="0" tIns="0" bIns="0" anchor="t">
+            <a:normAutofit/>
+          </a:bodyPr>
+          <a:p>
+            <a:pPr marL="432000" indent="-324000">
+              <a:spcBef>
+                <a:spcPts val="1417"/>
+              </a:spcBef>
+              <a:buClr>
+                <a:srgbClr val="000000"/>
+              </a:buClr>
+              <a:buSzPct val="45000"/>
+              <a:buFont typeface="Wingdings" charset="2"/>
+              <a:buChar char=""/>
+            </a:pPr>
+            <a:r>
+              <a:rPr b="0" lang="en-US" sz="1800" spc="-1" strike="noStrike">
+                <a:latin typeface="Arial"/>
+              </a:rPr>
+              <a:t>Click to edit the outline text format</a:t>
+            </a:r>
+            <a:endParaRPr b="0" lang="en-US" sz="1800" spc="-1" strike="noStrike">
+              <a:latin typeface="Arial"/>
+            </a:endParaRPr>
+          </a:p>
+          <a:p>
+            <a:pPr lvl="1" marL="864000" indent="-324000">
+              <a:spcBef>
+                <a:spcPts val="1134"/>
+              </a:spcBef>
+              <a:buClr>
+                <a:srgbClr val="000000"/>
+              </a:buClr>
+              <a:buSzPct val="75000"/>
+              <a:buFont typeface="Symbol" charset="2"/>
+              <a:buChar char=""/>
+            </a:pPr>
+            <a:r>
+              <a:rPr b="0" lang="en-US" sz="1800" spc="-1" strike="noStrike">
+                <a:latin typeface="Arial"/>
+              </a:rPr>
+              <a:t>Second Outline Level</a:t>
+            </a:r>
+            <a:endParaRPr b="0" lang="en-US" sz="1800" spc="-1" strike="noStrike">
+              <a:latin typeface="Arial"/>
+            </a:endParaRPr>
+          </a:p>
+          <a:p>
+            <a:pPr lvl="2" marL="1296000" indent="-288000">
+              <a:spcBef>
+                <a:spcPts val="850"/>
+              </a:spcBef>
+              <a:buClr>
+                <a:srgbClr val="000000"/>
+              </a:buClr>
+              <a:buSzPct val="45000"/>
+              <a:buFont typeface="Wingdings" charset="2"/>
+              <a:buChar char=""/>
+            </a:pPr>
+            <a:r>
+              <a:rPr b="0" lang="en-US" sz="1800" spc="-1" strike="noStrike">
+                <a:latin typeface="Arial"/>
+              </a:rPr>
+              <a:t>Third Outline Level</a:t>
+            </a:r>
+            <a:endParaRPr b="0" lang="en-US" sz="1800" spc="-1" strike="noStrike">
+              <a:latin typeface="Arial"/>
+            </a:endParaRPr>
+          </a:p>
+          <a:p>
+            <a:pPr lvl="3" marL="1728000" indent="-216000">
+              <a:spcBef>
+                <a:spcPts val="567"/>
+              </a:spcBef>
+              <a:buClr>
+                <a:srgbClr val="000000"/>
+              </a:buClr>
+              <a:buSzPct val="75000"/>
+              <a:buFont typeface="Symbol" charset="2"/>
+              <a:buChar char=""/>
+            </a:pPr>
+            <a:r>
+              <a:rPr b="0" lang="en-US" sz="1800" spc="-1" strike="noStrike">
+                <a:latin typeface="Arial"/>
+              </a:rPr>
+              <a:t>Fourth Outline Level</a:t>
+            </a:r>
+            <a:endParaRPr b="0" lang="en-US" sz="1800" spc="-1" strike="noStrike">
+              <a:latin typeface="Arial"/>
+            </a:endParaRPr>
+          </a:p>
+          <a:p>
+            <a:pPr lvl="4" marL="2160000" indent="-216000">
+              <a:spcBef>
+                <a:spcPts val="283"/>
+              </a:spcBef>
+              <a:buClr>
+                <a:srgbClr val="000000"/>
+              </a:buClr>
+              <a:buSzPct val="45000"/>
+              <a:buFont typeface="Wingdings" charset="2"/>
+              <a:buChar char=""/>
+            </a:pPr>
+            <a:r>
+              <a:rPr b="0" lang="en-US" sz="1800" spc="-1" strike="noStrike">
+                <a:latin typeface="Arial"/>
+              </a:rPr>
+              <a:t>Fifth Outline Level</a:t>
+            </a:r>
+            <a:endParaRPr b="0" lang="en-US" sz="1800" spc="-1" strike="noStrike">
+              <a:latin typeface="Arial"/>
+            </a:endParaRPr>
+          </a:p>
+          <a:p>
+            <a:pPr lvl="5" marL="2592000" indent="-216000">
+              <a:spcBef>
+                <a:spcPts val="283"/>
+              </a:spcBef>
+              <a:buClr>
+                <a:srgbClr val="000000"/>
+              </a:buClr>
+              <a:buSzPct val="45000"/>
+              <a:buFont typeface="Wingdings" charset="2"/>
+              <a:buChar char=""/>
+            </a:pPr>
+            <a:r>
+              <a:rPr b="0" lang="en-US" sz="1800" spc="-1" strike="noStrike">
+                <a:latin typeface="Arial"/>
+              </a:rPr>
+              <a:t>Sixth Outline Level</a:t>
+            </a:r>
+            <a:endParaRPr b="0" lang="en-US" sz="1800" spc="-1" strike="noStrike">
+              <a:latin typeface="Arial"/>
+            </a:endParaRPr>
+          </a:p>
+          <a:p>
+            <a:pPr lvl="6" marL="3024000" indent="-216000">
+              <a:spcBef>
+                <a:spcPts val="283"/>
+              </a:spcBef>
+              <a:buClr>
+                <a:srgbClr val="000000"/>
+              </a:buClr>
+              <a:buSzPct val="45000"/>
+              <a:buFont typeface="Wingdings" charset="2"/>
+              <a:buChar char=""/>
+            </a:pPr>
+            <a:r>
+              <a:rPr b="0" lang="en-US" sz="1800" spc="-1" strike="noStrike">
+                <a:latin typeface="Arial"/>
+              </a:rPr>
+              <a:t>Seventh Outline Level</a:t>
+            </a:r>
+            <a:endParaRPr b="0" lang="en-US" sz="1800" spc="-1" strike="noStrike">
+              <a:latin typeface="Arial"/>
+            </a:endParaRPr>
+          </a:p>
+        </p:txBody>
+      </p:sp>
+      <p:sp>
+        <p:nvSpPr>
+          <p:cNvPr id="43" name="PlaceHolder 3"/>
+          <p:cNvSpPr>
+            <a:spLocks noGrp="1"/>
+          </p:cNvSpPr>
+          <p:nvPr>
+            <p:ph type="ftr" idx="4"/>
+          </p:nvPr>
+        </p:nvSpPr>
+        <p:spPr>
+          <a:xfrm>
+            <a:off x="3447360" y="5165280"/>
+            <a:ext cx="3194640" cy="390240"/>
+          </a:xfrm>
+          <a:prstGeom prst="rect">
+            <a:avLst/>
+          </a:prstGeom>
+          <a:noFill/>
+          <a:ln w="0">
+            <a:noFill/>
+          </a:ln>
+        </p:spPr>
+        <p:txBody>
+          <a:bodyPr lIns="0" rIns="0" tIns="0" bIns="0" anchor="t">
+            <a:noAutofit/>
+          </a:bodyPr>
+          <a:lstStyle>
+            <a:lvl1pPr algn="ctr">
+              <a:lnSpc>
+                <a:spcPct val="100000"/>
+              </a:lnSpc>
+              <a:buNone/>
+              <a:defRPr b="0" lang="en-US" sz="1400" spc="-1" strike="noStrike">
+                <a:latin typeface="Times New Roman"/>
+              </a:defRPr>
+            </a:lvl1pPr>
+          </a:lstStyle>
+          <a:p>
+            <a:pPr algn="ctr">
+              <a:lnSpc>
+                <a:spcPct val="100000"/>
+              </a:lnSpc>
+              <a:buNone/>
+            </a:pPr>
+            <a:r>
+              <a:rPr b="0" lang="en-US" sz="1400" spc="-1" strike="noStrike">
+                <a:latin typeface="Times New Roman"/>
+              </a:rPr>
+              <a:t>&lt;footer&gt;</a:t>
+            </a:r>
+            <a:endParaRPr b="0" lang="en-US" sz="1400" spc="-1" strike="noStrike">
+              <a:latin typeface="Times New Roman"/>
+            </a:endParaRPr>
+          </a:p>
+        </p:txBody>
+      </p:sp>
+      <p:sp>
+        <p:nvSpPr>
+          <p:cNvPr id="44" name="PlaceHolder 4"/>
+          <p:cNvSpPr>
+            <a:spLocks noGrp="1"/>
+          </p:cNvSpPr>
+          <p:nvPr>
+            <p:ph type="sldNum" idx="5"/>
+          </p:nvPr>
+        </p:nvSpPr>
+        <p:spPr>
+          <a:xfrm>
+            <a:off x="7227360" y="5165280"/>
+            <a:ext cx="2347920" cy="390240"/>
+          </a:xfrm>
+          <a:prstGeom prst="rect">
+            <a:avLst/>
+          </a:prstGeom>
+          <a:noFill/>
+          <a:ln w="0">
+            <a:noFill/>
+          </a:ln>
+        </p:spPr>
+        <p:txBody>
+          <a:bodyPr lIns="0" rIns="0" tIns="0" bIns="0" anchor="t">
+            <a:noAutofit/>
+          </a:bodyPr>
+          <a:lstStyle>
+            <a:lvl1pPr algn="r">
+              <a:lnSpc>
+                <a:spcPct val="100000"/>
+              </a:lnSpc>
+              <a:buNone/>
+              <a:defRPr b="0" lang="en-US" sz="1400" spc="-1" strike="noStrike">
+                <a:latin typeface="Times New Roman"/>
+              </a:defRPr>
+            </a:lvl1pPr>
+          </a:lstStyle>
+          <a:p>
+            <a:pPr algn="r">
+              <a:lnSpc>
+                <a:spcPct val="100000"/>
+              </a:lnSpc>
+              <a:buNone/>
+            </a:pPr>
+            <a:fld id="{0C0B6AFF-CB18-4325-9C47-260E3282907F}" type="slidenum">
+              <a:rPr b="0" lang="en-US" sz="1400" spc="-1" strike="noStrike">
+                <a:latin typeface="Times New Roman"/>
+              </a:rPr>
+              <a:t>&lt;number&gt;</a:t>
+            </a:fld>
+            <a:endParaRPr b="0" lang="en-US" sz="1400" spc="-1" strike="noStrike">
+              <a:latin typeface="Times New Roman"/>
+            </a:endParaRPr>
+          </a:p>
+        </p:txBody>
+      </p:sp>
+      <p:sp>
+        <p:nvSpPr>
+          <p:cNvPr id="45" name="PlaceHolder 5"/>
+          <p:cNvSpPr>
+            <a:spLocks noGrp="1"/>
+          </p:cNvSpPr>
+          <p:nvPr>
+            <p:ph type="dt" idx="6"/>
+          </p:nvPr>
+        </p:nvSpPr>
+        <p:spPr>
+          <a:xfrm>
+            <a:off x="504000" y="5165280"/>
+            <a:ext cx="2347920" cy="390240"/>
+          </a:xfrm>
+          <a:prstGeom prst="rect">
+            <a:avLst/>
+          </a:prstGeom>
+          <a:noFill/>
+          <a:ln w="0">
+            <a:noFill/>
+          </a:ln>
+        </p:spPr>
+        <p:txBody>
+          <a:bodyPr lIns="0" rIns="0" tIns="0" bIns="0" anchor="t">
+            <a:noAutofit/>
+          </a:bodyPr>
+          <a:lstStyle>
+            <a:lvl1pPr>
+              <a:defRPr b="0" lang="en-US" sz="1400" spc="-1" strike="noStrike">
+                <a:latin typeface="Times New Roman"/>
+              </a:defRPr>
+            </a:lvl1pPr>
+          </a:lstStyle>
+          <a:p>
+            <a:r>
+              <a:rPr b="0" lang="en-US" sz="1400" spc="-1" strike="noStrike">
+                <a:latin typeface="Times New Roman"/>
+              </a:rPr>
+              <a:t>&lt;date/time&gt;</a:t>
+            </a:r>
+            <a:endParaRPr b="0" lang="en-US" sz="1400" spc="-1" strike="noStrike">
+              <a:latin typeface="Times New Roman"/>
+            </a:endParaRPr>
+          </a:p>
+        </p:txBody>
+      </p:sp>
+    </p:spTree>
+  </p:cSld>
+  <p:clrMap bg1="lt1" bg2="lt2" tx1="dk1" tx2="dk2" accent1="accent1" accent2="accent2" accent3="accent3" accent4="accent4" accent5="accent5" accent6="accent6" hlink="hlink" folHlink="folHlink"/>
+  <p:sldLayoutIdLst>
+    <p:sldLayoutId id="2147483662" r:id="rId2"/>
+    <p:sldLayoutId id="2147483663" r:id="rId3"/>
+    <p:sldLayoutId id="2147483664" r:id="rId4"/>
+    <p:sldLayoutId id="2147483665" r:id="rId5"/>
+    <p:sldLayoutId id="2147483666" r:id="rId6"/>
+    <p:sldLayoutId id="2147483667" r:id="rId7"/>
+    <p:sldLayoutId id="2147483668" r:id="rId8"/>
+    <p:sldLayoutId id="2147483669" r:id="rId9"/>
+    <p:sldLayoutId id="2147483670" r:id="rId10"/>
+    <p:sldLayoutId id="2147483671" r:id="rId11"/>
+    <p:sldLayoutId id="2147483672" r:id="rId12"/>
+    <p:sldLayoutId id="2147483673" r:id="rId13"/>
   </p:sldLayoutIdLst>
 </p:sldMaster>
 </file>
@@ -2809,7 +5418,7 @@
       </p:grpSpPr>
       <p:sp>
         <p:nvSpPr>
-          <p:cNvPr id="41" name="PlaceHolder 1"/>
+          <p:cNvPr id="82" name="PlaceHolder 1"/>
           <p:cNvSpPr>
             <a:spLocks noGrp="1"/>
           </p:cNvSpPr>
@@ -2820,7 +5429,7 @@
         <p:spPr>
           <a:xfrm>
             <a:off x="504000" y="226080"/>
-            <a:ext cx="9071640" cy="946440"/>
+            <a:ext cx="9071280" cy="946080"/>
           </a:xfrm>
           <a:prstGeom prst="rect">
             <a:avLst/>
@@ -2836,6 +5445,9 @@
           </a:bodyPr>
           <a:p>
             <a:pPr algn="ctr">
+              <a:lnSpc>
+                <a:spcPct val="100000"/>
+              </a:lnSpc>
               <a:buNone/>
             </a:pPr>
             <a:r>
@@ -2848,17 +5460,14 @@
               <a:t>Beyond Decentralized</a:t>
             </a:r>
             <a:endParaRPr b="0" lang="en-US" sz="4400" spc="-1" strike="noStrike">
-              <a:solidFill>
-                <a:srgbClr val="000000"/>
-              </a:solidFill>
-              <a:latin typeface="Arial"/>
-            </a:endParaRPr>
-          </a:p>
-        </p:txBody>
-      </p:sp>
-      <p:sp>
-        <p:nvSpPr>
-          <p:cNvPr id="42" name="PlaceHolder 2"/>
+              <a:latin typeface="Arial"/>
+            </a:endParaRPr>
+          </a:p>
+        </p:txBody>
+      </p:sp>
+      <p:sp>
+        <p:nvSpPr>
+          <p:cNvPr id="83" name="PlaceHolder 2"/>
           <p:cNvSpPr>
             <a:spLocks noGrp="1"/>
           </p:cNvSpPr>
@@ -2869,7 +5478,7 @@
         <p:spPr>
           <a:xfrm>
             <a:off x="504000" y="1326600"/>
-            <a:ext cx="9071640" cy="3288240"/>
+            <a:ext cx="9071280" cy="3287880"/>
           </a:xfrm>
           <a:prstGeom prst="rect">
             <a:avLst/>
@@ -2885,6 +5494,9 @@
           </a:bodyPr>
           <a:p>
             <a:pPr algn="ctr">
+              <a:lnSpc>
+                <a:spcPct val="100000"/>
+              </a:lnSpc>
               <a:buNone/>
             </a:pPr>
             <a:r>
@@ -2897,14 +5509,14 @@
               <a:t>Technology Overview</a:t>
             </a:r>
             <a:endParaRPr b="0" lang="en-US" sz="3200" spc="-1" strike="noStrike">
-              <a:solidFill>
-                <a:srgbClr val="ffffff"/>
-              </a:solidFill>
               <a:latin typeface="Arial"/>
             </a:endParaRPr>
           </a:p>
           <a:p>
             <a:pPr algn="ctr">
+              <a:lnSpc>
+                <a:spcPct val="100000"/>
+              </a:lnSpc>
               <a:buNone/>
             </a:pPr>
             <a:r>
@@ -2917,31 +5529,28 @@
               <a:t>by Artem Shamsutdinov</a:t>
             </a:r>
             <a:endParaRPr b="0" lang="en-US" sz="2400" spc="-1" strike="noStrike">
-              <a:solidFill>
-                <a:srgbClr val="ffffff"/>
-              </a:solidFill>
               <a:latin typeface="Arial"/>
             </a:endParaRPr>
           </a:p>
           <a:p>
             <a:pPr algn="ctr">
+              <a:lnSpc>
+                <a:spcPct val="100000"/>
+              </a:lnSpc>
               <a:buNone/>
             </a:pPr>
             <a:endParaRPr b="0" lang="en-US" sz="3200" spc="-1" strike="noStrike">
-              <a:solidFill>
-                <a:srgbClr val="ffffff"/>
-              </a:solidFill>
               <a:latin typeface="Arial"/>
             </a:endParaRPr>
           </a:p>
           <a:p>
             <a:pPr algn="ctr">
+              <a:lnSpc>
+                <a:spcPct val="100000"/>
+              </a:lnSpc>
               <a:buNone/>
             </a:pPr>
             <a:endParaRPr b="0" lang="en-US" sz="3200" spc="-1" strike="noStrike">
-              <a:solidFill>
-                <a:srgbClr val="ffffff"/>
-              </a:solidFill>
               <a:latin typeface="Arial"/>
             </a:endParaRPr>
           </a:p>
@@ -2987,7 +5596,7 @@
       </p:grpSpPr>
       <p:sp>
         <p:nvSpPr>
-          <p:cNvPr id="60" name="PlaceHolder 1"/>
+          <p:cNvPr id="101" name="PlaceHolder 1"/>
           <p:cNvSpPr>
             <a:spLocks noGrp="1"/>
           </p:cNvSpPr>
@@ -2998,7 +5607,7 @@
         <p:spPr>
           <a:xfrm>
             <a:off x="2514600" y="226080"/>
-            <a:ext cx="7061040" cy="946440"/>
+            <a:ext cx="7060680" cy="946080"/>
           </a:xfrm>
           <a:prstGeom prst="rect">
             <a:avLst/>
@@ -3043,9 +5652,6 @@
               <a:t>AIRport: core project</a:t>
             </a:r>
             <a:endParaRPr b="0" lang="en-US" sz="4400" spc="-1" strike="noStrike">
-              <a:solidFill>
-                <a:srgbClr val="000000"/>
-              </a:solidFill>
               <a:latin typeface="Arial"/>
             </a:endParaRPr>
           </a:p>
@@ -3053,7 +5659,7 @@
       </p:sp>
       <p:pic>
         <p:nvPicPr>
-          <p:cNvPr id="61" name="" descr=""/>
+          <p:cNvPr id="102" name="" descr=""/>
           <p:cNvPicPr/>
           <p:nvPr/>
         </p:nvPicPr>
@@ -3064,7 +5670,7 @@
         <p:spPr>
           <a:xfrm>
             <a:off x="3129120" y="1126080"/>
-            <a:ext cx="5712120" cy="4413960"/>
+            <a:ext cx="5711760" cy="4413600"/>
           </a:xfrm>
           <a:prstGeom prst="rect">
             <a:avLst/>
@@ -3114,7 +5720,7 @@
       </p:grpSpPr>
       <p:sp>
         <p:nvSpPr>
-          <p:cNvPr id="62" name="PlaceHolder 1"/>
+          <p:cNvPr id="103" name="PlaceHolder 1"/>
           <p:cNvSpPr>
             <a:spLocks noGrp="1"/>
           </p:cNvSpPr>
@@ -3125,7 +5731,7 @@
         <p:spPr>
           <a:xfrm>
             <a:off x="2514600" y="226080"/>
-            <a:ext cx="7061040" cy="946440"/>
+            <a:ext cx="7060680" cy="946080"/>
           </a:xfrm>
           <a:prstGeom prst="rect">
             <a:avLst/>
@@ -3170,17 +5776,14 @@
               <a:t>ORM &amp; State</a:t>
             </a:r>
             <a:endParaRPr b="0" lang="en-US" sz="4400" spc="-1" strike="noStrike">
-              <a:solidFill>
-                <a:srgbClr val="000000"/>
-              </a:solidFill>
-              <a:latin typeface="Arial"/>
-            </a:endParaRPr>
-          </a:p>
-        </p:txBody>
-      </p:sp>
-      <p:sp>
-        <p:nvSpPr>
-          <p:cNvPr id="63" name="PlaceHolder 2"/>
+              <a:latin typeface="Arial"/>
+            </a:endParaRPr>
+          </a:p>
+        </p:txBody>
+      </p:sp>
+      <p:sp>
+        <p:nvSpPr>
+          <p:cNvPr id="104" name="PlaceHolder 2"/>
           <p:cNvSpPr>
             <a:spLocks noGrp="1"/>
           </p:cNvSpPr>
@@ -3191,7 +5794,7 @@
         <p:spPr>
           <a:xfrm>
             <a:off x="2514600" y="1326600"/>
-            <a:ext cx="7061040" cy="3288240"/>
+            <a:ext cx="7060680" cy="3287880"/>
           </a:xfrm>
           <a:prstGeom prst="rect">
             <a:avLst/>
@@ -3203,7 +5806,7 @@
         </p:spPr>
         <p:txBody>
           <a:bodyPr lIns="0" rIns="0" tIns="0" bIns="0" anchor="t">
-            <a:normAutofit fontScale="77000"/>
+            <a:normAutofit fontScale="65000"/>
           </a:bodyPr>
           <a:p>
             <a:pPr marL="343080" indent="-343080">
@@ -3243,6 +5846,33 @@
             </a:endParaRPr>
           </a:p>
           <a:p>
+            <a:pPr>
+              <a:lnSpc>
+                <a:spcPct val="100000"/>
+              </a:lnSpc>
+              <a:spcBef>
+                <a:spcPts val="697"/>
+              </a:spcBef>
+              <a:buNone/>
+              <a:tabLst>
+                <a:tab algn="l" pos="914400"/>
+                <a:tab algn="l" pos="1828800"/>
+                <a:tab algn="l" pos="2743200"/>
+                <a:tab algn="l" pos="3657600"/>
+                <a:tab algn="l" pos="4572000"/>
+                <a:tab algn="l" pos="5486400"/>
+                <a:tab algn="l" pos="6400800"/>
+                <a:tab algn="l" pos="7315200"/>
+                <a:tab algn="l" pos="8229600"/>
+                <a:tab algn="l" pos="9144000"/>
+                <a:tab algn="l" pos="10058400"/>
+              </a:tabLst>
+            </a:pPr>
+            <a:endParaRPr b="0" lang="en-US" sz="3200" spc="-1" strike="noStrike">
+              <a:latin typeface="Arial"/>
+            </a:endParaRPr>
+          </a:p>
+          <a:p>
             <a:pPr marL="343080" indent="-343080">
               <a:lnSpc>
                 <a:spcPct val="100000"/>
@@ -3269,6 +5899,12 @@
                 <a:tab algn="l" pos="10058400"/>
               </a:tabLst>
             </a:pPr>
+            <a:r>
+              <a:rPr b="0" lang="en-US" sz="3200" spc="-1" strike="noStrike">
+                <a:latin typeface="Arial"/>
+              </a:rPr>
+              <a:t>Tarmaq – Default ORM, other ORMs possible</a:t>
+            </a:r>
             <a:endParaRPr b="0" lang="en-US" sz="3200" spc="-1" strike="noStrike">
               <a:latin typeface="Arial"/>
             </a:endParaRPr>
@@ -3304,7 +5940,7 @@
               <a:rPr b="0" lang="en-US" sz="3200" spc="-1" strike="noStrike">
                 <a:latin typeface="Arial"/>
               </a:rPr>
-              <a:t>Tarmaq – Default ORM, other ORMs possible</a:t>
+              <a:t> </a:t>
             </a:r>
             <a:endParaRPr b="0" lang="en-US" sz="3200" spc="-1" strike="noStrike">
               <a:latin typeface="Arial"/>
@@ -3341,7 +5977,7 @@
               <a:rPr b="0" lang="en-US" sz="3200" spc="-1" strike="noStrike">
                 <a:latin typeface="Arial"/>
               </a:rPr>
-              <a:t> </a:t>
+              <a:t>Sessionless</a:t>
             </a:r>
             <a:endParaRPr b="0" lang="en-US" sz="3200" spc="-1" strike="noStrike">
               <a:latin typeface="Arial"/>
@@ -3378,7 +6014,7 @@
               <a:rPr b="0" lang="en-US" sz="3200" spc="-1" strike="noStrike">
                 <a:latin typeface="Arial"/>
               </a:rPr>
-              <a:t>Sessionless</a:t>
+              <a:t> </a:t>
             </a:r>
             <a:endParaRPr b="0" lang="en-US" sz="3200" spc="-1" strike="noStrike">
               <a:latin typeface="Arial"/>
@@ -3415,7 +6051,7 @@
               <a:rPr b="0" lang="en-US" sz="3200" spc="-1" strike="noStrike">
                 <a:latin typeface="Arial"/>
               </a:rPr>
-              <a:t> </a:t>
+              <a:t>Original state tracked in hidden property &amp; passed to and from UI</a:t>
             </a:r>
             <a:endParaRPr b="0" lang="en-US" sz="3200" spc="-1" strike="noStrike">
               <a:latin typeface="Arial"/>
@@ -3452,62 +6088,21 @@
               <a:rPr b="0" lang="en-US" sz="3200" spc="-1" strike="noStrike">
                 <a:latin typeface="Arial"/>
               </a:rPr>
-              <a:t>Original state tracked in hidden property &amp; passed to and from UI</a:t>
-            </a:r>
-            <a:endParaRPr b="0" lang="en-US" sz="3200" spc="-1" strike="noStrike">
-              <a:latin typeface="Arial"/>
-            </a:endParaRPr>
-          </a:p>
-          <a:p>
-            <a:pPr marL="343080" indent="-343080">
+              <a:t> </a:t>
+            </a:r>
+            <a:endParaRPr b="0" lang="en-US" sz="3200" spc="-1" strike="noStrike">
+              <a:latin typeface="Arial"/>
+            </a:endParaRPr>
+          </a:p>
+          <a:p>
+            <a:pPr>
               <a:lnSpc>
                 <a:spcPct val="100000"/>
               </a:lnSpc>
               <a:spcBef>
                 <a:spcPts val="697"/>
               </a:spcBef>
-              <a:buClr>
-                <a:srgbClr val="ffffff"/>
-              </a:buClr>
-              <a:buFont typeface="Arial"/>
-              <a:buChar char="•"/>
-              <a:tabLst>
-                <a:tab algn="l" pos="914400"/>
-                <a:tab algn="l" pos="1828800"/>
-                <a:tab algn="l" pos="2743200"/>
-                <a:tab algn="l" pos="3657600"/>
-                <a:tab algn="l" pos="4572000"/>
-                <a:tab algn="l" pos="5486400"/>
-                <a:tab algn="l" pos="6400800"/>
-                <a:tab algn="l" pos="7315200"/>
-                <a:tab algn="l" pos="8229600"/>
-                <a:tab algn="l" pos="9144000"/>
-                <a:tab algn="l" pos="10058400"/>
-              </a:tabLst>
-            </a:pPr>
-            <a:r>
-              <a:rPr b="0" lang="en-US" sz="3200" spc="-1" strike="noStrike">
-                <a:latin typeface="Arial"/>
-              </a:rPr>
-              <a:t> </a:t>
-            </a:r>
-            <a:endParaRPr b="0" lang="en-US" sz="3200" spc="-1" strike="noStrike">
-              <a:latin typeface="Arial"/>
-            </a:endParaRPr>
-          </a:p>
-          <a:p>
-            <a:pPr marL="343080" indent="-343080">
-              <a:lnSpc>
-                <a:spcPct val="100000"/>
-              </a:lnSpc>
-              <a:spcBef>
-                <a:spcPts val="697"/>
-              </a:spcBef>
-              <a:buClr>
-                <a:srgbClr val="ffffff"/>
-              </a:buClr>
-              <a:buFont typeface="Arial"/>
-              <a:buChar char="•"/>
+              <a:buNone/>
               <a:tabLst>
                 <a:tab algn="l" pos="914400"/>
                 <a:tab algn="l" pos="1828800"/>
@@ -3568,7 +6163,7 @@
       </p:grpSpPr>
       <p:sp>
         <p:nvSpPr>
-          <p:cNvPr id="64" name="PlaceHolder 1"/>
+          <p:cNvPr id="105" name="PlaceHolder 1"/>
           <p:cNvSpPr>
             <a:spLocks noGrp="1"/>
           </p:cNvSpPr>
@@ -3579,7 +6174,7 @@
         <p:spPr>
           <a:xfrm>
             <a:off x="2514600" y="226080"/>
-            <a:ext cx="7061040" cy="946440"/>
+            <a:ext cx="7060680" cy="946080"/>
           </a:xfrm>
           <a:prstGeom prst="rect">
             <a:avLst/>
@@ -3624,9 +6219,6 @@
               <a:t>Entity Mappings</a:t>
             </a:r>
             <a:endParaRPr b="0" lang="en-US" sz="4400" spc="-1" strike="noStrike">
-              <a:solidFill>
-                <a:srgbClr val="000000"/>
-              </a:solidFill>
               <a:latin typeface="Arial"/>
             </a:endParaRPr>
           </a:p>
@@ -3634,7 +6226,7 @@
       </p:sp>
       <p:pic>
         <p:nvPicPr>
-          <p:cNvPr id="65" name="" descr=""/>
+          <p:cNvPr id="106" name="" descr=""/>
           <p:cNvPicPr/>
           <p:nvPr/>
         </p:nvPicPr>
@@ -3645,7 +6237,7 @@
         <p:spPr>
           <a:xfrm>
             <a:off x="2982600" y="1164960"/>
-            <a:ext cx="4676040" cy="4316040"/>
+            <a:ext cx="4675680" cy="4315680"/>
           </a:xfrm>
           <a:prstGeom prst="rect">
             <a:avLst/>
@@ -3695,7 +6287,7 @@
       </p:grpSpPr>
       <p:sp>
         <p:nvSpPr>
-          <p:cNvPr id="66" name="PlaceHolder 1"/>
+          <p:cNvPr id="107" name="PlaceHolder 1"/>
           <p:cNvSpPr>
             <a:spLocks noGrp="1"/>
           </p:cNvSpPr>
@@ -3706,7 +6298,7 @@
         <p:spPr>
           <a:xfrm>
             <a:off x="2514600" y="226080"/>
-            <a:ext cx="7061040" cy="946440"/>
+            <a:ext cx="7060680" cy="946080"/>
           </a:xfrm>
           <a:prstGeom prst="rect">
             <a:avLst/>
@@ -3757,9 +6349,6 @@
               <a:t>SQL-TypeScript integration</a:t>
             </a:r>
             <a:endParaRPr b="0" lang="en-US" sz="4400" spc="-1" strike="noStrike">
-              <a:solidFill>
-                <a:srgbClr val="000000"/>
-              </a:solidFill>
               <a:latin typeface="Arial"/>
             </a:endParaRPr>
           </a:p>
@@ -3767,7 +6356,7 @@
       </p:sp>
       <p:pic>
         <p:nvPicPr>
-          <p:cNvPr id="67" name="" descr=""/>
+          <p:cNvPr id="108" name="" descr=""/>
           <p:cNvPicPr/>
           <p:nvPr/>
         </p:nvPicPr>
@@ -3778,7 +6367,7 @@
         <p:spPr>
           <a:xfrm>
             <a:off x="2972160" y="1070640"/>
-            <a:ext cx="4791960" cy="4546440"/>
+            <a:ext cx="4791600" cy="4546080"/>
           </a:xfrm>
           <a:prstGeom prst="rect">
             <a:avLst/>
@@ -3828,7 +6417,7 @@
       </p:grpSpPr>
       <p:sp>
         <p:nvSpPr>
-          <p:cNvPr id="68" name="PlaceHolder 1"/>
+          <p:cNvPr id="109" name="PlaceHolder 1"/>
           <p:cNvSpPr>
             <a:spLocks noGrp="1"/>
           </p:cNvSpPr>
@@ -3839,7 +6428,7 @@
         <p:spPr>
           <a:xfrm>
             <a:off x="2514600" y="226080"/>
-            <a:ext cx="7061040" cy="946440"/>
+            <a:ext cx="7060680" cy="946080"/>
           </a:xfrm>
           <a:prstGeom prst="rect">
             <a:avLst/>
@@ -3890,9 +6479,6 @@
               <a:t>SELECT: object tree</a:t>
             </a:r>
             <a:endParaRPr b="0" lang="en-US" sz="4400" spc="-1" strike="noStrike">
-              <a:solidFill>
-                <a:srgbClr val="000000"/>
-              </a:solidFill>
               <a:latin typeface="Arial"/>
             </a:endParaRPr>
           </a:p>
@@ -3900,7 +6486,7 @@
       </p:sp>
       <p:pic>
         <p:nvPicPr>
-          <p:cNvPr id="69" name="" descr=""/>
+          <p:cNvPr id="110" name="" descr=""/>
           <p:cNvPicPr/>
           <p:nvPr/>
         </p:nvPicPr>
@@ -3911,7 +6497,7 @@
         <p:spPr>
           <a:xfrm>
             <a:off x="2868840" y="1054440"/>
-            <a:ext cx="5443920" cy="4469040"/>
+            <a:ext cx="5443560" cy="4468680"/>
           </a:xfrm>
           <a:prstGeom prst="rect">
             <a:avLst/>
@@ -3961,7 +6547,7 @@
       </p:grpSpPr>
       <p:sp>
         <p:nvSpPr>
-          <p:cNvPr id="70" name="PlaceHolder 1"/>
+          <p:cNvPr id="111" name="PlaceHolder 1"/>
           <p:cNvSpPr>
             <a:spLocks noGrp="1"/>
           </p:cNvSpPr>
@@ -3972,7 +6558,7 @@
         <p:spPr>
           <a:xfrm>
             <a:off x="2514600" y="226080"/>
-            <a:ext cx="7061040" cy="946440"/>
+            <a:ext cx="7060680" cy="946080"/>
           </a:xfrm>
           <a:prstGeom prst="rect">
             <a:avLst/>
@@ -4023,9 +6609,6 @@
               <a:t>DAO: type safety</a:t>
             </a:r>
             <a:endParaRPr b="0" lang="en-US" sz="4400" spc="-1" strike="noStrike">
-              <a:solidFill>
-                <a:srgbClr val="000000"/>
-              </a:solidFill>
               <a:latin typeface="Arial"/>
             </a:endParaRPr>
           </a:p>
@@ -4033,7 +6616,7 @@
       </p:sp>
       <p:pic>
         <p:nvPicPr>
-          <p:cNvPr id="71" name="" descr=""/>
+          <p:cNvPr id="112" name="" descr=""/>
           <p:cNvPicPr/>
           <p:nvPr/>
         </p:nvPicPr>
@@ -4044,7 +6627,7 @@
         <p:spPr>
           <a:xfrm>
             <a:off x="2864160" y="1112760"/>
-            <a:ext cx="5275080" cy="4471200"/>
+            <a:ext cx="5274720" cy="4470840"/>
           </a:xfrm>
           <a:prstGeom prst="rect">
             <a:avLst/>
@@ -4094,7 +6677,7 @@
       </p:grpSpPr>
       <p:sp>
         <p:nvSpPr>
-          <p:cNvPr id="72" name="PlaceHolder 1"/>
+          <p:cNvPr id="113" name="PlaceHolder 1"/>
           <p:cNvSpPr>
             <a:spLocks noGrp="1"/>
           </p:cNvSpPr>
@@ -4105,7 +6688,7 @@
         <p:spPr>
           <a:xfrm>
             <a:off x="2514600" y="226080"/>
-            <a:ext cx="7061040" cy="946440"/>
+            <a:ext cx="7060680" cy="946080"/>
           </a:xfrm>
           <a:prstGeom prst="rect">
             <a:avLst/>
@@ -4150,17 +6733,14 @@
               <a:t>API</a:t>
             </a:r>
             <a:endParaRPr b="0" lang="en-US" sz="4400" spc="-1" strike="noStrike">
-              <a:solidFill>
-                <a:srgbClr val="000000"/>
-              </a:solidFill>
-              <a:latin typeface="Arial"/>
-            </a:endParaRPr>
-          </a:p>
-        </p:txBody>
-      </p:sp>
-      <p:sp>
-        <p:nvSpPr>
-          <p:cNvPr id="73" name="PlaceHolder 2"/>
+              <a:latin typeface="Arial"/>
+            </a:endParaRPr>
+          </a:p>
+        </p:txBody>
+      </p:sp>
+      <p:sp>
+        <p:nvSpPr>
+          <p:cNvPr id="114" name="PlaceHolder 2"/>
           <p:cNvSpPr>
             <a:spLocks noGrp="1"/>
           </p:cNvSpPr>
@@ -4171,7 +6751,7 @@
         <p:spPr>
           <a:xfrm>
             <a:off x="2546640" y="-757440"/>
-            <a:ext cx="7061040" cy="3288240"/>
+            <a:ext cx="7060680" cy="3287880"/>
           </a:xfrm>
           <a:prstGeom prst="rect">
             <a:avLst/>
@@ -4183,7 +6763,7 @@
         </p:spPr>
         <p:txBody>
           <a:bodyPr lIns="0" rIns="0" tIns="0" bIns="0" anchor="t">
-            <a:normAutofit fontScale="71000"/>
+            <a:normAutofit fontScale="66000"/>
           </a:bodyPr>
           <a:p>
             <a:pPr marL="343080" indent="-343080">
@@ -4463,18 +7043,14 @@
             </a:endParaRPr>
           </a:p>
           <a:p>
-            <a:pPr marL="343080" indent="-343080">
+            <a:pPr>
               <a:lnSpc>
                 <a:spcPct val="100000"/>
               </a:lnSpc>
               <a:spcBef>
                 <a:spcPts val="697"/>
               </a:spcBef>
-              <a:buClr>
-                <a:srgbClr val="ffffff"/>
-              </a:buClr>
-              <a:buFont typeface="Arial"/>
-              <a:buChar char="•"/>
+              <a:buNone/>
               <a:tabLst>
                 <a:tab algn="l" pos="914400"/>
                 <a:tab algn="l" pos="1828800"/>
@@ -4494,18 +7070,14 @@
             </a:endParaRPr>
           </a:p>
           <a:p>
-            <a:pPr marL="343080" indent="-343080">
+            <a:pPr>
               <a:lnSpc>
                 <a:spcPct val="100000"/>
               </a:lnSpc>
               <a:spcBef>
                 <a:spcPts val="697"/>
               </a:spcBef>
-              <a:buClr>
-                <a:srgbClr val="ffffff"/>
-              </a:buClr>
-              <a:buFont typeface="Arial"/>
-              <a:buChar char="•"/>
+              <a:buNone/>
               <a:tabLst>
                 <a:tab algn="l" pos="914400"/>
                 <a:tab algn="l" pos="1828800"/>
@@ -4528,7 +7100,7 @@
       </p:sp>
       <p:pic>
         <p:nvPicPr>
-          <p:cNvPr id="74" name="" descr=""/>
+          <p:cNvPr id="115" name="" descr=""/>
           <p:cNvPicPr/>
           <p:nvPr/>
         </p:nvPicPr>
@@ -4539,7 +7111,7 @@
         <p:spPr>
           <a:xfrm>
             <a:off x="2827080" y="2723400"/>
-            <a:ext cx="5013000" cy="2715480"/>
+            <a:ext cx="5012640" cy="2715120"/>
           </a:xfrm>
           <a:prstGeom prst="rect">
             <a:avLst/>
@@ -4589,7 +7161,7 @@
       </p:grpSpPr>
       <p:sp>
         <p:nvSpPr>
-          <p:cNvPr id="75" name="PlaceHolder 1"/>
+          <p:cNvPr id="116" name="PlaceHolder 1"/>
           <p:cNvSpPr>
             <a:spLocks noGrp="1"/>
           </p:cNvSpPr>
@@ -4600,7 +7172,7 @@
         <p:spPr>
           <a:xfrm>
             <a:off x="2514600" y="226080"/>
-            <a:ext cx="7061040" cy="946440"/>
+            <a:ext cx="7060680" cy="946080"/>
           </a:xfrm>
           <a:prstGeom prst="rect">
             <a:avLst/>
@@ -4651,9 +7223,6 @@
               <a:t>API</a:t>
             </a:r>
             <a:endParaRPr b="0" lang="en-US" sz="4400" spc="-1" strike="noStrike">
-              <a:solidFill>
-                <a:srgbClr val="000000"/>
-              </a:solidFill>
               <a:latin typeface="Arial"/>
             </a:endParaRPr>
           </a:p>
@@ -4661,7 +7230,7 @@
       </p:sp>
       <p:pic>
         <p:nvPicPr>
-          <p:cNvPr id="76" name="" descr=""/>
+          <p:cNvPr id="117" name="" descr=""/>
           <p:cNvPicPr/>
           <p:nvPr/>
         </p:nvPicPr>
@@ -4672,7 +7241,7 @@
         <p:spPr>
           <a:xfrm>
             <a:off x="2896560" y="1052640"/>
-            <a:ext cx="5470560" cy="4474800"/>
+            <a:ext cx="5470200" cy="4474440"/>
           </a:xfrm>
           <a:prstGeom prst="rect">
             <a:avLst/>
@@ -4722,7 +7291,7 @@
       </p:grpSpPr>
       <p:sp>
         <p:nvSpPr>
-          <p:cNvPr id="77" name="PlaceHolder 1"/>
+          <p:cNvPr id="118" name="PlaceHolder 1"/>
           <p:cNvSpPr>
             <a:spLocks noGrp="1"/>
           </p:cNvSpPr>
@@ -4733,7 +7302,7 @@
         <p:spPr>
           <a:xfrm>
             <a:off x="2514600" y="226080"/>
-            <a:ext cx="7061040" cy="946440"/>
+            <a:ext cx="7060680" cy="946080"/>
           </a:xfrm>
           <a:prstGeom prst="rect">
             <a:avLst/>
@@ -4778,17 +7347,14 @@
               <a:t>Transactions &amp; Scope</a:t>
             </a:r>
             <a:endParaRPr b="0" lang="en-US" sz="4400" spc="-1" strike="noStrike">
-              <a:solidFill>
-                <a:srgbClr val="000000"/>
-              </a:solidFill>
-              <a:latin typeface="Arial"/>
-            </a:endParaRPr>
-          </a:p>
-        </p:txBody>
-      </p:sp>
-      <p:sp>
-        <p:nvSpPr>
-          <p:cNvPr id="78" name="PlaceHolder 2"/>
+              <a:latin typeface="Arial"/>
+            </a:endParaRPr>
+          </a:p>
+        </p:txBody>
+      </p:sp>
+      <p:sp>
+        <p:nvSpPr>
+          <p:cNvPr id="119" name="PlaceHolder 2"/>
           <p:cNvSpPr>
             <a:spLocks noGrp="1"/>
           </p:cNvSpPr>
@@ -4799,7 +7365,7 @@
         <p:spPr>
           <a:xfrm>
             <a:off x="2514600" y="1326600"/>
-            <a:ext cx="7061040" cy="3288240"/>
+            <a:ext cx="7060680" cy="3287880"/>
           </a:xfrm>
           <a:prstGeom prst="rect">
             <a:avLst/>
@@ -4811,7 +7377,7 @@
         </p:spPr>
         <p:txBody>
           <a:bodyPr lIns="0" rIns="0" tIns="0" bIns="0" anchor="t">
-            <a:normAutofit fontScale="74000"/>
+            <a:normAutofit fontScale="61000"/>
           </a:bodyPr>
           <a:p>
             <a:pPr marL="343080" indent="-343080">
@@ -5078,18 +7644,14 @@
             </a:endParaRPr>
           </a:p>
           <a:p>
-            <a:pPr marL="343080" indent="-343080">
+            <a:pPr>
               <a:lnSpc>
                 <a:spcPct val="100000"/>
               </a:lnSpc>
               <a:spcBef>
                 <a:spcPts val="697"/>
               </a:spcBef>
-              <a:buClr>
-                <a:srgbClr val="ffffff"/>
-              </a:buClr>
-              <a:buFont typeface="Arial"/>
-              <a:buChar char="•"/>
+              <a:buNone/>
               <a:tabLst>
                 <a:tab algn="l" pos="914400"/>
                 <a:tab algn="l" pos="1828800"/>
@@ -5150,7 +7712,7 @@
       </p:grpSpPr>
       <p:sp>
         <p:nvSpPr>
-          <p:cNvPr id="79" name="PlaceHolder 1"/>
+          <p:cNvPr id="120" name="PlaceHolder 1"/>
           <p:cNvSpPr>
             <a:spLocks noGrp="1"/>
           </p:cNvSpPr>
@@ -5161,7 +7723,7 @@
         <p:spPr>
           <a:xfrm>
             <a:off x="2514600" y="226080"/>
-            <a:ext cx="7061040" cy="946440"/>
+            <a:ext cx="7060680" cy="946080"/>
           </a:xfrm>
           <a:prstGeom prst="rect">
             <a:avLst/>
@@ -5206,17 +7768,14 @@
               <a:t>Synchronization</a:t>
             </a:r>
             <a:endParaRPr b="0" lang="en-US" sz="4400" spc="-1" strike="noStrike">
-              <a:solidFill>
-                <a:srgbClr val="000000"/>
-              </a:solidFill>
-              <a:latin typeface="Arial"/>
-            </a:endParaRPr>
-          </a:p>
-        </p:txBody>
-      </p:sp>
-      <p:sp>
-        <p:nvSpPr>
-          <p:cNvPr id="80" name="PlaceHolder 2"/>
+              <a:latin typeface="Arial"/>
+            </a:endParaRPr>
+          </a:p>
+        </p:txBody>
+      </p:sp>
+      <p:sp>
+        <p:nvSpPr>
+          <p:cNvPr id="121" name="PlaceHolder 2"/>
           <p:cNvSpPr>
             <a:spLocks noGrp="1"/>
           </p:cNvSpPr>
@@ -5227,7 +7786,7 @@
         <p:spPr>
           <a:xfrm>
             <a:off x="2514600" y="1326600"/>
-            <a:ext cx="7061040" cy="3288240"/>
+            <a:ext cx="7060680" cy="3287880"/>
           </a:xfrm>
           <a:prstGeom prst="rect">
             <a:avLst/>
@@ -5239,7 +7798,7 @@
         </p:spPr>
         <p:txBody>
           <a:bodyPr lIns="0" rIns="0" tIns="0" bIns="0" anchor="t">
-            <a:normAutofit fontScale="81000"/>
+            <a:normAutofit fontScale="75000"/>
           </a:bodyPr>
           <a:p>
             <a:pPr marL="343080" indent="-343080">
@@ -5346,18 +7905,14 @@
             </a:endParaRPr>
           </a:p>
           <a:p>
-            <a:pPr marL="343080" indent="-343080">
+            <a:pPr>
               <a:lnSpc>
                 <a:spcPct val="100000"/>
               </a:lnSpc>
               <a:spcBef>
                 <a:spcPts val="697"/>
               </a:spcBef>
-              <a:buClr>
-                <a:srgbClr val="ffffff"/>
-              </a:buClr>
-              <a:buFont typeface="Arial"/>
-              <a:buChar char="•"/>
+              <a:buNone/>
               <a:tabLst>
                 <a:tab algn="l" pos="914400"/>
                 <a:tab algn="l" pos="1828800"/>
@@ -5418,7 +7973,7 @@
       </p:grpSpPr>
       <p:sp>
         <p:nvSpPr>
-          <p:cNvPr id="43" name="PlaceHolder 1"/>
+          <p:cNvPr id="84" name="PlaceHolder 1"/>
           <p:cNvSpPr>
             <a:spLocks noGrp="1"/>
           </p:cNvSpPr>
@@ -5429,7 +7984,7 @@
         <p:spPr>
           <a:xfrm>
             <a:off x="504000" y="226080"/>
-            <a:ext cx="9071640" cy="946440"/>
+            <a:ext cx="9071280" cy="946080"/>
           </a:xfrm>
           <a:prstGeom prst="rect">
             <a:avLst/>
@@ -5448,6 +8003,7 @@
               <a:lnSpc>
                 <a:spcPct val="100000"/>
               </a:lnSpc>
+              <a:buNone/>
               <a:tabLst>
                 <a:tab algn="l" pos="0"/>
                 <a:tab algn="l" pos="914400"/>
@@ -5473,17 +8029,14 @@
               <a:t>Mission</a:t>
             </a:r>
             <a:endParaRPr b="0" lang="en-US" sz="3600" spc="-1" strike="noStrike">
-              <a:solidFill>
-                <a:srgbClr val="000000"/>
-              </a:solidFill>
-              <a:latin typeface="Arial"/>
-            </a:endParaRPr>
-          </a:p>
-        </p:txBody>
-      </p:sp>
-      <p:sp>
-        <p:nvSpPr>
-          <p:cNvPr id="44" name="PlaceHolder 2"/>
+              <a:latin typeface="Arial"/>
+            </a:endParaRPr>
+          </a:p>
+        </p:txBody>
+      </p:sp>
+      <p:sp>
+        <p:nvSpPr>
+          <p:cNvPr id="85" name="PlaceHolder 2"/>
           <p:cNvSpPr>
             <a:spLocks noGrp="1"/>
           </p:cNvSpPr>
@@ -5494,7 +8047,7 @@
         <p:spPr>
           <a:xfrm>
             <a:off x="504000" y="1326600"/>
-            <a:ext cx="9071640" cy="3288240"/>
+            <a:ext cx="9071280" cy="3287880"/>
           </a:xfrm>
           <a:prstGeom prst="rect">
             <a:avLst/>
@@ -5506,10 +8059,10 @@
         </p:spPr>
         <p:txBody>
           <a:bodyPr lIns="0" rIns="0" tIns="0" bIns="0" anchor="t">
-            <a:normAutofit fontScale="93000"/>
+            <a:normAutofit fontScale="90000"/>
           </a:bodyPr>
           <a:p>
-            <a:pPr lvl="1" marL="457200">
+            <a:pPr lvl="1" marL="457200" indent="-324000">
               <a:lnSpc>
                 <a:spcPct val="100000"/>
               </a:lnSpc>
@@ -5557,14 +8110,11 @@
               <a:t> </a:t>
             </a:r>
             <a:endParaRPr b="0" lang="en-US" sz="2400" spc="-1" strike="noStrike">
-              <a:solidFill>
-                <a:srgbClr val="ffffff"/>
-              </a:solidFill>
-              <a:latin typeface="Arial"/>
-            </a:endParaRPr>
-          </a:p>
-          <a:p>
-            <a:pPr lvl="1" marL="457200">
+              <a:latin typeface="Arial"/>
+            </a:endParaRPr>
+          </a:p>
+          <a:p>
+            <a:pPr lvl="1" marL="457200" indent="-324000">
               <a:lnSpc>
                 <a:spcPct val="100000"/>
               </a:lnSpc>
@@ -5652,14 +8202,11 @@
               <a:t>Independent Software Development</a:t>
             </a:r>
             <a:endParaRPr b="0" lang="en-US" sz="2600" spc="-1" strike="noStrike">
-              <a:solidFill>
-                <a:srgbClr val="ffffff"/>
-              </a:solidFill>
-              <a:latin typeface="Arial"/>
-            </a:endParaRPr>
-          </a:p>
-          <a:p>
-            <a:pPr lvl="1" marL="457200">
+              <a:latin typeface="Arial"/>
+            </a:endParaRPr>
+          </a:p>
+          <a:p>
+            <a:pPr lvl="1" marL="457200" indent="-324000">
               <a:lnSpc>
                 <a:spcPct val="100000"/>
               </a:lnSpc>
@@ -5717,14 +8264,11 @@
               <a:t> </a:t>
             </a:r>
             <a:endParaRPr b="0" lang="en-US" sz="2400" spc="-1" strike="noStrike">
-              <a:solidFill>
-                <a:srgbClr val="ffffff"/>
-              </a:solidFill>
-              <a:latin typeface="Arial"/>
-            </a:endParaRPr>
-          </a:p>
-          <a:p>
-            <a:pPr lvl="1" marL="457200">
+              <a:latin typeface="Arial"/>
+            </a:endParaRPr>
+          </a:p>
+          <a:p>
+            <a:pPr lvl="1" marL="457200" indent="-324000">
               <a:lnSpc>
                 <a:spcPct val="100000"/>
               </a:lnSpc>
@@ -5764,10 +8308,16 @@
             <a:br>
               <a:rPr sz="2600"/>
             </a:br>
+            <a:r>
+              <a:rPr b="0" lang="en-US" sz="2600" spc="-1" strike="noStrike">
+                <a:solidFill>
+                  <a:srgbClr val="ffffff"/>
+                </a:solidFill>
+                <a:latin typeface="Arial"/>
+              </a:rPr>
+              <a:t> </a:t>
+            </a:r>
             <a:endParaRPr b="0" lang="en-US" sz="2600" spc="-1" strike="noStrike">
-              <a:solidFill>
-                <a:srgbClr val="ffffff"/>
-              </a:solidFill>
               <a:latin typeface="Arial"/>
             </a:endParaRPr>
           </a:p>
@@ -5813,7 +8363,7 @@
       </p:grpSpPr>
       <p:sp>
         <p:nvSpPr>
-          <p:cNvPr id="81" name="PlaceHolder 1"/>
+          <p:cNvPr id="122" name="PlaceHolder 1"/>
           <p:cNvSpPr>
             <a:spLocks noGrp="1"/>
           </p:cNvSpPr>
@@ -5824,7 +8374,7 @@
         <p:spPr>
           <a:xfrm>
             <a:off x="2514600" y="226080"/>
-            <a:ext cx="7061040" cy="946440"/>
+            <a:ext cx="7060680" cy="946080"/>
           </a:xfrm>
           <a:prstGeom prst="rect">
             <a:avLst/>
@@ -5869,17 +8419,14 @@
               <a:t>AIRbridge</a:t>
             </a:r>
             <a:endParaRPr b="0" lang="en-US" sz="4400" spc="-1" strike="noStrike">
-              <a:solidFill>
-                <a:srgbClr val="000000"/>
-              </a:solidFill>
-              <a:latin typeface="Arial"/>
-            </a:endParaRPr>
-          </a:p>
-        </p:txBody>
-      </p:sp>
-      <p:sp>
-        <p:nvSpPr>
-          <p:cNvPr id="82" name="PlaceHolder 2"/>
+              <a:latin typeface="Arial"/>
+            </a:endParaRPr>
+          </a:p>
+        </p:txBody>
+      </p:sp>
+      <p:sp>
+        <p:nvSpPr>
+          <p:cNvPr id="123" name="PlaceHolder 2"/>
           <p:cNvSpPr>
             <a:spLocks noGrp="1"/>
           </p:cNvSpPr>
@@ -5890,7 +8437,7 @@
         <p:spPr>
           <a:xfrm>
             <a:off x="2514600" y="1326600"/>
-            <a:ext cx="7061040" cy="3288240"/>
+            <a:ext cx="7060680" cy="3287880"/>
           </a:xfrm>
           <a:prstGeom prst="rect">
             <a:avLst/>
@@ -5902,7 +8449,7 @@
         </p:spPr>
         <p:txBody>
           <a:bodyPr lIns="0" rIns="0" tIns="0" bIns="0" anchor="t">
-            <a:normAutofit fontScale="67000"/>
+            <a:normAutofit fontScale="62000"/>
           </a:bodyPr>
           <a:p>
             <a:pPr marL="343080" indent="-343080">
@@ -5977,6 +8524,12 @@
             <a:br>
               <a:rPr sz="3200"/>
             </a:br>
+            <a:r>
+              <a:rPr b="0" lang="en-US" sz="3200" spc="-1" strike="noStrike">
+                <a:latin typeface="Arial"/>
+              </a:rPr>
+              <a:t> </a:t>
+            </a:r>
             <a:endParaRPr b="0" lang="en-US" sz="3200" spc="-1" strike="noStrike">
               <a:latin typeface="Arial"/>
             </a:endParaRPr>
@@ -6034,18 +8587,14 @@
             </a:endParaRPr>
           </a:p>
           <a:p>
-            <a:pPr marL="343080" indent="-343080">
+            <a:pPr>
               <a:lnSpc>
                 <a:spcPct val="100000"/>
               </a:lnSpc>
               <a:spcBef>
                 <a:spcPts val="697"/>
               </a:spcBef>
-              <a:buClr>
-                <a:srgbClr val="ffffff"/>
-              </a:buClr>
-              <a:buFont typeface="Arial"/>
-              <a:buChar char="•"/>
+              <a:buNone/>
               <a:tabLst>
                 <a:tab algn="l" pos="914400"/>
                 <a:tab algn="l" pos="1828800"/>
@@ -6161,7 +8710,7 @@
       </p:grpSpPr>
       <p:sp>
         <p:nvSpPr>
-          <p:cNvPr id="83" name="PlaceHolder 1"/>
+          <p:cNvPr id="124" name="PlaceHolder 1"/>
           <p:cNvSpPr>
             <a:spLocks noGrp="1"/>
           </p:cNvSpPr>
@@ -6172,7 +8721,7 @@
         <p:spPr>
           <a:xfrm>
             <a:off x="2514600" y="226080"/>
-            <a:ext cx="7061040" cy="946440"/>
+            <a:ext cx="7060680" cy="946080"/>
           </a:xfrm>
           <a:prstGeom prst="rect">
             <a:avLst/>
@@ -6221,9 +8770,6 @@
               <a:t>AIRbridge: Validation</a:t>
             </a:r>
             <a:endParaRPr b="0" lang="en-US" sz="4400" spc="-1" strike="noStrike">
-              <a:solidFill>
-                <a:srgbClr val="000000"/>
-              </a:solidFill>
               <a:latin typeface="Arial"/>
             </a:endParaRPr>
           </a:p>
@@ -6231,7 +8777,7 @@
       </p:sp>
       <p:pic>
         <p:nvPicPr>
-          <p:cNvPr id="84" name="" descr=""/>
+          <p:cNvPr id="125" name="" descr=""/>
           <p:cNvPicPr/>
           <p:nvPr/>
         </p:nvPicPr>
@@ -6241,8 +8787,8 @@
         </p:blipFill>
         <p:spPr>
           <a:xfrm>
-            <a:off x="2366640" y="1055160"/>
-            <a:ext cx="7215840" cy="4458960"/>
+            <a:off x="2514600" y="1071000"/>
+            <a:ext cx="6450120" cy="4415400"/>
           </a:xfrm>
           <a:prstGeom prst="rect">
             <a:avLst/>
@@ -6292,7 +8838,7 @@
       </p:grpSpPr>
       <p:sp>
         <p:nvSpPr>
-          <p:cNvPr id="85" name="PlaceHolder 1"/>
+          <p:cNvPr id="126" name="PlaceHolder 1"/>
           <p:cNvSpPr>
             <a:spLocks noGrp="1"/>
           </p:cNvSpPr>
@@ -6303,7 +8849,7 @@
         <p:spPr>
           <a:xfrm>
             <a:off x="2514600" y="226080"/>
-            <a:ext cx="7061040" cy="946440"/>
+            <a:ext cx="7060680" cy="946080"/>
           </a:xfrm>
           <a:prstGeom prst="rect">
             <a:avLst/>
@@ -6348,17 +8894,14 @@
               <a:t>AIRway</a:t>
             </a:r>
             <a:endParaRPr b="0" lang="en-US" sz="4400" spc="-1" strike="noStrike">
-              <a:solidFill>
-                <a:srgbClr val="000000"/>
-              </a:solidFill>
-              <a:latin typeface="Arial"/>
-            </a:endParaRPr>
-          </a:p>
-        </p:txBody>
-      </p:sp>
-      <p:sp>
-        <p:nvSpPr>
-          <p:cNvPr id="86" name="PlaceHolder 2"/>
+              <a:latin typeface="Arial"/>
+            </a:endParaRPr>
+          </a:p>
+        </p:txBody>
+      </p:sp>
+      <p:sp>
+        <p:nvSpPr>
+          <p:cNvPr id="127" name="PlaceHolder 2"/>
           <p:cNvSpPr>
             <a:spLocks noGrp="1"/>
           </p:cNvSpPr>
@@ -6369,7 +8912,7 @@
         <p:spPr>
           <a:xfrm>
             <a:off x="2514600" y="1006920"/>
-            <a:ext cx="7061040" cy="3288240"/>
+            <a:ext cx="7060680" cy="3287880"/>
           </a:xfrm>
           <a:prstGeom prst="rect">
             <a:avLst/>
@@ -6381,7 +8924,7 @@
         </p:spPr>
         <p:txBody>
           <a:bodyPr lIns="0" rIns="0" tIns="0" bIns="0" anchor="t">
-            <a:normAutofit fontScale="84000"/>
+            <a:normAutofit fontScale="78000"/>
           </a:bodyPr>
           <a:p>
             <a:pPr marL="343080" indent="-343080">
@@ -6609,7 +9152,7 @@
       </p:grpSpPr>
       <p:pic>
         <p:nvPicPr>
-          <p:cNvPr id="87" name="" descr=""/>
+          <p:cNvPr id="128" name="" descr=""/>
           <p:cNvPicPr/>
           <p:nvPr/>
         </p:nvPicPr>
@@ -6620,7 +9163,7 @@
         <p:spPr>
           <a:xfrm>
             <a:off x="3128040" y="908640"/>
-            <a:ext cx="5920560" cy="3657600"/>
+            <a:ext cx="5920200" cy="3657240"/>
           </a:xfrm>
           <a:prstGeom prst="rect">
             <a:avLst/>
@@ -6632,7 +9175,7 @@
       </p:pic>
       <p:sp>
         <p:nvSpPr>
-          <p:cNvPr id="88" name="PlaceHolder 1"/>
+          <p:cNvPr id="129" name="PlaceHolder 1"/>
           <p:cNvSpPr>
             <a:spLocks noGrp="1"/>
           </p:cNvSpPr>
@@ -6643,7 +9186,7 @@
         <p:spPr>
           <a:xfrm>
             <a:off x="2514600" y="226080"/>
-            <a:ext cx="7061040" cy="946440"/>
+            <a:ext cx="7060680" cy="946080"/>
           </a:xfrm>
           <a:prstGeom prst="rect">
             <a:avLst/>
@@ -6688,17 +9231,14 @@
               <a:t>Highway</a:t>
             </a:r>
             <a:endParaRPr b="0" lang="en-US" sz="4400" spc="-1" strike="noStrike">
-              <a:solidFill>
-                <a:srgbClr val="000000"/>
-              </a:solidFill>
-              <a:latin typeface="Arial"/>
-            </a:endParaRPr>
-          </a:p>
-        </p:txBody>
-      </p:sp>
-      <p:sp>
-        <p:nvSpPr>
-          <p:cNvPr id="89" name="PlaceHolder 2"/>
+              <a:latin typeface="Arial"/>
+            </a:endParaRPr>
+          </a:p>
+        </p:txBody>
+      </p:sp>
+      <p:sp>
+        <p:nvSpPr>
+          <p:cNvPr id="130" name="PlaceHolder 2"/>
           <p:cNvSpPr>
             <a:spLocks noGrp="1"/>
           </p:cNvSpPr>
@@ -6709,7 +9249,7 @@
         <p:spPr>
           <a:xfrm>
             <a:off x="2508120" y="1767600"/>
-            <a:ext cx="7061040" cy="3288240"/>
+            <a:ext cx="7060680" cy="3287880"/>
           </a:xfrm>
           <a:prstGeom prst="rect">
             <a:avLst/>
@@ -6721,7 +9261,7 @@
         </p:spPr>
         <p:txBody>
           <a:bodyPr lIns="0" rIns="0" tIns="0" bIns="0" anchor="t">
-            <a:normAutofit fontScale="57000"/>
+            <a:normAutofit fontScale="54000"/>
           </a:bodyPr>
           <a:p>
             <a:pPr marL="343080" indent="-343080">
@@ -7116,7 +9656,7 @@
       </p:grpSpPr>
       <p:sp>
         <p:nvSpPr>
-          <p:cNvPr id="90" name="PlaceHolder 1"/>
+          <p:cNvPr id="131" name="PlaceHolder 1"/>
           <p:cNvSpPr>
             <a:spLocks noGrp="1"/>
           </p:cNvSpPr>
@@ -7127,7 +9667,7 @@
         <p:spPr>
           <a:xfrm>
             <a:off x="2514600" y="226080"/>
-            <a:ext cx="7061040" cy="946440"/>
+            <a:ext cx="7060680" cy="946080"/>
           </a:xfrm>
           <a:prstGeom prst="rect">
             <a:avLst/>
@@ -7172,17 +9712,14 @@
               <a:t>Maglev</a:t>
             </a:r>
             <a:endParaRPr b="0" lang="en-US" sz="4400" spc="-1" strike="noStrike">
-              <a:solidFill>
-                <a:srgbClr val="000000"/>
-              </a:solidFill>
-              <a:latin typeface="Arial"/>
-            </a:endParaRPr>
-          </a:p>
-        </p:txBody>
-      </p:sp>
-      <p:sp>
-        <p:nvSpPr>
-          <p:cNvPr id="91" name="PlaceHolder 2"/>
+              <a:latin typeface="Arial"/>
+            </a:endParaRPr>
+          </a:p>
+        </p:txBody>
+      </p:sp>
+      <p:sp>
+        <p:nvSpPr>
+          <p:cNvPr id="132" name="PlaceHolder 2"/>
           <p:cNvSpPr>
             <a:spLocks noGrp="1"/>
           </p:cNvSpPr>
@@ -7193,7 +9730,7 @@
         <p:spPr>
           <a:xfrm>
             <a:off x="2508120" y="1767600"/>
-            <a:ext cx="7061040" cy="3288240"/>
+            <a:ext cx="7060680" cy="3287880"/>
           </a:xfrm>
           <a:prstGeom prst="rect">
             <a:avLst/>
@@ -7205,7 +9742,7 @@
         </p:spPr>
         <p:txBody>
           <a:bodyPr lIns="0" rIns="0" tIns="0" bIns="0" anchor="t">
-            <a:normAutofit fontScale="61000"/>
+            <a:normAutofit fontScale="57000"/>
           </a:bodyPr>
           <a:p>
             <a:pPr marL="343080" indent="-343080">
@@ -7581,7 +10118,7 @@
       </p:sp>
       <p:pic>
         <p:nvPicPr>
-          <p:cNvPr id="92" name="" descr=""/>
+          <p:cNvPr id="133" name="" descr=""/>
           <p:cNvPicPr/>
           <p:nvPr/>
         </p:nvPicPr>
@@ -7592,7 +10129,7 @@
         <p:spPr>
           <a:xfrm>
             <a:off x="2496240" y="1237320"/>
-            <a:ext cx="6831720" cy="2790360"/>
+            <a:ext cx="6831360" cy="2790000"/>
           </a:xfrm>
           <a:prstGeom prst="rect">
             <a:avLst/>
@@ -7642,7 +10179,7 @@
       </p:grpSpPr>
       <p:sp>
         <p:nvSpPr>
-          <p:cNvPr id="93" name="PlaceHolder 1"/>
+          <p:cNvPr id="134" name="PlaceHolder 1"/>
           <p:cNvSpPr>
             <a:spLocks noGrp="1"/>
           </p:cNvSpPr>
@@ -7653,7 +10190,7 @@
         <p:spPr>
           <a:xfrm>
             <a:off x="2154600" y="1063440"/>
-            <a:ext cx="7414920" cy="946440"/>
+            <a:ext cx="7414560" cy="946080"/>
           </a:xfrm>
           <a:prstGeom prst="rect">
             <a:avLst/>
@@ -7669,6 +10206,9 @@
           </a:bodyPr>
           <a:p>
             <a:pPr algn="ctr">
+              <a:lnSpc>
+                <a:spcPct val="100000"/>
+              </a:lnSpc>
               <a:buNone/>
             </a:pPr>
             <a:r>
@@ -7680,29 +10220,51 @@
               </a:rPr>
               <a:t>Thank You</a:t>
             </a:r>
+            <a:br>
+              <a:rPr sz="4400"/>
+            </a:br>
+            <a:br>
+              <a:rPr sz="4400"/>
+            </a:br>
             <a:endParaRPr b="0" lang="en-US" sz="4400" spc="-1" strike="noStrike">
-              <a:solidFill>
-                <a:srgbClr val="000000"/>
-              </a:solidFill>
-              <a:latin typeface="Arial"/>
-            </a:endParaRPr>
-          </a:p>
-        </p:txBody>
-      </p:sp>
-      <p:sp>
-        <p:nvSpPr>
-          <p:cNvPr id="94" name="PlaceHolder 2"/>
-          <p:cNvSpPr>
-            <a:spLocks noGrp="1"/>
-          </p:cNvSpPr>
-          <p:nvPr>
-            <p:ph/>
-          </p:nvPr>
-        </p:nvSpPr>
-        <p:spPr>
-          <a:xfrm>
-            <a:off x="2550600" y="2528280"/>
-            <a:ext cx="6973920" cy="1243080"/>
+              <a:latin typeface="Arial"/>
+            </a:endParaRPr>
+          </a:p>
+        </p:txBody>
+      </p:sp>
+      <p:pic>
+        <p:nvPicPr>
+          <p:cNvPr id="135" name="" descr=""/>
+          <p:cNvPicPr/>
+          <p:nvPr/>
+        </p:nvPicPr>
+        <p:blipFill>
+          <a:blip r:embed="rId2"/>
+          <a:stretch/>
+        </p:blipFill>
+        <p:spPr>
+          <a:xfrm>
+            <a:off x="4269960" y="1371600"/>
+            <a:ext cx="3201840" cy="3062880"/>
+          </a:xfrm>
+          <a:prstGeom prst="rect">
+            <a:avLst/>
+          </a:prstGeom>
+          <a:ln w="0">
+            <a:noFill/>
+          </a:ln>
+        </p:spPr>
+      </p:pic>
+      <p:sp>
+        <p:nvSpPr>
+          <p:cNvPr id="136" name=""/>
+          <p:cNvSpPr txBox="1"/>
+          <p:nvPr/>
+        </p:nvSpPr>
+        <p:spPr>
+          <a:xfrm>
+            <a:off x="4082400" y="4800600"/>
+            <a:ext cx="3654000" cy="346320"/>
           </a:xfrm>
           <a:prstGeom prst="rect">
             <a:avLst/>
@@ -7713,17 +10275,17 @@
           </a:ln>
         </p:spPr>
         <p:txBody>
-          <a:bodyPr lIns="0" rIns="0" tIns="0" bIns="0" anchor="t">
-            <a:normAutofit/>
+          <a:bodyPr lIns="90000" rIns="90000" tIns="45000" bIns="45000" anchor="t">
+            <a:noAutofit/>
           </a:bodyPr>
           <a:p>
             <a:r>
-              <a:rPr b="0" lang="en-US" sz="3200" spc="-1" strike="noStrike">
-                <a:latin typeface="Arial"/>
-              </a:rPr>
-              <a:t>Made possible by my wife and children</a:t>
-            </a:r>
-            <a:endParaRPr b="0" lang="en-US" sz="3200" spc="-1" strike="noStrike">
+              <a:rPr b="0" lang="en-US" sz="1800" spc="-1" strike="noStrike">
+                <a:latin typeface="Arial"/>
+              </a:rPr>
+              <a:t>https://beyond-decentralized.world</a:t>
+            </a:r>
+            <a:endParaRPr b="0" lang="en-US" sz="1800" spc="-1" strike="noStrike">
               <a:latin typeface="Arial"/>
             </a:endParaRPr>
           </a:p>
@@ -7769,7 +10331,7 @@
       </p:grpSpPr>
       <p:sp>
         <p:nvSpPr>
-          <p:cNvPr id="45" name="PlaceHolder 1"/>
+          <p:cNvPr id="86" name="PlaceHolder 1"/>
           <p:cNvSpPr>
             <a:spLocks noGrp="1"/>
           </p:cNvSpPr>
@@ -7780,7 +10342,7 @@
         <p:spPr>
           <a:xfrm>
             <a:off x="2514600" y="226080"/>
-            <a:ext cx="7061040" cy="946440"/>
+            <a:ext cx="7060680" cy="946080"/>
           </a:xfrm>
           <a:prstGeom prst="rect">
             <a:avLst/>
@@ -7825,17 +10387,14 @@
               <a:t>Story</a:t>
             </a:r>
             <a:endParaRPr b="0" lang="en-US" sz="4400" spc="-1" strike="noStrike">
-              <a:solidFill>
-                <a:srgbClr val="000000"/>
-              </a:solidFill>
-              <a:latin typeface="Arial"/>
-            </a:endParaRPr>
-          </a:p>
-        </p:txBody>
-      </p:sp>
-      <p:sp>
-        <p:nvSpPr>
-          <p:cNvPr id="46" name="PlaceHolder 2"/>
+              <a:latin typeface="Arial"/>
+            </a:endParaRPr>
+          </a:p>
+        </p:txBody>
+      </p:sp>
+      <p:sp>
+        <p:nvSpPr>
+          <p:cNvPr id="87" name="PlaceHolder 2"/>
           <p:cNvSpPr>
             <a:spLocks noGrp="1"/>
           </p:cNvSpPr>
@@ -7846,7 +10405,7 @@
         <p:spPr>
           <a:xfrm>
             <a:off x="2514600" y="1326600"/>
-            <a:ext cx="7061040" cy="3288240"/>
+            <a:ext cx="7060680" cy="3287880"/>
           </a:xfrm>
           <a:prstGeom prst="rect">
             <a:avLst/>
@@ -7858,7 +10417,7 @@
         </p:spPr>
         <p:txBody>
           <a:bodyPr lIns="0" rIns="0" tIns="0" bIns="0" anchor="t">
-            <a:normAutofit fontScale="90000"/>
+            <a:normAutofit fontScale="88000"/>
           </a:bodyPr>
           <a:p>
             <a:pPr marL="343080" indent="-343080">
@@ -8124,7 +10683,7 @@
       </p:grpSpPr>
       <p:sp>
         <p:nvSpPr>
-          <p:cNvPr id="47" name="PlaceHolder 1"/>
+          <p:cNvPr id="88" name="PlaceHolder 1"/>
           <p:cNvSpPr>
             <a:spLocks noGrp="1"/>
           </p:cNvSpPr>
@@ -8135,7 +10694,7 @@
         <p:spPr>
           <a:xfrm>
             <a:off x="2514600" y="226080"/>
-            <a:ext cx="7061040" cy="946440"/>
+            <a:ext cx="7060680" cy="946080"/>
           </a:xfrm>
           <a:prstGeom prst="rect">
             <a:avLst/>
@@ -8180,17 +10739,14 @@
               <a:t>AIR</a:t>
             </a:r>
             <a:endParaRPr b="0" lang="en-US" sz="4400" spc="-1" strike="noStrike">
-              <a:solidFill>
-                <a:srgbClr val="000000"/>
-              </a:solidFill>
-              <a:latin typeface="Arial"/>
-            </a:endParaRPr>
-          </a:p>
-        </p:txBody>
-      </p:sp>
-      <p:sp>
-        <p:nvSpPr>
-          <p:cNvPr id="48" name="PlaceHolder 2"/>
+              <a:latin typeface="Arial"/>
+            </a:endParaRPr>
+          </a:p>
+        </p:txBody>
+      </p:sp>
+      <p:sp>
+        <p:nvSpPr>
+          <p:cNvPr id="89" name="PlaceHolder 2"/>
           <p:cNvSpPr>
             <a:spLocks noGrp="1"/>
           </p:cNvSpPr>
@@ -8201,7 +10757,7 @@
         <p:spPr>
           <a:xfrm>
             <a:off x="2514600" y="1326600"/>
-            <a:ext cx="7061040" cy="3288240"/>
+            <a:ext cx="7060680" cy="3287880"/>
           </a:xfrm>
           <a:prstGeom prst="rect">
             <a:avLst/>
@@ -8213,7 +10769,7 @@
         </p:spPr>
         <p:txBody>
           <a:bodyPr lIns="0" rIns="0" tIns="0" bIns="0" anchor="t">
-            <a:normAutofit fontScale="88000"/>
+            <a:normAutofit fontScale="83000"/>
           </a:bodyPr>
           <a:p>
             <a:pPr marL="343080" indent="-343080">
@@ -8576,7 +11132,7 @@
       </p:grpSpPr>
       <p:sp>
         <p:nvSpPr>
-          <p:cNvPr id="49" name="PlaceHolder 1"/>
+          <p:cNvPr id="90" name="PlaceHolder 1"/>
           <p:cNvSpPr>
             <a:spLocks noGrp="1"/>
           </p:cNvSpPr>
@@ -8587,7 +11143,7 @@
         <p:spPr>
           <a:xfrm>
             <a:off x="2514600" y="226080"/>
-            <a:ext cx="7061040" cy="946440"/>
+            <a:ext cx="7060680" cy="946080"/>
           </a:xfrm>
           <a:prstGeom prst="rect">
             <a:avLst/>
@@ -8632,17 +11188,14 @@
               <a:t>Relational</a:t>
             </a:r>
             <a:endParaRPr b="0" lang="en-US" sz="4400" spc="-1" strike="noStrike">
-              <a:solidFill>
-                <a:srgbClr val="000000"/>
-              </a:solidFill>
-              <a:latin typeface="Arial"/>
-            </a:endParaRPr>
-          </a:p>
-        </p:txBody>
-      </p:sp>
-      <p:sp>
-        <p:nvSpPr>
-          <p:cNvPr id="50" name="PlaceHolder 2"/>
+              <a:latin typeface="Arial"/>
+            </a:endParaRPr>
+          </a:p>
+        </p:txBody>
+      </p:sp>
+      <p:sp>
+        <p:nvSpPr>
+          <p:cNvPr id="91" name="PlaceHolder 2"/>
           <p:cNvSpPr>
             <a:spLocks noGrp="1"/>
           </p:cNvSpPr>
@@ -8653,7 +11206,7 @@
         <p:spPr>
           <a:xfrm>
             <a:off x="5486400" y="412200"/>
-            <a:ext cx="3429000" cy="1188000"/>
+            <a:ext cx="3428640" cy="1187640"/>
           </a:xfrm>
           <a:prstGeom prst="rect">
             <a:avLst/>
@@ -8665,7 +11218,7 @@
         </p:spPr>
         <p:txBody>
           <a:bodyPr lIns="0" rIns="0" tIns="0" bIns="0" anchor="t">
-            <a:normAutofit/>
+            <a:normAutofit fontScale="63000"/>
           </a:bodyPr>
           <a:p>
             <a:pPr marL="343080" indent="-343080">
@@ -8788,18 +11341,14 @@
             </a:endParaRPr>
           </a:p>
           <a:p>
-            <a:pPr marL="343080" indent="-343080">
+            <a:pPr>
               <a:lnSpc>
                 <a:spcPct val="100000"/>
               </a:lnSpc>
               <a:spcBef>
                 <a:spcPts val="697"/>
               </a:spcBef>
-              <a:buClr>
-                <a:srgbClr val="ffffff"/>
-              </a:buClr>
-              <a:buFont typeface="Arial"/>
-              <a:buChar char="•"/>
+              <a:buNone/>
               <a:tabLst>
                 <a:tab algn="l" pos="914400"/>
                 <a:tab algn="l" pos="1828800"/>
@@ -8822,7 +11371,7 @@
       </p:sp>
       <p:pic>
         <p:nvPicPr>
-          <p:cNvPr id="51" name="" descr=""/>
+          <p:cNvPr id="92" name="" descr=""/>
           <p:cNvPicPr/>
           <p:nvPr/>
         </p:nvPicPr>
@@ -8833,7 +11382,7 @@
         <p:spPr>
           <a:xfrm>
             <a:off x="3200400" y="1246680"/>
-            <a:ext cx="5486400" cy="4239720"/>
+            <a:ext cx="5486040" cy="4239360"/>
           </a:xfrm>
           <a:prstGeom prst="rect">
             <a:avLst/>
@@ -8883,7 +11432,7 @@
       </p:grpSpPr>
       <p:sp>
         <p:nvSpPr>
-          <p:cNvPr id="52" name="PlaceHolder 1"/>
+          <p:cNvPr id="93" name="PlaceHolder 1"/>
           <p:cNvSpPr>
             <a:spLocks noGrp="1"/>
           </p:cNvSpPr>
@@ -8894,7 +11443,7 @@
         <p:spPr>
           <a:xfrm>
             <a:off x="2514600" y="226080"/>
-            <a:ext cx="7061040" cy="946440"/>
+            <a:ext cx="7060680" cy="946080"/>
           </a:xfrm>
           <a:prstGeom prst="rect">
             <a:avLst/>
@@ -8939,17 +11488,14 @@
               <a:t>ID Scheme</a:t>
             </a:r>
             <a:endParaRPr b="0" lang="en-US" sz="4400" spc="-1" strike="noStrike">
-              <a:solidFill>
-                <a:srgbClr val="000000"/>
-              </a:solidFill>
-              <a:latin typeface="Arial"/>
-            </a:endParaRPr>
-          </a:p>
-        </p:txBody>
-      </p:sp>
-      <p:sp>
-        <p:nvSpPr>
-          <p:cNvPr id="53" name="PlaceHolder 2"/>
+              <a:latin typeface="Arial"/>
+            </a:endParaRPr>
+          </a:p>
+        </p:txBody>
+      </p:sp>
+      <p:sp>
+        <p:nvSpPr>
+          <p:cNvPr id="94" name="PlaceHolder 2"/>
           <p:cNvSpPr>
             <a:spLocks noGrp="1"/>
           </p:cNvSpPr>
@@ -8960,7 +11506,7 @@
         <p:spPr>
           <a:xfrm>
             <a:off x="2514600" y="1326600"/>
-            <a:ext cx="7061040" cy="3288240"/>
+            <a:ext cx="7060680" cy="3287880"/>
           </a:xfrm>
           <a:prstGeom prst="rect">
             <a:avLst/>
@@ -8972,7 +11518,7 @@
         </p:spPr>
         <p:txBody>
           <a:bodyPr lIns="0" rIns="0" tIns="0" bIns="0" anchor="t">
-            <a:normAutofit fontScale="77000"/>
+            <a:normAutofit fontScale="72000"/>
           </a:bodyPr>
           <a:p>
             <a:pPr marL="343080" indent="-343080">
@@ -9354,7 +11900,7 @@
       </p:grpSpPr>
       <p:sp>
         <p:nvSpPr>
-          <p:cNvPr id="54" name="PlaceHolder 1"/>
+          <p:cNvPr id="95" name="PlaceHolder 1"/>
           <p:cNvSpPr>
             <a:spLocks noGrp="1"/>
           </p:cNvSpPr>
@@ -9365,7 +11911,7 @@
         <p:spPr>
           <a:xfrm>
             <a:off x="2514600" y="226080"/>
-            <a:ext cx="7061040" cy="946440"/>
+            <a:ext cx="7060680" cy="946080"/>
           </a:xfrm>
           <a:prstGeom prst="rect">
             <a:avLst/>
@@ -9410,17 +11956,14 @@
               <a:t>Transaction Logs</a:t>
             </a:r>
             <a:endParaRPr b="0" lang="en-US" sz="4400" spc="-1" strike="noStrike">
-              <a:solidFill>
-                <a:srgbClr val="000000"/>
-              </a:solidFill>
-              <a:latin typeface="Arial"/>
-            </a:endParaRPr>
-          </a:p>
-        </p:txBody>
-      </p:sp>
-      <p:sp>
-        <p:nvSpPr>
-          <p:cNvPr id="55" name="PlaceHolder 2"/>
+              <a:latin typeface="Arial"/>
+            </a:endParaRPr>
+          </a:p>
+        </p:txBody>
+      </p:sp>
+      <p:sp>
+        <p:nvSpPr>
+          <p:cNvPr id="96" name="PlaceHolder 2"/>
           <p:cNvSpPr>
             <a:spLocks noGrp="1"/>
           </p:cNvSpPr>
@@ -9431,7 +11974,7 @@
         <p:spPr>
           <a:xfrm>
             <a:off x="2514600" y="1326600"/>
-            <a:ext cx="7061040" cy="3288240"/>
+            <a:ext cx="7060680" cy="3287880"/>
           </a:xfrm>
           <a:prstGeom prst="rect">
             <a:avLst/>
@@ -9443,7 +11986,7 @@
         </p:spPr>
         <p:txBody>
           <a:bodyPr lIns="0" rIns="0" tIns="0" bIns="0" anchor="t">
-            <a:normAutofit fontScale="92000"/>
+            <a:normAutofit fontScale="75000"/>
           </a:bodyPr>
           <a:p>
             <a:pPr marL="343080" indent="-343080">
@@ -9668,18 +12211,14 @@
             </a:endParaRPr>
           </a:p>
           <a:p>
-            <a:pPr marL="343080" indent="-343080">
+            <a:pPr>
               <a:lnSpc>
                 <a:spcPct val="100000"/>
               </a:lnSpc>
               <a:spcBef>
                 <a:spcPts val="697"/>
               </a:spcBef>
-              <a:buClr>
-                <a:srgbClr val="ffffff"/>
-              </a:buClr>
-              <a:buFont typeface="Arial"/>
-              <a:buChar char="•"/>
+              <a:buNone/>
               <a:tabLst>
                 <a:tab algn="l" pos="914400"/>
                 <a:tab algn="l" pos="1828800"/>
@@ -9740,7 +12279,7 @@
       </p:grpSpPr>
       <p:sp>
         <p:nvSpPr>
-          <p:cNvPr id="56" name="PlaceHolder 1"/>
+          <p:cNvPr id="97" name="PlaceHolder 1"/>
           <p:cNvSpPr>
             <a:spLocks noGrp="1"/>
           </p:cNvSpPr>
@@ -9751,7 +12290,7 @@
         <p:spPr>
           <a:xfrm>
             <a:off x="2514600" y="226080"/>
-            <a:ext cx="7061040" cy="946440"/>
+            <a:ext cx="7060680" cy="946080"/>
           </a:xfrm>
           <a:prstGeom prst="rect">
             <a:avLst/>
@@ -9796,17 +12335,14 @@
               <a:t>Autonomous</a:t>
             </a:r>
             <a:endParaRPr b="0" lang="en-US" sz="4400" spc="-1" strike="noStrike">
-              <a:solidFill>
-                <a:srgbClr val="000000"/>
-              </a:solidFill>
-              <a:latin typeface="Arial"/>
-            </a:endParaRPr>
-          </a:p>
-        </p:txBody>
-      </p:sp>
-      <p:sp>
-        <p:nvSpPr>
-          <p:cNvPr id="57" name="PlaceHolder 2"/>
+              <a:latin typeface="Arial"/>
+            </a:endParaRPr>
+          </a:p>
+        </p:txBody>
+      </p:sp>
+      <p:sp>
+        <p:nvSpPr>
+          <p:cNvPr id="98" name="PlaceHolder 2"/>
           <p:cNvSpPr>
             <a:spLocks noGrp="1"/>
           </p:cNvSpPr>
@@ -9817,7 +12353,7 @@
         <p:spPr>
           <a:xfrm>
             <a:off x="2514600" y="1326600"/>
-            <a:ext cx="7061040" cy="3288240"/>
+            <a:ext cx="7060680" cy="3287880"/>
           </a:xfrm>
           <a:prstGeom prst="rect">
             <a:avLst/>
@@ -9829,7 +12365,7 @@
         </p:spPr>
         <p:txBody>
           <a:bodyPr lIns="0" rIns="0" tIns="0" bIns="0" anchor="t">
-            <a:normAutofit fontScale="90000"/>
+            <a:normAutofit fontScale="74000"/>
           </a:bodyPr>
           <a:p>
             <a:pPr marL="343080" indent="-343080">
@@ -9869,6 +12405,33 @@
             </a:endParaRPr>
           </a:p>
           <a:p>
+            <a:pPr>
+              <a:lnSpc>
+                <a:spcPct val="100000"/>
+              </a:lnSpc>
+              <a:spcBef>
+                <a:spcPts val="697"/>
+              </a:spcBef>
+              <a:buNone/>
+              <a:tabLst>
+                <a:tab algn="l" pos="914400"/>
+                <a:tab algn="l" pos="1828800"/>
+                <a:tab algn="l" pos="2743200"/>
+                <a:tab algn="l" pos="3657600"/>
+                <a:tab algn="l" pos="4572000"/>
+                <a:tab algn="l" pos="5486400"/>
+                <a:tab algn="l" pos="6400800"/>
+                <a:tab algn="l" pos="7315200"/>
+                <a:tab algn="l" pos="8229600"/>
+                <a:tab algn="l" pos="9144000"/>
+                <a:tab algn="l" pos="10058400"/>
+              </a:tabLst>
+            </a:pPr>
+            <a:endParaRPr b="0" lang="en-US" sz="3200" spc="-1" strike="noStrike">
+              <a:latin typeface="Arial"/>
+            </a:endParaRPr>
+          </a:p>
+          <a:p>
             <a:pPr marL="343080" indent="-343080">
               <a:lnSpc>
                 <a:spcPct val="100000"/>
@@ -9895,6 +12458,12 @@
                 <a:tab algn="l" pos="10058400"/>
               </a:tabLst>
             </a:pPr>
+            <a:r>
+              <a:rPr b="0" lang="en-US" sz="3200" spc="-1" strike="noStrike">
+                <a:latin typeface="Arial"/>
+              </a:rPr>
+              <a:t> </a:t>
+            </a:r>
             <a:endParaRPr b="0" lang="en-US" sz="3200" spc="-1" strike="noStrike">
               <a:latin typeface="Arial"/>
             </a:endParaRPr>
@@ -9930,7 +12499,7 @@
               <a:rPr b="0" lang="en-US" sz="3200" spc="-1" strike="noStrike">
                 <a:latin typeface="Arial"/>
               </a:rPr>
-              <a:t> </a:t>
+              <a:t>Repository can be used in isolation.</a:t>
             </a:r>
             <a:endParaRPr b="0" lang="en-US" sz="3200" spc="-1" strike="noStrike">
               <a:latin typeface="Arial"/>
@@ -9967,7 +12536,7 @@
               <a:rPr b="0" lang="en-US" sz="3200" spc="-1" strike="noStrike">
                 <a:latin typeface="Arial"/>
               </a:rPr>
-              <a:t>Repository can be used in isolation.</a:t>
+              <a:t> </a:t>
             </a:r>
             <a:endParaRPr b="0" lang="en-US" sz="3200" spc="-1" strike="noStrike">
               <a:latin typeface="Arial"/>
@@ -10004,7 +12573,7 @@
               <a:rPr b="0" lang="en-US" sz="3200" spc="-1" strike="noStrike">
                 <a:latin typeface="Arial"/>
               </a:rPr>
-              <a:t> </a:t>
+              <a:t>All data reference via Foreign Keys is copied into the Repository</a:t>
             </a:r>
             <a:endParaRPr b="0" lang="en-US" sz="3200" spc="-1" strike="noStrike">
               <a:latin typeface="Arial"/>
@@ -10041,62 +12610,21 @@
               <a:rPr b="0" lang="en-US" sz="3200" spc="-1" strike="noStrike">
                 <a:latin typeface="Arial"/>
               </a:rPr>
-              <a:t>All data reference via Foreign Keys is copied into the Repository</a:t>
-            </a:r>
-            <a:endParaRPr b="0" lang="en-US" sz="3200" spc="-1" strike="noStrike">
-              <a:latin typeface="Arial"/>
-            </a:endParaRPr>
-          </a:p>
-          <a:p>
-            <a:pPr marL="343080" indent="-343080">
+              <a:t> </a:t>
+            </a:r>
+            <a:endParaRPr b="0" lang="en-US" sz="3200" spc="-1" strike="noStrike">
+              <a:latin typeface="Arial"/>
+            </a:endParaRPr>
+          </a:p>
+          <a:p>
+            <a:pPr>
               <a:lnSpc>
                 <a:spcPct val="100000"/>
               </a:lnSpc>
               <a:spcBef>
                 <a:spcPts val="697"/>
               </a:spcBef>
-              <a:buClr>
-                <a:srgbClr val="ffffff"/>
-              </a:buClr>
-              <a:buFont typeface="Arial"/>
-              <a:buChar char="•"/>
-              <a:tabLst>
-                <a:tab algn="l" pos="914400"/>
-                <a:tab algn="l" pos="1828800"/>
-                <a:tab algn="l" pos="2743200"/>
-                <a:tab algn="l" pos="3657600"/>
-                <a:tab algn="l" pos="4572000"/>
-                <a:tab algn="l" pos="5486400"/>
-                <a:tab algn="l" pos="6400800"/>
-                <a:tab algn="l" pos="7315200"/>
-                <a:tab algn="l" pos="8229600"/>
-                <a:tab algn="l" pos="9144000"/>
-                <a:tab algn="l" pos="10058400"/>
-              </a:tabLst>
-            </a:pPr>
-            <a:r>
-              <a:rPr b="0" lang="en-US" sz="3200" spc="-1" strike="noStrike">
-                <a:latin typeface="Arial"/>
-              </a:rPr>
-              <a:t> </a:t>
-            </a:r>
-            <a:endParaRPr b="0" lang="en-US" sz="3200" spc="-1" strike="noStrike">
-              <a:latin typeface="Arial"/>
-            </a:endParaRPr>
-          </a:p>
-          <a:p>
-            <a:pPr marL="343080" indent="-343080">
-              <a:lnSpc>
-                <a:spcPct val="100000"/>
-              </a:lnSpc>
-              <a:spcBef>
-                <a:spcPts val="697"/>
-              </a:spcBef>
-              <a:buClr>
-                <a:srgbClr val="ffffff"/>
-              </a:buClr>
-              <a:buFont typeface="Arial"/>
-              <a:buChar char="•"/>
+              <a:buNone/>
               <a:tabLst>
                 <a:tab algn="l" pos="914400"/>
                 <a:tab algn="l" pos="1828800"/>
@@ -10157,7 +12685,7 @@
       </p:grpSpPr>
       <p:sp>
         <p:nvSpPr>
-          <p:cNvPr id="58" name="PlaceHolder 1"/>
+          <p:cNvPr id="99" name="PlaceHolder 1"/>
           <p:cNvSpPr>
             <a:spLocks noGrp="1"/>
           </p:cNvSpPr>
@@ -10168,7 +12696,7 @@
         <p:spPr>
           <a:xfrm>
             <a:off x="2514600" y="226080"/>
-            <a:ext cx="7061040" cy="946440"/>
+            <a:ext cx="7060680" cy="946080"/>
           </a:xfrm>
           <a:prstGeom prst="rect">
             <a:avLst/>
@@ -10213,17 +12741,14 @@
               <a:t>Interdependent</a:t>
             </a:r>
             <a:endParaRPr b="0" lang="en-US" sz="4400" spc="-1" strike="noStrike">
-              <a:solidFill>
-                <a:srgbClr val="000000"/>
-              </a:solidFill>
-              <a:latin typeface="Arial"/>
-            </a:endParaRPr>
-          </a:p>
-        </p:txBody>
-      </p:sp>
-      <p:sp>
-        <p:nvSpPr>
-          <p:cNvPr id="59" name="PlaceHolder 2"/>
+              <a:latin typeface="Arial"/>
+            </a:endParaRPr>
+          </a:p>
+        </p:txBody>
+      </p:sp>
+      <p:sp>
+        <p:nvSpPr>
+          <p:cNvPr id="100" name="PlaceHolder 2"/>
           <p:cNvSpPr>
             <a:spLocks noGrp="1"/>
           </p:cNvSpPr>
@@ -10234,7 +12759,7 @@
         <p:spPr>
           <a:xfrm>
             <a:off x="2514600" y="1326600"/>
-            <a:ext cx="7061040" cy="3288240"/>
+            <a:ext cx="7060680" cy="3287880"/>
           </a:xfrm>
           <a:prstGeom prst="rect">
             <a:avLst/>
@@ -10246,7 +12771,7 @@
         </p:spPr>
         <p:txBody>
           <a:bodyPr lIns="0" rIns="0" tIns="0" bIns="0" anchor="t">
-            <a:normAutofit fontScale="73000"/>
+            <a:normAutofit fontScale="65000"/>
           </a:bodyPr>
           <a:p>
             <a:pPr marL="343080" indent="-343080">
@@ -10286,6 +12811,33 @@
             </a:endParaRPr>
           </a:p>
           <a:p>
+            <a:pPr>
+              <a:lnSpc>
+                <a:spcPct val="100000"/>
+              </a:lnSpc>
+              <a:spcBef>
+                <a:spcPts val="697"/>
+              </a:spcBef>
+              <a:buNone/>
+              <a:tabLst>
+                <a:tab algn="l" pos="914400"/>
+                <a:tab algn="l" pos="1828800"/>
+                <a:tab algn="l" pos="2743200"/>
+                <a:tab algn="l" pos="3657600"/>
+                <a:tab algn="l" pos="4572000"/>
+                <a:tab algn="l" pos="5486400"/>
+                <a:tab algn="l" pos="6400800"/>
+                <a:tab algn="l" pos="7315200"/>
+                <a:tab algn="l" pos="8229600"/>
+                <a:tab algn="l" pos="9144000"/>
+                <a:tab algn="l" pos="10058400"/>
+              </a:tabLst>
+            </a:pPr>
+            <a:endParaRPr b="0" lang="en-US" sz="3200" spc="-1" strike="noStrike">
+              <a:latin typeface="Arial"/>
+            </a:endParaRPr>
+          </a:p>
+          <a:p>
             <a:pPr marL="343080" indent="-343080">
               <a:lnSpc>
                 <a:spcPct val="100000"/>
@@ -10312,6 +12864,12 @@
                 <a:tab algn="l" pos="10058400"/>
               </a:tabLst>
             </a:pPr>
+            <a:r>
+              <a:rPr b="0" lang="en-US" sz="3200" spc="-1" strike="noStrike">
+                <a:latin typeface="Arial"/>
+              </a:rPr>
+              <a:t>Source Repository foreign keys retained in “Original_*” key columns</a:t>
+            </a:r>
             <a:endParaRPr b="0" lang="en-US" sz="3200" spc="-1" strike="noStrike">
               <a:latin typeface="Arial"/>
             </a:endParaRPr>
@@ -10347,7 +12905,7 @@
               <a:rPr b="0" lang="en-US" sz="3200" spc="-1" strike="noStrike">
                 <a:latin typeface="Arial"/>
               </a:rPr>
-              <a:t>Source Repository foreign keys retained in “Original_*” key columns</a:t>
+              <a:t> </a:t>
             </a:r>
             <a:endParaRPr b="0" lang="en-US" sz="3200" spc="-1" strike="noStrike">
               <a:latin typeface="Arial"/>
@@ -10384,7 +12942,7 @@
               <a:rPr b="0" lang="en-US" sz="3200" spc="-1" strike="noStrike">
                 <a:latin typeface="Arial"/>
               </a:rPr>
-              <a:t> </a:t>
+              <a:t>Joins can be switched to use the “Original” columns</a:t>
             </a:r>
             <a:endParaRPr b="0" lang="en-US" sz="3200" spc="-1" strike="noStrike">
               <a:latin typeface="Arial"/>
@@ -10421,7 +12979,7 @@
               <a:rPr b="0" lang="en-US" sz="3200" spc="-1" strike="noStrike">
                 <a:latin typeface="Arial"/>
               </a:rPr>
-              <a:t>Joins can be switched to use the “Original” columns</a:t>
+              <a:t> </a:t>
             </a:r>
             <a:endParaRPr b="0" lang="en-US" sz="3200" spc="-1" strike="noStrike">
               <a:latin typeface="Arial"/>
@@ -10458,7 +13016,7 @@
               <a:rPr b="0" lang="en-US" sz="3200" spc="-1" strike="noStrike">
                 <a:latin typeface="Arial"/>
               </a:rPr>
-              <a:t> </a:t>
+              <a:t>Missing repositories are loaded in background</a:t>
             </a:r>
             <a:endParaRPr b="0" lang="en-US" sz="3200" spc="-1" strike="noStrike">
               <a:latin typeface="Arial"/>
@@ -10495,62 +13053,21 @@
               <a:rPr b="0" lang="en-US" sz="3200" spc="-1" strike="noStrike">
                 <a:latin typeface="Arial"/>
               </a:rPr>
-              <a:t>Missing repositories are loaded in background</a:t>
-            </a:r>
-            <a:endParaRPr b="0" lang="en-US" sz="3200" spc="-1" strike="noStrike">
-              <a:latin typeface="Arial"/>
-            </a:endParaRPr>
-          </a:p>
-          <a:p>
-            <a:pPr marL="343080" indent="-343080">
+              <a:t> </a:t>
+            </a:r>
+            <a:endParaRPr b="0" lang="en-US" sz="3200" spc="-1" strike="noStrike">
+              <a:latin typeface="Arial"/>
+            </a:endParaRPr>
+          </a:p>
+          <a:p>
+            <a:pPr>
               <a:lnSpc>
                 <a:spcPct val="100000"/>
               </a:lnSpc>
               <a:spcBef>
                 <a:spcPts val="697"/>
               </a:spcBef>
-              <a:buClr>
-                <a:srgbClr val="ffffff"/>
-              </a:buClr>
-              <a:buFont typeface="Arial"/>
-              <a:buChar char="•"/>
-              <a:tabLst>
-                <a:tab algn="l" pos="914400"/>
-                <a:tab algn="l" pos="1828800"/>
-                <a:tab algn="l" pos="2743200"/>
-                <a:tab algn="l" pos="3657600"/>
-                <a:tab algn="l" pos="4572000"/>
-                <a:tab algn="l" pos="5486400"/>
-                <a:tab algn="l" pos="6400800"/>
-                <a:tab algn="l" pos="7315200"/>
-                <a:tab algn="l" pos="8229600"/>
-                <a:tab algn="l" pos="9144000"/>
-                <a:tab algn="l" pos="10058400"/>
-              </a:tabLst>
-            </a:pPr>
-            <a:r>
-              <a:rPr b="0" lang="en-US" sz="3200" spc="-1" strike="noStrike">
-                <a:latin typeface="Arial"/>
-              </a:rPr>
-              <a:t> </a:t>
-            </a:r>
-            <a:endParaRPr b="0" lang="en-US" sz="3200" spc="-1" strike="noStrike">
-              <a:latin typeface="Arial"/>
-            </a:endParaRPr>
-          </a:p>
-          <a:p>
-            <a:pPr marL="343080" indent="-343080">
-              <a:lnSpc>
-                <a:spcPct val="100000"/>
-              </a:lnSpc>
-              <a:spcBef>
-                <a:spcPts val="697"/>
-              </a:spcBef>
-              <a:buClr>
-                <a:srgbClr val="ffffff"/>
-              </a:buClr>
-              <a:buFont typeface="Arial"/>
-              <a:buChar char="•"/>
+              <a:buNone/>
               <a:tabLst>
                 <a:tab algn="l" pos="914400"/>
                 <a:tab algn="l" pos="1828800"/>
@@ -10808,4 +13325,230 @@
     </a:fmtScheme>
   </a:themeElements>
 </a:theme>
+</file>
+
+<file path=ppt/theme/theme2.xml><?xml version="1.0" encoding="utf-8"?>
+<a:theme xmlns:a="http://schemas.openxmlformats.org/drawingml/2006/main" name="Office Theme">
+  <a:themeElements>
+    <a:clrScheme name="Office">
+      <a:dk1>
+        <a:sysClr val="windowText" lastClr="000000"/>
+      </a:dk1>
+      <a:lt1>
+        <a:sysClr val="window" lastClr="FFFFFF"/>
+      </a:lt1>
+      <a:dk2>
+        <a:srgbClr val="1f497d"/>
+      </a:dk2>
+      <a:lt2>
+        <a:srgbClr val="eeece1"/>
+      </a:lt2>
+      <a:accent1>
+        <a:srgbClr val="4f81bd"/>
+      </a:accent1>
+      <a:accent2>
+        <a:srgbClr val="c0504d"/>
+      </a:accent2>
+      <a:accent3>
+        <a:srgbClr val="9bbb59"/>
+      </a:accent3>
+      <a:accent4>
+        <a:srgbClr val="8064a2"/>
+      </a:accent4>
+      <a:accent5>
+        <a:srgbClr val="4bacc6"/>
+      </a:accent5>
+      <a:accent6>
+        <a:srgbClr val="f79646"/>
+      </a:accent6>
+      <a:hlink>
+        <a:srgbClr val="0000ff"/>
+      </a:hlink>
+      <a:folHlink>
+        <a:srgbClr val="800080"/>
+      </a:folHlink>
+    </a:clrScheme>
+    <a:fontScheme name="Office">
+      <a:majorFont>
+        <a:latin typeface="Arial"/>
+        <a:ea typeface="DejaVu Sans"/>
+        <a:cs typeface="DejaVu Sans"/>
+      </a:majorFont>
+      <a:minorFont>
+        <a:latin typeface="Arial"/>
+        <a:ea typeface="DejaVu Sans"/>
+        <a:cs typeface="DejaVu Sans"/>
+      </a:minorFont>
+    </a:fontScheme>
+    <a:fmtScheme name="Office">
+      <a:fillStyleLst>
+        <a:solidFill>
+          <a:schemeClr val="phClr"/>
+        </a:solidFill>
+        <a:gradFill rotWithShape="1">
+          <a:gsLst>
+            <a:gs pos="0">
+              <a:schemeClr val="phClr">
+                <a:tint val="50000"/>
+                <a:satMod val="300000"/>
+              </a:schemeClr>
+            </a:gs>
+            <a:gs pos="35000">
+              <a:schemeClr val="phClr">
+                <a:tint val="37000"/>
+                <a:satMod val="300000"/>
+              </a:schemeClr>
+            </a:gs>
+            <a:gs pos="100000">
+              <a:schemeClr val="phClr">
+                <a:tint val="15000"/>
+                <a:satMod val="350000"/>
+              </a:schemeClr>
+            </a:gs>
+          </a:gsLst>
+          <a:lin ang="16200000" scaled="1"/>
+        </a:gradFill>
+        <a:gradFill rotWithShape="1">
+          <a:gsLst>
+            <a:gs pos="0">
+              <a:schemeClr val="phClr">
+                <a:shade val="51000"/>
+                <a:satMod val="130000"/>
+              </a:schemeClr>
+            </a:gs>
+            <a:gs pos="80000">
+              <a:schemeClr val="phClr">
+                <a:shade val="93000"/>
+                <a:satMod val="130000"/>
+              </a:schemeClr>
+            </a:gs>
+            <a:gs pos="100000">
+              <a:schemeClr val="phClr">
+                <a:shade val="94000"/>
+                <a:satMod val="135000"/>
+              </a:schemeClr>
+            </a:gs>
+          </a:gsLst>
+          <a:lin ang="16200000" scaled="0"/>
+        </a:gradFill>
+      </a:fillStyleLst>
+      <a:lnStyleLst>
+        <a:ln w="9525" cap="flat" cmpd="sng" algn="ctr">
+          <a:solidFill>
+            <a:schemeClr val="phClr">
+              <a:shade val="95000"/>
+              <a:satMod val="105000"/>
+            </a:schemeClr>
+          </a:solidFill>
+          <a:prstDash val="solid"/>
+          <a:miter/>
+        </a:ln>
+        <a:ln w="25400" cap="flat" cmpd="sng" algn="ctr">
+          <a:solidFill>
+            <a:schemeClr val="phClr"/>
+          </a:solidFill>
+          <a:prstDash val="solid"/>
+          <a:miter/>
+        </a:ln>
+        <a:ln w="38100" cap="flat" cmpd="sng" algn="ctr">
+          <a:solidFill>
+            <a:schemeClr val="phClr"/>
+          </a:solidFill>
+          <a:prstDash val="solid"/>
+          <a:miter/>
+        </a:ln>
+      </a:lnStyleLst>
+      <a:effectStyleLst>
+        <a:effectStyle>
+          <a:effectLst>
+            <a:outerShdw blurRad="40000" dist="20000" dir="5400000" rotWithShape="0">
+              <a:srgbClr val="000000">
+                <a:alpha val="38000"/>
+              </a:srgbClr>
+            </a:outerShdw>
+          </a:effectLst>
+        </a:effectStyle>
+        <a:effectStyle>
+          <a:effectLst>
+            <a:outerShdw blurRad="40000" dist="23000" dir="5400000" rotWithShape="0">
+              <a:srgbClr val="000000">
+                <a:alpha val="35000"/>
+              </a:srgbClr>
+            </a:outerShdw>
+          </a:effectLst>
+        </a:effectStyle>
+        <a:effectStyle>
+          <a:effectLst>
+            <a:outerShdw blurRad="40000" dist="23000" dir="5400000" rotWithShape="0">
+              <a:srgbClr val="000000">
+                <a:alpha val="35000"/>
+              </a:srgbClr>
+            </a:outerShdw>
+          </a:effectLst>
+          <a:scene3d>
+            <a:camera prst="orthographicFront">
+              <a:rot lat="0" lon="0" rev="0"/>
+            </a:camera>
+            <a:lightRig rig="threePt" dir="t">
+              <a:rot lat="0" lon="0" rev="1200000"/>
+            </a:lightRig>
+          </a:scene3d>
+          <a:sp3d>
+            <a:bevelT w="63500" h="25400"/>
+          </a:sp3d>
+        </a:effectStyle>
+      </a:effectStyleLst>
+      <a:bgFillStyleLst>
+        <a:solidFill>
+          <a:schemeClr val="phClr"/>
+        </a:solidFill>
+        <a:gradFill rotWithShape="1">
+          <a:gsLst>
+            <a:gs pos="0">
+              <a:schemeClr val="phClr">
+                <a:tint val="40000"/>
+                <a:satMod val="350000"/>
+              </a:schemeClr>
+            </a:gs>
+            <a:gs pos="40000">
+              <a:schemeClr val="phClr">
+                <a:tint val="45000"/>
+                <a:shade val="99000"/>
+                <a:satMod val="350000"/>
+              </a:schemeClr>
+            </a:gs>
+            <a:gs pos="100000">
+              <a:schemeClr val="phClr">
+                <a:shade val="20000"/>
+                <a:satMod val="255000"/>
+              </a:schemeClr>
+            </a:gs>
+          </a:gsLst>
+          <a:path path="circle">
+            <a:fillToRect l="50000" t="-80000" r="50000" b="180000"/>
+          </a:path>
+        </a:gradFill>
+        <a:gradFill rotWithShape="1">
+          <a:gsLst>
+            <a:gs pos="0">
+              <a:schemeClr val="phClr">
+                <a:tint val="80000"/>
+                <a:satMod val="300000"/>
+              </a:schemeClr>
+            </a:gs>
+            <a:gs pos="100000">
+              <a:schemeClr val="phClr">
+                <a:shade val="30000"/>
+                <a:satMod val="200000"/>
+              </a:schemeClr>
+            </a:gs>
+          </a:gsLst>
+          <a:path path="circle">
+            <a:fillToRect l="50000" t="50000" r="50000" b="50000"/>
+          </a:path>
+        </a:gradFill>
+      </a:bgFillStyleLst>
+    </a:fmtScheme>
+  </a:themeElements>
+</a:theme>
 </file>